--- a/week3/G2M_Case_Study_V1.0.pptx
+++ b/week3/G2M_Case_Study_V1.0.pptx
@@ -71,7 +71,7 @@
       </p:grpSpPr>
       <p:sp>
         <p:nvSpPr>
-          <p:cNvPr id="26" name="PlaceHolder 1"/>
+          <p:cNvPr id="23" name="PlaceHolder 1"/>
           <p:cNvSpPr>
             <a:spLocks noGrp="1"/>
           </p:cNvSpPr>
@@ -82,7 +82,7 @@
         <p:spPr>
           <a:xfrm>
             <a:off x="1523880" y="1122480"/>
-            <a:ext cx="9143640" cy="2387160"/>
+            <a:ext cx="9143280" cy="2386800"/>
           </a:xfrm>
           <a:prstGeom prst="rect">
             <a:avLst/>
@@ -93,18 +93,16 @@
             <a:noAutofit/>
           </a:bodyPr>
           <a:p>
-            <a:endParaRPr b="0" lang="en-US" sz="1800" spc="-1" strike="noStrike">
-              <a:solidFill>
-                <a:srgbClr val="000000"/>
-              </a:solidFill>
-              <a:latin typeface="Calibri"/>
+            <a:pPr algn="ctr"/>
+            <a:endParaRPr b="0" lang="en-US" sz="4400" spc="-1" strike="noStrike">
+              <a:latin typeface="Arial"/>
             </a:endParaRPr>
           </a:p>
         </p:txBody>
       </p:sp>
       <p:sp>
         <p:nvSpPr>
-          <p:cNvPr id="27" name="PlaceHolder 2"/>
+          <p:cNvPr id="24" name="PlaceHolder 2"/>
           <p:cNvSpPr>
             <a:spLocks noGrp="1"/>
           </p:cNvSpPr>
@@ -126,18 +124,15 @@
             <a:normAutofit/>
           </a:bodyPr>
           <a:p>
-            <a:endParaRPr b="0" lang="en-US" sz="2800" spc="-1" strike="noStrike">
-              <a:solidFill>
-                <a:srgbClr val="000000"/>
-              </a:solidFill>
-              <a:latin typeface="Calibri"/>
+            <a:endParaRPr b="0" lang="en-US" sz="3200" spc="-1" strike="noStrike">
+              <a:latin typeface="Arial"/>
             </a:endParaRPr>
           </a:p>
         </p:txBody>
       </p:sp>
       <p:sp>
         <p:nvSpPr>
-          <p:cNvPr id="28" name="PlaceHolder 3"/>
+          <p:cNvPr id="25" name="PlaceHolder 3"/>
           <p:cNvSpPr>
             <a:spLocks noGrp="1"/>
           </p:cNvSpPr>
@@ -159,11 +154,8 @@
             <a:normAutofit/>
           </a:bodyPr>
           <a:p>
-            <a:endParaRPr b="0" lang="en-US" sz="2800" spc="-1" strike="noStrike">
-              <a:solidFill>
-                <a:srgbClr val="000000"/>
-              </a:solidFill>
-              <a:latin typeface="Calibri"/>
+            <a:endParaRPr b="0" lang="en-US" sz="3200" spc="-1" strike="noStrike">
+              <a:latin typeface="Arial"/>
             </a:endParaRPr>
           </a:p>
         </p:txBody>
@@ -192,7 +184,7 @@
       </p:grpSpPr>
       <p:sp>
         <p:nvSpPr>
-          <p:cNvPr id="29" name="PlaceHolder 1"/>
+          <p:cNvPr id="26" name="PlaceHolder 1"/>
           <p:cNvSpPr>
             <a:spLocks noGrp="1"/>
           </p:cNvSpPr>
@@ -203,7 +195,7 @@
         <p:spPr>
           <a:xfrm>
             <a:off x="1523880" y="1122480"/>
-            <a:ext cx="9143640" cy="2387160"/>
+            <a:ext cx="9143280" cy="2386800"/>
           </a:xfrm>
           <a:prstGeom prst="rect">
             <a:avLst/>
@@ -214,18 +206,16 @@
             <a:noAutofit/>
           </a:bodyPr>
           <a:p>
-            <a:endParaRPr b="0" lang="en-US" sz="1800" spc="-1" strike="noStrike">
-              <a:solidFill>
-                <a:srgbClr val="000000"/>
-              </a:solidFill>
-              <a:latin typeface="Calibri"/>
+            <a:pPr algn="ctr"/>
+            <a:endParaRPr b="0" lang="en-US" sz="4400" spc="-1" strike="noStrike">
+              <a:latin typeface="Arial"/>
             </a:endParaRPr>
           </a:p>
         </p:txBody>
       </p:sp>
       <p:sp>
         <p:nvSpPr>
-          <p:cNvPr id="30" name="PlaceHolder 2"/>
+          <p:cNvPr id="27" name="PlaceHolder 2"/>
           <p:cNvSpPr>
             <a:spLocks noGrp="1"/>
           </p:cNvSpPr>
@@ -247,18 +237,15 @@
             <a:normAutofit/>
           </a:bodyPr>
           <a:p>
-            <a:endParaRPr b="0" lang="en-US" sz="2800" spc="-1" strike="noStrike">
-              <a:solidFill>
-                <a:srgbClr val="000000"/>
-              </a:solidFill>
-              <a:latin typeface="Calibri"/>
+            <a:endParaRPr b="0" lang="en-US" sz="3200" spc="-1" strike="noStrike">
+              <a:latin typeface="Arial"/>
             </a:endParaRPr>
           </a:p>
         </p:txBody>
       </p:sp>
       <p:sp>
         <p:nvSpPr>
-          <p:cNvPr id="31" name="PlaceHolder 3"/>
+          <p:cNvPr id="28" name="PlaceHolder 3"/>
           <p:cNvSpPr>
             <a:spLocks noGrp="1"/>
           </p:cNvSpPr>
@@ -280,18 +267,15 @@
             <a:normAutofit/>
           </a:bodyPr>
           <a:p>
-            <a:endParaRPr b="0" lang="en-US" sz="2800" spc="-1" strike="noStrike">
-              <a:solidFill>
-                <a:srgbClr val="000000"/>
-              </a:solidFill>
-              <a:latin typeface="Calibri"/>
+            <a:endParaRPr b="0" lang="en-US" sz="3200" spc="-1" strike="noStrike">
+              <a:latin typeface="Arial"/>
             </a:endParaRPr>
           </a:p>
         </p:txBody>
       </p:sp>
       <p:sp>
         <p:nvSpPr>
-          <p:cNvPr id="32" name="PlaceHolder 4"/>
+          <p:cNvPr id="29" name="PlaceHolder 4"/>
           <p:cNvSpPr>
             <a:spLocks noGrp="1"/>
           </p:cNvSpPr>
@@ -313,18 +297,15 @@
             <a:normAutofit/>
           </a:bodyPr>
           <a:p>
-            <a:endParaRPr b="0" lang="en-US" sz="2800" spc="-1" strike="noStrike">
-              <a:solidFill>
-                <a:srgbClr val="000000"/>
-              </a:solidFill>
-              <a:latin typeface="Calibri"/>
+            <a:endParaRPr b="0" lang="en-US" sz="3200" spc="-1" strike="noStrike">
+              <a:latin typeface="Arial"/>
             </a:endParaRPr>
           </a:p>
         </p:txBody>
       </p:sp>
       <p:sp>
         <p:nvSpPr>
-          <p:cNvPr id="33" name="PlaceHolder 5"/>
+          <p:cNvPr id="30" name="PlaceHolder 5"/>
           <p:cNvSpPr>
             <a:spLocks noGrp="1"/>
           </p:cNvSpPr>
@@ -346,11 +327,8 @@
             <a:normAutofit/>
           </a:bodyPr>
           <a:p>
-            <a:endParaRPr b="0" lang="en-US" sz="2800" spc="-1" strike="noStrike">
-              <a:solidFill>
-                <a:srgbClr val="000000"/>
-              </a:solidFill>
-              <a:latin typeface="Calibri"/>
+            <a:endParaRPr b="0" lang="en-US" sz="3200" spc="-1" strike="noStrike">
+              <a:latin typeface="Arial"/>
             </a:endParaRPr>
           </a:p>
         </p:txBody>
@@ -379,7 +357,7 @@
       </p:grpSpPr>
       <p:sp>
         <p:nvSpPr>
-          <p:cNvPr id="34" name="PlaceHolder 1"/>
+          <p:cNvPr id="31" name="PlaceHolder 1"/>
           <p:cNvSpPr>
             <a:spLocks noGrp="1"/>
           </p:cNvSpPr>
@@ -390,7 +368,7 @@
         <p:spPr>
           <a:xfrm>
             <a:off x="1523880" y="1122480"/>
-            <a:ext cx="9143640" cy="2387160"/>
+            <a:ext cx="9143280" cy="2386800"/>
           </a:xfrm>
           <a:prstGeom prst="rect">
             <a:avLst/>
@@ -401,18 +379,16 @@
             <a:noAutofit/>
           </a:bodyPr>
           <a:p>
-            <a:endParaRPr b="0" lang="en-US" sz="1800" spc="-1" strike="noStrike">
-              <a:solidFill>
-                <a:srgbClr val="000000"/>
-              </a:solidFill>
-              <a:latin typeface="Calibri"/>
+            <a:pPr algn="ctr"/>
+            <a:endParaRPr b="0" lang="en-US" sz="4400" spc="-1" strike="noStrike">
+              <a:latin typeface="Arial"/>
             </a:endParaRPr>
           </a:p>
         </p:txBody>
       </p:sp>
       <p:sp>
         <p:nvSpPr>
-          <p:cNvPr id="35" name="PlaceHolder 2"/>
+          <p:cNvPr id="32" name="PlaceHolder 2"/>
           <p:cNvSpPr>
             <a:spLocks noGrp="1"/>
           </p:cNvSpPr>
@@ -434,18 +410,15 @@
             <a:normAutofit/>
           </a:bodyPr>
           <a:p>
-            <a:endParaRPr b="0" lang="en-US" sz="2800" spc="-1" strike="noStrike">
-              <a:solidFill>
-                <a:srgbClr val="000000"/>
-              </a:solidFill>
-              <a:latin typeface="Calibri"/>
+            <a:endParaRPr b="0" lang="en-US" sz="3200" spc="-1" strike="noStrike">
+              <a:latin typeface="Arial"/>
             </a:endParaRPr>
           </a:p>
         </p:txBody>
       </p:sp>
       <p:sp>
         <p:nvSpPr>
-          <p:cNvPr id="36" name="PlaceHolder 3"/>
+          <p:cNvPr id="33" name="PlaceHolder 3"/>
           <p:cNvSpPr>
             <a:spLocks noGrp="1"/>
           </p:cNvSpPr>
@@ -467,18 +440,15 @@
             <a:normAutofit/>
           </a:bodyPr>
           <a:p>
-            <a:endParaRPr b="0" lang="en-US" sz="2800" spc="-1" strike="noStrike">
-              <a:solidFill>
-                <a:srgbClr val="000000"/>
-              </a:solidFill>
-              <a:latin typeface="Calibri"/>
+            <a:endParaRPr b="0" lang="en-US" sz="3200" spc="-1" strike="noStrike">
+              <a:latin typeface="Arial"/>
             </a:endParaRPr>
           </a:p>
         </p:txBody>
       </p:sp>
       <p:sp>
         <p:nvSpPr>
-          <p:cNvPr id="37" name="PlaceHolder 4"/>
+          <p:cNvPr id="34" name="PlaceHolder 4"/>
           <p:cNvSpPr>
             <a:spLocks noGrp="1"/>
           </p:cNvSpPr>
@@ -500,18 +470,15 @@
             <a:normAutofit/>
           </a:bodyPr>
           <a:p>
-            <a:endParaRPr b="0" lang="en-US" sz="2800" spc="-1" strike="noStrike">
-              <a:solidFill>
-                <a:srgbClr val="000000"/>
-              </a:solidFill>
-              <a:latin typeface="Calibri"/>
+            <a:endParaRPr b="0" lang="en-US" sz="3200" spc="-1" strike="noStrike">
+              <a:latin typeface="Arial"/>
             </a:endParaRPr>
           </a:p>
         </p:txBody>
       </p:sp>
       <p:sp>
         <p:nvSpPr>
-          <p:cNvPr id="38" name="PlaceHolder 5"/>
+          <p:cNvPr id="35" name="PlaceHolder 5"/>
           <p:cNvSpPr>
             <a:spLocks noGrp="1"/>
           </p:cNvSpPr>
@@ -533,18 +500,15 @@
             <a:normAutofit/>
           </a:bodyPr>
           <a:p>
-            <a:endParaRPr b="0" lang="en-US" sz="2800" spc="-1" strike="noStrike">
-              <a:solidFill>
-                <a:srgbClr val="000000"/>
-              </a:solidFill>
-              <a:latin typeface="Calibri"/>
+            <a:endParaRPr b="0" lang="en-US" sz="3200" spc="-1" strike="noStrike">
+              <a:latin typeface="Arial"/>
             </a:endParaRPr>
           </a:p>
         </p:txBody>
       </p:sp>
       <p:sp>
         <p:nvSpPr>
-          <p:cNvPr id="39" name="PlaceHolder 6"/>
+          <p:cNvPr id="36" name="PlaceHolder 6"/>
           <p:cNvSpPr>
             <a:spLocks noGrp="1"/>
           </p:cNvSpPr>
@@ -566,18 +530,15 @@
             <a:normAutofit/>
           </a:bodyPr>
           <a:p>
-            <a:endParaRPr b="0" lang="en-US" sz="2800" spc="-1" strike="noStrike">
-              <a:solidFill>
-                <a:srgbClr val="000000"/>
-              </a:solidFill>
-              <a:latin typeface="Calibri"/>
+            <a:endParaRPr b="0" lang="en-US" sz="3200" spc="-1" strike="noStrike">
+              <a:latin typeface="Arial"/>
             </a:endParaRPr>
           </a:p>
         </p:txBody>
       </p:sp>
       <p:sp>
         <p:nvSpPr>
-          <p:cNvPr id="40" name="PlaceHolder 7"/>
+          <p:cNvPr id="37" name="PlaceHolder 7"/>
           <p:cNvSpPr>
             <a:spLocks noGrp="1"/>
           </p:cNvSpPr>
@@ -599,11 +560,8 @@
             <a:normAutofit/>
           </a:bodyPr>
           <a:p>
-            <a:endParaRPr b="0" lang="en-US" sz="2800" spc="-1" strike="noStrike">
-              <a:solidFill>
-                <a:srgbClr val="000000"/>
-              </a:solidFill>
-              <a:latin typeface="Calibri"/>
+            <a:endParaRPr b="0" lang="en-US" sz="3200" spc="-1" strike="noStrike">
+              <a:latin typeface="Arial"/>
             </a:endParaRPr>
           </a:p>
         </p:txBody>
@@ -654,7 +612,7 @@
       </p:grpSpPr>
       <p:sp>
         <p:nvSpPr>
-          <p:cNvPr id="46" name="PlaceHolder 1"/>
+          <p:cNvPr id="40" name="PlaceHolder 1"/>
           <p:cNvSpPr>
             <a:spLocks noGrp="1"/>
           </p:cNvSpPr>
@@ -665,7 +623,7 @@
         <p:spPr>
           <a:xfrm>
             <a:off x="1523880" y="1122480"/>
-            <a:ext cx="9143640" cy="2387160"/>
+            <a:ext cx="9143280" cy="2386800"/>
           </a:xfrm>
           <a:prstGeom prst="rect">
             <a:avLst/>
@@ -676,18 +634,16 @@
             <a:noAutofit/>
           </a:bodyPr>
           <a:p>
-            <a:endParaRPr b="0" lang="en-US" sz="1800" spc="-1" strike="noStrike">
-              <a:solidFill>
-                <a:srgbClr val="000000"/>
-              </a:solidFill>
-              <a:latin typeface="Calibri"/>
+            <a:pPr algn="ctr"/>
+            <a:endParaRPr b="0" lang="en-US" sz="4400" spc="-1" strike="noStrike">
+              <a:latin typeface="Arial"/>
             </a:endParaRPr>
           </a:p>
         </p:txBody>
       </p:sp>
       <p:sp>
         <p:nvSpPr>
-          <p:cNvPr id="47" name="PlaceHolder 2"/>
+          <p:cNvPr id="41" name="PlaceHolder 2"/>
           <p:cNvSpPr>
             <a:spLocks noGrp="1"/>
           </p:cNvSpPr>
@@ -740,7 +696,7 @@
       </p:grpSpPr>
       <p:sp>
         <p:nvSpPr>
-          <p:cNvPr id="48" name="PlaceHolder 1"/>
+          <p:cNvPr id="42" name="PlaceHolder 1"/>
           <p:cNvSpPr>
             <a:spLocks noGrp="1"/>
           </p:cNvSpPr>
@@ -751,7 +707,7 @@
         <p:spPr>
           <a:xfrm>
             <a:off x="1523880" y="1122480"/>
-            <a:ext cx="9143640" cy="2387160"/>
+            <a:ext cx="9143280" cy="2386800"/>
           </a:xfrm>
           <a:prstGeom prst="rect">
             <a:avLst/>
@@ -762,18 +718,16 @@
             <a:noAutofit/>
           </a:bodyPr>
           <a:p>
-            <a:endParaRPr b="0" lang="en-US" sz="1800" spc="-1" strike="noStrike">
-              <a:solidFill>
-                <a:srgbClr val="000000"/>
-              </a:solidFill>
-              <a:latin typeface="Calibri"/>
+            <a:pPr algn="ctr"/>
+            <a:endParaRPr b="0" lang="en-US" sz="4400" spc="-1" strike="noStrike">
+              <a:latin typeface="Arial"/>
             </a:endParaRPr>
           </a:p>
         </p:txBody>
       </p:sp>
       <p:sp>
         <p:nvSpPr>
-          <p:cNvPr id="49" name="PlaceHolder 2"/>
+          <p:cNvPr id="43" name="PlaceHolder 2"/>
           <p:cNvSpPr>
             <a:spLocks noGrp="1"/>
           </p:cNvSpPr>
@@ -795,11 +749,8 @@
             <a:normAutofit/>
           </a:bodyPr>
           <a:p>
-            <a:endParaRPr b="0" lang="en-US" sz="2800" spc="-1" strike="noStrike">
-              <a:solidFill>
-                <a:srgbClr val="000000"/>
-              </a:solidFill>
-              <a:latin typeface="Calibri"/>
+            <a:endParaRPr b="0" lang="en-US" sz="3200" spc="-1" strike="noStrike">
+              <a:latin typeface="Arial"/>
             </a:endParaRPr>
           </a:p>
         </p:txBody>
@@ -828,7 +779,7 @@
       </p:grpSpPr>
       <p:sp>
         <p:nvSpPr>
-          <p:cNvPr id="50" name="PlaceHolder 1"/>
+          <p:cNvPr id="44" name="PlaceHolder 1"/>
           <p:cNvSpPr>
             <a:spLocks noGrp="1"/>
           </p:cNvSpPr>
@@ -839,7 +790,7 @@
         <p:spPr>
           <a:xfrm>
             <a:off x="1523880" y="1122480"/>
-            <a:ext cx="9143640" cy="2387160"/>
+            <a:ext cx="9143280" cy="2386800"/>
           </a:xfrm>
           <a:prstGeom prst="rect">
             <a:avLst/>
@@ -850,18 +801,16 @@
             <a:noAutofit/>
           </a:bodyPr>
           <a:p>
-            <a:endParaRPr b="0" lang="en-US" sz="1800" spc="-1" strike="noStrike">
-              <a:solidFill>
-                <a:srgbClr val="000000"/>
-              </a:solidFill>
-              <a:latin typeface="Calibri"/>
+            <a:pPr algn="ctr"/>
+            <a:endParaRPr b="0" lang="en-US" sz="4400" spc="-1" strike="noStrike">
+              <a:latin typeface="Arial"/>
             </a:endParaRPr>
           </a:p>
         </p:txBody>
       </p:sp>
       <p:sp>
         <p:nvSpPr>
-          <p:cNvPr id="51" name="PlaceHolder 2"/>
+          <p:cNvPr id="45" name="PlaceHolder 2"/>
           <p:cNvSpPr>
             <a:spLocks noGrp="1"/>
           </p:cNvSpPr>
@@ -883,18 +832,15 @@
             <a:normAutofit/>
           </a:bodyPr>
           <a:p>
-            <a:endParaRPr b="0" lang="en-US" sz="2800" spc="-1" strike="noStrike">
-              <a:solidFill>
-                <a:srgbClr val="000000"/>
-              </a:solidFill>
-              <a:latin typeface="Calibri"/>
+            <a:endParaRPr b="0" lang="en-US" sz="3200" spc="-1" strike="noStrike">
+              <a:latin typeface="Arial"/>
             </a:endParaRPr>
           </a:p>
         </p:txBody>
       </p:sp>
       <p:sp>
         <p:nvSpPr>
-          <p:cNvPr id="52" name="PlaceHolder 3"/>
+          <p:cNvPr id="46" name="PlaceHolder 3"/>
           <p:cNvSpPr>
             <a:spLocks noGrp="1"/>
           </p:cNvSpPr>
@@ -916,11 +862,8 @@
             <a:normAutofit/>
           </a:bodyPr>
           <a:p>
-            <a:endParaRPr b="0" lang="en-US" sz="2800" spc="-1" strike="noStrike">
-              <a:solidFill>
-                <a:srgbClr val="000000"/>
-              </a:solidFill>
-              <a:latin typeface="Calibri"/>
+            <a:endParaRPr b="0" lang="en-US" sz="3200" spc="-1" strike="noStrike">
+              <a:latin typeface="Arial"/>
             </a:endParaRPr>
           </a:p>
         </p:txBody>
@@ -949,7 +892,7 @@
       </p:grpSpPr>
       <p:sp>
         <p:nvSpPr>
-          <p:cNvPr id="53" name="PlaceHolder 1"/>
+          <p:cNvPr id="47" name="PlaceHolder 1"/>
           <p:cNvSpPr>
             <a:spLocks noGrp="1"/>
           </p:cNvSpPr>
@@ -960,7 +903,7 @@
         <p:spPr>
           <a:xfrm>
             <a:off x="1523880" y="1122480"/>
-            <a:ext cx="9143640" cy="2387160"/>
+            <a:ext cx="9143280" cy="2386800"/>
           </a:xfrm>
           <a:prstGeom prst="rect">
             <a:avLst/>
@@ -971,11 +914,9 @@
             <a:noAutofit/>
           </a:bodyPr>
           <a:p>
-            <a:endParaRPr b="0" lang="en-US" sz="1800" spc="-1" strike="noStrike">
-              <a:solidFill>
-                <a:srgbClr val="000000"/>
-              </a:solidFill>
-              <a:latin typeface="Calibri"/>
+            <a:pPr algn="ctr"/>
+            <a:endParaRPr b="0" lang="en-US" sz="4400" spc="-1" strike="noStrike">
+              <a:latin typeface="Arial"/>
             </a:endParaRPr>
           </a:p>
         </p:txBody>
@@ -1004,7 +945,7 @@
       </p:grpSpPr>
       <p:sp>
         <p:nvSpPr>
-          <p:cNvPr id="54" name="PlaceHolder 1"/>
+          <p:cNvPr id="48" name="PlaceHolder 1"/>
           <p:cNvSpPr>
             <a:spLocks noGrp="1"/>
           </p:cNvSpPr>
@@ -1015,7 +956,7 @@
         <p:spPr>
           <a:xfrm>
             <a:off x="1523880" y="1122480"/>
-            <a:ext cx="9143640" cy="11066760"/>
+            <a:ext cx="9143280" cy="11064960"/>
           </a:xfrm>
           <a:prstGeom prst="rect">
             <a:avLst/>
@@ -1057,7 +998,7 @@
       </p:grpSpPr>
       <p:sp>
         <p:nvSpPr>
-          <p:cNvPr id="55" name="PlaceHolder 1"/>
+          <p:cNvPr id="49" name="PlaceHolder 1"/>
           <p:cNvSpPr>
             <a:spLocks noGrp="1"/>
           </p:cNvSpPr>
@@ -1068,7 +1009,7 @@
         <p:spPr>
           <a:xfrm>
             <a:off x="1523880" y="1122480"/>
-            <a:ext cx="9143640" cy="2387160"/>
+            <a:ext cx="9143280" cy="2386800"/>
           </a:xfrm>
           <a:prstGeom prst="rect">
             <a:avLst/>
@@ -1079,18 +1020,16 @@
             <a:noAutofit/>
           </a:bodyPr>
           <a:p>
-            <a:endParaRPr b="0" lang="en-US" sz="1800" spc="-1" strike="noStrike">
-              <a:solidFill>
-                <a:srgbClr val="000000"/>
-              </a:solidFill>
-              <a:latin typeface="Calibri"/>
+            <a:pPr algn="ctr"/>
+            <a:endParaRPr b="0" lang="en-US" sz="4400" spc="-1" strike="noStrike">
+              <a:latin typeface="Arial"/>
             </a:endParaRPr>
           </a:p>
         </p:txBody>
       </p:sp>
       <p:sp>
         <p:nvSpPr>
-          <p:cNvPr id="56" name="PlaceHolder 2"/>
+          <p:cNvPr id="50" name="PlaceHolder 2"/>
           <p:cNvSpPr>
             <a:spLocks noGrp="1"/>
           </p:cNvSpPr>
@@ -1112,18 +1051,15 @@
             <a:normAutofit/>
           </a:bodyPr>
           <a:p>
-            <a:endParaRPr b="0" lang="en-US" sz="2800" spc="-1" strike="noStrike">
-              <a:solidFill>
-                <a:srgbClr val="000000"/>
-              </a:solidFill>
-              <a:latin typeface="Calibri"/>
+            <a:endParaRPr b="0" lang="en-US" sz="3200" spc="-1" strike="noStrike">
+              <a:latin typeface="Arial"/>
             </a:endParaRPr>
           </a:p>
         </p:txBody>
       </p:sp>
       <p:sp>
         <p:nvSpPr>
-          <p:cNvPr id="57" name="PlaceHolder 3"/>
+          <p:cNvPr id="51" name="PlaceHolder 3"/>
           <p:cNvSpPr>
             <a:spLocks noGrp="1"/>
           </p:cNvSpPr>
@@ -1145,18 +1081,15 @@
             <a:normAutofit/>
           </a:bodyPr>
           <a:p>
-            <a:endParaRPr b="0" lang="en-US" sz="2800" spc="-1" strike="noStrike">
-              <a:solidFill>
-                <a:srgbClr val="000000"/>
-              </a:solidFill>
-              <a:latin typeface="Calibri"/>
+            <a:endParaRPr b="0" lang="en-US" sz="3200" spc="-1" strike="noStrike">
+              <a:latin typeface="Arial"/>
             </a:endParaRPr>
           </a:p>
         </p:txBody>
       </p:sp>
       <p:sp>
         <p:nvSpPr>
-          <p:cNvPr id="58" name="PlaceHolder 4"/>
+          <p:cNvPr id="52" name="PlaceHolder 4"/>
           <p:cNvSpPr>
             <a:spLocks noGrp="1"/>
           </p:cNvSpPr>
@@ -1178,11 +1111,8 @@
             <a:normAutofit/>
           </a:bodyPr>
           <a:p>
-            <a:endParaRPr b="0" lang="en-US" sz="2800" spc="-1" strike="noStrike">
-              <a:solidFill>
-                <a:srgbClr val="000000"/>
-              </a:solidFill>
-              <a:latin typeface="Calibri"/>
+            <a:endParaRPr b="0" lang="en-US" sz="3200" spc="-1" strike="noStrike">
+              <a:latin typeface="Arial"/>
             </a:endParaRPr>
           </a:p>
         </p:txBody>
@@ -1211,7 +1141,7 @@
       </p:grpSpPr>
       <p:sp>
         <p:nvSpPr>
-          <p:cNvPr id="5" name="PlaceHolder 1"/>
+          <p:cNvPr id="2" name="PlaceHolder 1"/>
           <p:cNvSpPr>
             <a:spLocks noGrp="1"/>
           </p:cNvSpPr>
@@ -1222,7 +1152,7 @@
         <p:spPr>
           <a:xfrm>
             <a:off x="1523880" y="1122480"/>
-            <a:ext cx="9143640" cy="2387160"/>
+            <a:ext cx="9143280" cy="2386800"/>
           </a:xfrm>
           <a:prstGeom prst="rect">
             <a:avLst/>
@@ -1233,18 +1163,16 @@
             <a:noAutofit/>
           </a:bodyPr>
           <a:p>
-            <a:endParaRPr b="0" lang="en-US" sz="1800" spc="-1" strike="noStrike">
-              <a:solidFill>
-                <a:srgbClr val="000000"/>
-              </a:solidFill>
-              <a:latin typeface="Calibri"/>
+            <a:pPr algn="ctr"/>
+            <a:endParaRPr b="0" lang="en-US" sz="4400" spc="-1" strike="noStrike">
+              <a:latin typeface="Arial"/>
             </a:endParaRPr>
           </a:p>
         </p:txBody>
       </p:sp>
       <p:sp>
         <p:nvSpPr>
-          <p:cNvPr id="6" name="PlaceHolder 2"/>
+          <p:cNvPr id="3" name="PlaceHolder 2"/>
           <p:cNvSpPr>
             <a:spLocks noGrp="1"/>
           </p:cNvSpPr>
@@ -1297,7 +1225,7 @@
       </p:grpSpPr>
       <p:sp>
         <p:nvSpPr>
-          <p:cNvPr id="59" name="PlaceHolder 1"/>
+          <p:cNvPr id="53" name="PlaceHolder 1"/>
           <p:cNvSpPr>
             <a:spLocks noGrp="1"/>
           </p:cNvSpPr>
@@ -1308,7 +1236,7 @@
         <p:spPr>
           <a:xfrm>
             <a:off x="1523880" y="1122480"/>
-            <a:ext cx="9143640" cy="2387160"/>
+            <a:ext cx="9143280" cy="2386800"/>
           </a:xfrm>
           <a:prstGeom prst="rect">
             <a:avLst/>
@@ -1319,18 +1247,16 @@
             <a:noAutofit/>
           </a:bodyPr>
           <a:p>
-            <a:endParaRPr b="0" lang="en-US" sz="1800" spc="-1" strike="noStrike">
-              <a:solidFill>
-                <a:srgbClr val="000000"/>
-              </a:solidFill>
-              <a:latin typeface="Calibri"/>
+            <a:pPr algn="ctr"/>
+            <a:endParaRPr b="0" lang="en-US" sz="4400" spc="-1" strike="noStrike">
+              <a:latin typeface="Arial"/>
             </a:endParaRPr>
           </a:p>
         </p:txBody>
       </p:sp>
       <p:sp>
         <p:nvSpPr>
-          <p:cNvPr id="60" name="PlaceHolder 2"/>
+          <p:cNvPr id="54" name="PlaceHolder 2"/>
           <p:cNvSpPr>
             <a:spLocks noGrp="1"/>
           </p:cNvSpPr>
@@ -1352,18 +1278,15 @@
             <a:normAutofit/>
           </a:bodyPr>
           <a:p>
-            <a:endParaRPr b="0" lang="en-US" sz="2800" spc="-1" strike="noStrike">
-              <a:solidFill>
-                <a:srgbClr val="000000"/>
-              </a:solidFill>
-              <a:latin typeface="Calibri"/>
+            <a:endParaRPr b="0" lang="en-US" sz="3200" spc="-1" strike="noStrike">
+              <a:latin typeface="Arial"/>
             </a:endParaRPr>
           </a:p>
         </p:txBody>
       </p:sp>
       <p:sp>
         <p:nvSpPr>
-          <p:cNvPr id="61" name="PlaceHolder 3"/>
+          <p:cNvPr id="55" name="PlaceHolder 3"/>
           <p:cNvSpPr>
             <a:spLocks noGrp="1"/>
           </p:cNvSpPr>
@@ -1385,18 +1308,15 @@
             <a:normAutofit/>
           </a:bodyPr>
           <a:p>
-            <a:endParaRPr b="0" lang="en-US" sz="2800" spc="-1" strike="noStrike">
-              <a:solidFill>
-                <a:srgbClr val="000000"/>
-              </a:solidFill>
-              <a:latin typeface="Calibri"/>
+            <a:endParaRPr b="0" lang="en-US" sz="3200" spc="-1" strike="noStrike">
+              <a:latin typeface="Arial"/>
             </a:endParaRPr>
           </a:p>
         </p:txBody>
       </p:sp>
       <p:sp>
         <p:nvSpPr>
-          <p:cNvPr id="62" name="PlaceHolder 4"/>
+          <p:cNvPr id="56" name="PlaceHolder 4"/>
           <p:cNvSpPr>
             <a:spLocks noGrp="1"/>
           </p:cNvSpPr>
@@ -1418,11 +1338,8 @@
             <a:normAutofit/>
           </a:bodyPr>
           <a:p>
-            <a:endParaRPr b="0" lang="en-US" sz="2800" spc="-1" strike="noStrike">
-              <a:solidFill>
-                <a:srgbClr val="000000"/>
-              </a:solidFill>
-              <a:latin typeface="Calibri"/>
+            <a:endParaRPr b="0" lang="en-US" sz="3200" spc="-1" strike="noStrike">
+              <a:latin typeface="Arial"/>
             </a:endParaRPr>
           </a:p>
         </p:txBody>
@@ -1451,7 +1368,7 @@
       </p:grpSpPr>
       <p:sp>
         <p:nvSpPr>
-          <p:cNvPr id="63" name="PlaceHolder 1"/>
+          <p:cNvPr id="57" name="PlaceHolder 1"/>
           <p:cNvSpPr>
             <a:spLocks noGrp="1"/>
           </p:cNvSpPr>
@@ -1462,7 +1379,7 @@
         <p:spPr>
           <a:xfrm>
             <a:off x="1523880" y="1122480"/>
-            <a:ext cx="9143640" cy="2387160"/>
+            <a:ext cx="9143280" cy="2386800"/>
           </a:xfrm>
           <a:prstGeom prst="rect">
             <a:avLst/>
@@ -1473,18 +1390,16 @@
             <a:noAutofit/>
           </a:bodyPr>
           <a:p>
-            <a:endParaRPr b="0" lang="en-US" sz="1800" spc="-1" strike="noStrike">
-              <a:solidFill>
-                <a:srgbClr val="000000"/>
-              </a:solidFill>
-              <a:latin typeface="Calibri"/>
+            <a:pPr algn="ctr"/>
+            <a:endParaRPr b="0" lang="en-US" sz="4400" spc="-1" strike="noStrike">
+              <a:latin typeface="Arial"/>
             </a:endParaRPr>
           </a:p>
         </p:txBody>
       </p:sp>
       <p:sp>
         <p:nvSpPr>
-          <p:cNvPr id="64" name="PlaceHolder 2"/>
+          <p:cNvPr id="58" name="PlaceHolder 2"/>
           <p:cNvSpPr>
             <a:spLocks noGrp="1"/>
           </p:cNvSpPr>
@@ -1506,18 +1421,15 @@
             <a:normAutofit/>
           </a:bodyPr>
           <a:p>
-            <a:endParaRPr b="0" lang="en-US" sz="2800" spc="-1" strike="noStrike">
-              <a:solidFill>
-                <a:srgbClr val="000000"/>
-              </a:solidFill>
-              <a:latin typeface="Calibri"/>
+            <a:endParaRPr b="0" lang="en-US" sz="3200" spc="-1" strike="noStrike">
+              <a:latin typeface="Arial"/>
             </a:endParaRPr>
           </a:p>
         </p:txBody>
       </p:sp>
       <p:sp>
         <p:nvSpPr>
-          <p:cNvPr id="65" name="PlaceHolder 3"/>
+          <p:cNvPr id="59" name="PlaceHolder 3"/>
           <p:cNvSpPr>
             <a:spLocks noGrp="1"/>
           </p:cNvSpPr>
@@ -1539,18 +1451,15 @@
             <a:normAutofit/>
           </a:bodyPr>
           <a:p>
-            <a:endParaRPr b="0" lang="en-US" sz="2800" spc="-1" strike="noStrike">
-              <a:solidFill>
-                <a:srgbClr val="000000"/>
-              </a:solidFill>
-              <a:latin typeface="Calibri"/>
+            <a:endParaRPr b="0" lang="en-US" sz="3200" spc="-1" strike="noStrike">
+              <a:latin typeface="Arial"/>
             </a:endParaRPr>
           </a:p>
         </p:txBody>
       </p:sp>
       <p:sp>
         <p:nvSpPr>
-          <p:cNvPr id="66" name="PlaceHolder 4"/>
+          <p:cNvPr id="60" name="PlaceHolder 4"/>
           <p:cNvSpPr>
             <a:spLocks noGrp="1"/>
           </p:cNvSpPr>
@@ -1572,11 +1481,8 @@
             <a:normAutofit/>
           </a:bodyPr>
           <a:p>
-            <a:endParaRPr b="0" lang="en-US" sz="2800" spc="-1" strike="noStrike">
-              <a:solidFill>
-                <a:srgbClr val="000000"/>
-              </a:solidFill>
-              <a:latin typeface="Calibri"/>
+            <a:endParaRPr b="0" lang="en-US" sz="3200" spc="-1" strike="noStrike">
+              <a:latin typeface="Arial"/>
             </a:endParaRPr>
           </a:p>
         </p:txBody>
@@ -1605,7 +1511,7 @@
       </p:grpSpPr>
       <p:sp>
         <p:nvSpPr>
-          <p:cNvPr id="67" name="PlaceHolder 1"/>
+          <p:cNvPr id="61" name="PlaceHolder 1"/>
           <p:cNvSpPr>
             <a:spLocks noGrp="1"/>
           </p:cNvSpPr>
@@ -1616,7 +1522,7 @@
         <p:spPr>
           <a:xfrm>
             <a:off x="1523880" y="1122480"/>
-            <a:ext cx="9143640" cy="2387160"/>
+            <a:ext cx="9143280" cy="2386800"/>
           </a:xfrm>
           <a:prstGeom prst="rect">
             <a:avLst/>
@@ -1627,18 +1533,16 @@
             <a:noAutofit/>
           </a:bodyPr>
           <a:p>
-            <a:endParaRPr b="0" lang="en-US" sz="1800" spc="-1" strike="noStrike">
-              <a:solidFill>
-                <a:srgbClr val="000000"/>
-              </a:solidFill>
-              <a:latin typeface="Calibri"/>
+            <a:pPr algn="ctr"/>
+            <a:endParaRPr b="0" lang="en-US" sz="4400" spc="-1" strike="noStrike">
+              <a:latin typeface="Arial"/>
             </a:endParaRPr>
           </a:p>
         </p:txBody>
       </p:sp>
       <p:sp>
         <p:nvSpPr>
-          <p:cNvPr id="68" name="PlaceHolder 2"/>
+          <p:cNvPr id="62" name="PlaceHolder 2"/>
           <p:cNvSpPr>
             <a:spLocks noGrp="1"/>
           </p:cNvSpPr>
@@ -1660,18 +1564,15 @@
             <a:normAutofit/>
           </a:bodyPr>
           <a:p>
-            <a:endParaRPr b="0" lang="en-US" sz="2800" spc="-1" strike="noStrike">
-              <a:solidFill>
-                <a:srgbClr val="000000"/>
-              </a:solidFill>
-              <a:latin typeface="Calibri"/>
+            <a:endParaRPr b="0" lang="en-US" sz="3200" spc="-1" strike="noStrike">
+              <a:latin typeface="Arial"/>
             </a:endParaRPr>
           </a:p>
         </p:txBody>
       </p:sp>
       <p:sp>
         <p:nvSpPr>
-          <p:cNvPr id="69" name="PlaceHolder 3"/>
+          <p:cNvPr id="63" name="PlaceHolder 3"/>
           <p:cNvSpPr>
             <a:spLocks noGrp="1"/>
           </p:cNvSpPr>
@@ -1693,11 +1594,8 @@
             <a:normAutofit/>
           </a:bodyPr>
           <a:p>
-            <a:endParaRPr b="0" lang="en-US" sz="2800" spc="-1" strike="noStrike">
-              <a:solidFill>
-                <a:srgbClr val="000000"/>
-              </a:solidFill>
-              <a:latin typeface="Calibri"/>
+            <a:endParaRPr b="0" lang="en-US" sz="3200" spc="-1" strike="noStrike">
+              <a:latin typeface="Arial"/>
             </a:endParaRPr>
           </a:p>
         </p:txBody>
@@ -1726,7 +1624,7 @@
       </p:grpSpPr>
       <p:sp>
         <p:nvSpPr>
-          <p:cNvPr id="70" name="PlaceHolder 1"/>
+          <p:cNvPr id="64" name="PlaceHolder 1"/>
           <p:cNvSpPr>
             <a:spLocks noGrp="1"/>
           </p:cNvSpPr>
@@ -1737,7 +1635,7 @@
         <p:spPr>
           <a:xfrm>
             <a:off x="1523880" y="1122480"/>
-            <a:ext cx="9143640" cy="2387160"/>
+            <a:ext cx="9143280" cy="2386800"/>
           </a:xfrm>
           <a:prstGeom prst="rect">
             <a:avLst/>
@@ -1748,18 +1646,16 @@
             <a:noAutofit/>
           </a:bodyPr>
           <a:p>
-            <a:endParaRPr b="0" lang="en-US" sz="1800" spc="-1" strike="noStrike">
-              <a:solidFill>
-                <a:srgbClr val="000000"/>
-              </a:solidFill>
-              <a:latin typeface="Calibri"/>
+            <a:pPr algn="ctr"/>
+            <a:endParaRPr b="0" lang="en-US" sz="4400" spc="-1" strike="noStrike">
+              <a:latin typeface="Arial"/>
             </a:endParaRPr>
           </a:p>
         </p:txBody>
       </p:sp>
       <p:sp>
         <p:nvSpPr>
-          <p:cNvPr id="71" name="PlaceHolder 2"/>
+          <p:cNvPr id="65" name="PlaceHolder 2"/>
           <p:cNvSpPr>
             <a:spLocks noGrp="1"/>
           </p:cNvSpPr>
@@ -1781,18 +1677,15 @@
             <a:normAutofit/>
           </a:bodyPr>
           <a:p>
-            <a:endParaRPr b="0" lang="en-US" sz="2800" spc="-1" strike="noStrike">
-              <a:solidFill>
-                <a:srgbClr val="000000"/>
-              </a:solidFill>
-              <a:latin typeface="Calibri"/>
+            <a:endParaRPr b="0" lang="en-US" sz="3200" spc="-1" strike="noStrike">
+              <a:latin typeface="Arial"/>
             </a:endParaRPr>
           </a:p>
         </p:txBody>
       </p:sp>
       <p:sp>
         <p:nvSpPr>
-          <p:cNvPr id="72" name="PlaceHolder 3"/>
+          <p:cNvPr id="66" name="PlaceHolder 3"/>
           <p:cNvSpPr>
             <a:spLocks noGrp="1"/>
           </p:cNvSpPr>
@@ -1814,18 +1707,15 @@
             <a:normAutofit/>
           </a:bodyPr>
           <a:p>
-            <a:endParaRPr b="0" lang="en-US" sz="2800" spc="-1" strike="noStrike">
-              <a:solidFill>
-                <a:srgbClr val="000000"/>
-              </a:solidFill>
-              <a:latin typeface="Calibri"/>
+            <a:endParaRPr b="0" lang="en-US" sz="3200" spc="-1" strike="noStrike">
+              <a:latin typeface="Arial"/>
             </a:endParaRPr>
           </a:p>
         </p:txBody>
       </p:sp>
       <p:sp>
         <p:nvSpPr>
-          <p:cNvPr id="73" name="PlaceHolder 4"/>
+          <p:cNvPr id="67" name="PlaceHolder 4"/>
           <p:cNvSpPr>
             <a:spLocks noGrp="1"/>
           </p:cNvSpPr>
@@ -1847,18 +1737,15 @@
             <a:normAutofit/>
           </a:bodyPr>
           <a:p>
-            <a:endParaRPr b="0" lang="en-US" sz="2800" spc="-1" strike="noStrike">
-              <a:solidFill>
-                <a:srgbClr val="000000"/>
-              </a:solidFill>
-              <a:latin typeface="Calibri"/>
+            <a:endParaRPr b="0" lang="en-US" sz="3200" spc="-1" strike="noStrike">
+              <a:latin typeface="Arial"/>
             </a:endParaRPr>
           </a:p>
         </p:txBody>
       </p:sp>
       <p:sp>
         <p:nvSpPr>
-          <p:cNvPr id="74" name="PlaceHolder 5"/>
+          <p:cNvPr id="68" name="PlaceHolder 5"/>
           <p:cNvSpPr>
             <a:spLocks noGrp="1"/>
           </p:cNvSpPr>
@@ -1880,11 +1767,8 @@
             <a:normAutofit/>
           </a:bodyPr>
           <a:p>
-            <a:endParaRPr b="0" lang="en-US" sz="2800" spc="-1" strike="noStrike">
-              <a:solidFill>
-                <a:srgbClr val="000000"/>
-              </a:solidFill>
-              <a:latin typeface="Calibri"/>
+            <a:endParaRPr b="0" lang="en-US" sz="3200" spc="-1" strike="noStrike">
+              <a:latin typeface="Arial"/>
             </a:endParaRPr>
           </a:p>
         </p:txBody>
@@ -1913,7 +1797,7 @@
       </p:grpSpPr>
       <p:sp>
         <p:nvSpPr>
-          <p:cNvPr id="75" name="PlaceHolder 1"/>
+          <p:cNvPr id="69" name="PlaceHolder 1"/>
           <p:cNvSpPr>
             <a:spLocks noGrp="1"/>
           </p:cNvSpPr>
@@ -1924,7 +1808,7 @@
         <p:spPr>
           <a:xfrm>
             <a:off x="1523880" y="1122480"/>
-            <a:ext cx="9143640" cy="2387160"/>
+            <a:ext cx="9143280" cy="2386800"/>
           </a:xfrm>
           <a:prstGeom prst="rect">
             <a:avLst/>
@@ -1935,18 +1819,16 @@
             <a:noAutofit/>
           </a:bodyPr>
           <a:p>
-            <a:endParaRPr b="0" lang="en-US" sz="1800" spc="-1" strike="noStrike">
-              <a:solidFill>
-                <a:srgbClr val="000000"/>
-              </a:solidFill>
-              <a:latin typeface="Calibri"/>
+            <a:pPr algn="ctr"/>
+            <a:endParaRPr b="0" lang="en-US" sz="4400" spc="-1" strike="noStrike">
+              <a:latin typeface="Arial"/>
             </a:endParaRPr>
           </a:p>
         </p:txBody>
       </p:sp>
       <p:sp>
         <p:nvSpPr>
-          <p:cNvPr id="76" name="PlaceHolder 2"/>
+          <p:cNvPr id="70" name="PlaceHolder 2"/>
           <p:cNvSpPr>
             <a:spLocks noGrp="1"/>
           </p:cNvSpPr>
@@ -1968,18 +1850,15 @@
             <a:normAutofit/>
           </a:bodyPr>
           <a:p>
-            <a:endParaRPr b="0" lang="en-US" sz="2800" spc="-1" strike="noStrike">
-              <a:solidFill>
-                <a:srgbClr val="000000"/>
-              </a:solidFill>
-              <a:latin typeface="Calibri"/>
+            <a:endParaRPr b="0" lang="en-US" sz="3200" spc="-1" strike="noStrike">
+              <a:latin typeface="Arial"/>
             </a:endParaRPr>
           </a:p>
         </p:txBody>
       </p:sp>
       <p:sp>
         <p:nvSpPr>
-          <p:cNvPr id="77" name="PlaceHolder 3"/>
+          <p:cNvPr id="71" name="PlaceHolder 3"/>
           <p:cNvSpPr>
             <a:spLocks noGrp="1"/>
           </p:cNvSpPr>
@@ -2001,18 +1880,15 @@
             <a:normAutofit/>
           </a:bodyPr>
           <a:p>
-            <a:endParaRPr b="0" lang="en-US" sz="2800" spc="-1" strike="noStrike">
-              <a:solidFill>
-                <a:srgbClr val="000000"/>
-              </a:solidFill>
-              <a:latin typeface="Calibri"/>
+            <a:endParaRPr b="0" lang="en-US" sz="3200" spc="-1" strike="noStrike">
+              <a:latin typeface="Arial"/>
             </a:endParaRPr>
           </a:p>
         </p:txBody>
       </p:sp>
       <p:sp>
         <p:nvSpPr>
-          <p:cNvPr id="78" name="PlaceHolder 4"/>
+          <p:cNvPr id="72" name="PlaceHolder 4"/>
           <p:cNvSpPr>
             <a:spLocks noGrp="1"/>
           </p:cNvSpPr>
@@ -2034,18 +1910,15 @@
             <a:normAutofit/>
           </a:bodyPr>
           <a:p>
-            <a:endParaRPr b="0" lang="en-US" sz="2800" spc="-1" strike="noStrike">
-              <a:solidFill>
-                <a:srgbClr val="000000"/>
-              </a:solidFill>
-              <a:latin typeface="Calibri"/>
+            <a:endParaRPr b="0" lang="en-US" sz="3200" spc="-1" strike="noStrike">
+              <a:latin typeface="Arial"/>
             </a:endParaRPr>
           </a:p>
         </p:txBody>
       </p:sp>
       <p:sp>
         <p:nvSpPr>
-          <p:cNvPr id="79" name="PlaceHolder 5"/>
+          <p:cNvPr id="73" name="PlaceHolder 5"/>
           <p:cNvSpPr>
             <a:spLocks noGrp="1"/>
           </p:cNvSpPr>
@@ -2067,18 +1940,15 @@
             <a:normAutofit/>
           </a:bodyPr>
           <a:p>
-            <a:endParaRPr b="0" lang="en-US" sz="2800" spc="-1" strike="noStrike">
-              <a:solidFill>
-                <a:srgbClr val="000000"/>
-              </a:solidFill>
-              <a:latin typeface="Calibri"/>
+            <a:endParaRPr b="0" lang="en-US" sz="3200" spc="-1" strike="noStrike">
+              <a:latin typeface="Arial"/>
             </a:endParaRPr>
           </a:p>
         </p:txBody>
       </p:sp>
       <p:sp>
         <p:nvSpPr>
-          <p:cNvPr id="80" name="PlaceHolder 6"/>
+          <p:cNvPr id="74" name="PlaceHolder 6"/>
           <p:cNvSpPr>
             <a:spLocks noGrp="1"/>
           </p:cNvSpPr>
@@ -2100,18 +1970,15 @@
             <a:normAutofit/>
           </a:bodyPr>
           <a:p>
-            <a:endParaRPr b="0" lang="en-US" sz="2800" spc="-1" strike="noStrike">
-              <a:solidFill>
-                <a:srgbClr val="000000"/>
-              </a:solidFill>
-              <a:latin typeface="Calibri"/>
+            <a:endParaRPr b="0" lang="en-US" sz="3200" spc="-1" strike="noStrike">
+              <a:latin typeface="Arial"/>
             </a:endParaRPr>
           </a:p>
         </p:txBody>
       </p:sp>
       <p:sp>
         <p:nvSpPr>
-          <p:cNvPr id="81" name="PlaceHolder 7"/>
+          <p:cNvPr id="75" name="PlaceHolder 7"/>
           <p:cNvSpPr>
             <a:spLocks noGrp="1"/>
           </p:cNvSpPr>
@@ -2133,11 +2000,8 @@
             <a:normAutofit/>
           </a:bodyPr>
           <a:p>
-            <a:endParaRPr b="0" lang="en-US" sz="2800" spc="-1" strike="noStrike">
-              <a:solidFill>
-                <a:srgbClr val="000000"/>
-              </a:solidFill>
-              <a:latin typeface="Calibri"/>
+            <a:endParaRPr b="0" lang="en-US" sz="3200" spc="-1" strike="noStrike">
+              <a:latin typeface="Arial"/>
             </a:endParaRPr>
           </a:p>
         </p:txBody>
@@ -2166,7 +2030,7 @@
       </p:grpSpPr>
       <p:sp>
         <p:nvSpPr>
-          <p:cNvPr id="7" name="PlaceHolder 1"/>
+          <p:cNvPr id="4" name="PlaceHolder 1"/>
           <p:cNvSpPr>
             <a:spLocks noGrp="1"/>
           </p:cNvSpPr>
@@ -2177,7 +2041,7 @@
         <p:spPr>
           <a:xfrm>
             <a:off x="1523880" y="1122480"/>
-            <a:ext cx="9143640" cy="2387160"/>
+            <a:ext cx="9143280" cy="2386800"/>
           </a:xfrm>
           <a:prstGeom prst="rect">
             <a:avLst/>
@@ -2188,18 +2052,16 @@
             <a:noAutofit/>
           </a:bodyPr>
           <a:p>
-            <a:endParaRPr b="0" lang="en-US" sz="1800" spc="-1" strike="noStrike">
-              <a:solidFill>
-                <a:srgbClr val="000000"/>
-              </a:solidFill>
-              <a:latin typeface="Calibri"/>
+            <a:pPr algn="ctr"/>
+            <a:endParaRPr b="0" lang="en-US" sz="4400" spc="-1" strike="noStrike">
+              <a:latin typeface="Arial"/>
             </a:endParaRPr>
           </a:p>
         </p:txBody>
       </p:sp>
       <p:sp>
         <p:nvSpPr>
-          <p:cNvPr id="8" name="PlaceHolder 2"/>
+          <p:cNvPr id="5" name="PlaceHolder 2"/>
           <p:cNvSpPr>
             <a:spLocks noGrp="1"/>
           </p:cNvSpPr>
@@ -2221,11 +2083,8 @@
             <a:normAutofit/>
           </a:bodyPr>
           <a:p>
-            <a:endParaRPr b="0" lang="en-US" sz="2800" spc="-1" strike="noStrike">
-              <a:solidFill>
-                <a:srgbClr val="000000"/>
-              </a:solidFill>
-              <a:latin typeface="Calibri"/>
+            <a:endParaRPr b="0" lang="en-US" sz="3200" spc="-1" strike="noStrike">
+              <a:latin typeface="Arial"/>
             </a:endParaRPr>
           </a:p>
         </p:txBody>
@@ -2254,7 +2113,7 @@
       </p:grpSpPr>
       <p:sp>
         <p:nvSpPr>
-          <p:cNvPr id="9" name="PlaceHolder 1"/>
+          <p:cNvPr id="6" name="PlaceHolder 1"/>
           <p:cNvSpPr>
             <a:spLocks noGrp="1"/>
           </p:cNvSpPr>
@@ -2265,7 +2124,7 @@
         <p:spPr>
           <a:xfrm>
             <a:off x="1523880" y="1122480"/>
-            <a:ext cx="9143640" cy="2387160"/>
+            <a:ext cx="9143280" cy="2386800"/>
           </a:xfrm>
           <a:prstGeom prst="rect">
             <a:avLst/>
@@ -2276,18 +2135,16 @@
             <a:noAutofit/>
           </a:bodyPr>
           <a:p>
-            <a:endParaRPr b="0" lang="en-US" sz="1800" spc="-1" strike="noStrike">
-              <a:solidFill>
-                <a:srgbClr val="000000"/>
-              </a:solidFill>
-              <a:latin typeface="Calibri"/>
+            <a:pPr algn="ctr"/>
+            <a:endParaRPr b="0" lang="en-US" sz="4400" spc="-1" strike="noStrike">
+              <a:latin typeface="Arial"/>
             </a:endParaRPr>
           </a:p>
         </p:txBody>
       </p:sp>
       <p:sp>
         <p:nvSpPr>
-          <p:cNvPr id="10" name="PlaceHolder 2"/>
+          <p:cNvPr id="7" name="PlaceHolder 2"/>
           <p:cNvSpPr>
             <a:spLocks noGrp="1"/>
           </p:cNvSpPr>
@@ -2309,18 +2166,15 @@
             <a:normAutofit/>
           </a:bodyPr>
           <a:p>
-            <a:endParaRPr b="0" lang="en-US" sz="2800" spc="-1" strike="noStrike">
-              <a:solidFill>
-                <a:srgbClr val="000000"/>
-              </a:solidFill>
-              <a:latin typeface="Calibri"/>
+            <a:endParaRPr b="0" lang="en-US" sz="3200" spc="-1" strike="noStrike">
+              <a:latin typeface="Arial"/>
             </a:endParaRPr>
           </a:p>
         </p:txBody>
       </p:sp>
       <p:sp>
         <p:nvSpPr>
-          <p:cNvPr id="11" name="PlaceHolder 3"/>
+          <p:cNvPr id="8" name="PlaceHolder 3"/>
           <p:cNvSpPr>
             <a:spLocks noGrp="1"/>
           </p:cNvSpPr>
@@ -2342,11 +2196,8 @@
             <a:normAutofit/>
           </a:bodyPr>
           <a:p>
-            <a:endParaRPr b="0" lang="en-US" sz="2800" spc="-1" strike="noStrike">
-              <a:solidFill>
-                <a:srgbClr val="000000"/>
-              </a:solidFill>
-              <a:latin typeface="Calibri"/>
+            <a:endParaRPr b="0" lang="en-US" sz="3200" spc="-1" strike="noStrike">
+              <a:latin typeface="Arial"/>
             </a:endParaRPr>
           </a:p>
         </p:txBody>
@@ -2375,7 +2226,7 @@
       </p:grpSpPr>
       <p:sp>
         <p:nvSpPr>
-          <p:cNvPr id="12" name="PlaceHolder 1"/>
+          <p:cNvPr id="9" name="PlaceHolder 1"/>
           <p:cNvSpPr>
             <a:spLocks noGrp="1"/>
           </p:cNvSpPr>
@@ -2386,7 +2237,7 @@
         <p:spPr>
           <a:xfrm>
             <a:off x="1523880" y="1122480"/>
-            <a:ext cx="9143640" cy="2387160"/>
+            <a:ext cx="9143280" cy="2386800"/>
           </a:xfrm>
           <a:prstGeom prst="rect">
             <a:avLst/>
@@ -2397,11 +2248,9 @@
             <a:noAutofit/>
           </a:bodyPr>
           <a:p>
-            <a:endParaRPr b="0" lang="en-US" sz="1800" spc="-1" strike="noStrike">
-              <a:solidFill>
-                <a:srgbClr val="000000"/>
-              </a:solidFill>
-              <a:latin typeface="Calibri"/>
+            <a:pPr algn="ctr"/>
+            <a:endParaRPr b="0" lang="en-US" sz="4400" spc="-1" strike="noStrike">
+              <a:latin typeface="Arial"/>
             </a:endParaRPr>
           </a:p>
         </p:txBody>
@@ -2430,7 +2279,7 @@
       </p:grpSpPr>
       <p:sp>
         <p:nvSpPr>
-          <p:cNvPr id="13" name="PlaceHolder 1"/>
+          <p:cNvPr id="10" name="PlaceHolder 1"/>
           <p:cNvSpPr>
             <a:spLocks noGrp="1"/>
           </p:cNvSpPr>
@@ -2441,7 +2290,7 @@
         <p:spPr>
           <a:xfrm>
             <a:off x="1523880" y="1122480"/>
-            <a:ext cx="9143640" cy="11066760"/>
+            <a:ext cx="9143280" cy="11064960"/>
           </a:xfrm>
           <a:prstGeom prst="rect">
             <a:avLst/>
@@ -2483,7 +2332,7 @@
       </p:grpSpPr>
       <p:sp>
         <p:nvSpPr>
-          <p:cNvPr id="14" name="PlaceHolder 1"/>
+          <p:cNvPr id="11" name="PlaceHolder 1"/>
           <p:cNvSpPr>
             <a:spLocks noGrp="1"/>
           </p:cNvSpPr>
@@ -2494,7 +2343,7 @@
         <p:spPr>
           <a:xfrm>
             <a:off x="1523880" y="1122480"/>
-            <a:ext cx="9143640" cy="2387160"/>
+            <a:ext cx="9143280" cy="2386800"/>
           </a:xfrm>
           <a:prstGeom prst="rect">
             <a:avLst/>
@@ -2505,18 +2354,16 @@
             <a:noAutofit/>
           </a:bodyPr>
           <a:p>
-            <a:endParaRPr b="0" lang="en-US" sz="1800" spc="-1" strike="noStrike">
-              <a:solidFill>
-                <a:srgbClr val="000000"/>
-              </a:solidFill>
-              <a:latin typeface="Calibri"/>
+            <a:pPr algn="ctr"/>
+            <a:endParaRPr b="0" lang="en-US" sz="4400" spc="-1" strike="noStrike">
+              <a:latin typeface="Arial"/>
             </a:endParaRPr>
           </a:p>
         </p:txBody>
       </p:sp>
       <p:sp>
         <p:nvSpPr>
-          <p:cNvPr id="15" name="PlaceHolder 2"/>
+          <p:cNvPr id="12" name="PlaceHolder 2"/>
           <p:cNvSpPr>
             <a:spLocks noGrp="1"/>
           </p:cNvSpPr>
@@ -2538,18 +2385,15 @@
             <a:normAutofit/>
           </a:bodyPr>
           <a:p>
-            <a:endParaRPr b="0" lang="en-US" sz="2800" spc="-1" strike="noStrike">
-              <a:solidFill>
-                <a:srgbClr val="000000"/>
-              </a:solidFill>
-              <a:latin typeface="Calibri"/>
+            <a:endParaRPr b="0" lang="en-US" sz="3200" spc="-1" strike="noStrike">
+              <a:latin typeface="Arial"/>
             </a:endParaRPr>
           </a:p>
         </p:txBody>
       </p:sp>
       <p:sp>
         <p:nvSpPr>
-          <p:cNvPr id="16" name="PlaceHolder 3"/>
+          <p:cNvPr id="13" name="PlaceHolder 3"/>
           <p:cNvSpPr>
             <a:spLocks noGrp="1"/>
           </p:cNvSpPr>
@@ -2571,18 +2415,15 @@
             <a:normAutofit/>
           </a:bodyPr>
           <a:p>
-            <a:endParaRPr b="0" lang="en-US" sz="2800" spc="-1" strike="noStrike">
-              <a:solidFill>
-                <a:srgbClr val="000000"/>
-              </a:solidFill>
-              <a:latin typeface="Calibri"/>
+            <a:endParaRPr b="0" lang="en-US" sz="3200" spc="-1" strike="noStrike">
+              <a:latin typeface="Arial"/>
             </a:endParaRPr>
           </a:p>
         </p:txBody>
       </p:sp>
       <p:sp>
         <p:nvSpPr>
-          <p:cNvPr id="17" name="PlaceHolder 4"/>
+          <p:cNvPr id="14" name="PlaceHolder 4"/>
           <p:cNvSpPr>
             <a:spLocks noGrp="1"/>
           </p:cNvSpPr>
@@ -2604,11 +2445,8 @@
             <a:normAutofit/>
           </a:bodyPr>
           <a:p>
-            <a:endParaRPr b="0" lang="en-US" sz="2800" spc="-1" strike="noStrike">
-              <a:solidFill>
-                <a:srgbClr val="000000"/>
-              </a:solidFill>
-              <a:latin typeface="Calibri"/>
+            <a:endParaRPr b="0" lang="en-US" sz="3200" spc="-1" strike="noStrike">
+              <a:latin typeface="Arial"/>
             </a:endParaRPr>
           </a:p>
         </p:txBody>
@@ -2637,7 +2475,7 @@
       </p:grpSpPr>
       <p:sp>
         <p:nvSpPr>
-          <p:cNvPr id="18" name="PlaceHolder 1"/>
+          <p:cNvPr id="15" name="PlaceHolder 1"/>
           <p:cNvSpPr>
             <a:spLocks noGrp="1"/>
           </p:cNvSpPr>
@@ -2648,7 +2486,7 @@
         <p:spPr>
           <a:xfrm>
             <a:off x="1523880" y="1122480"/>
-            <a:ext cx="9143640" cy="2387160"/>
+            <a:ext cx="9143280" cy="2386800"/>
           </a:xfrm>
           <a:prstGeom prst="rect">
             <a:avLst/>
@@ -2659,18 +2497,16 @@
             <a:noAutofit/>
           </a:bodyPr>
           <a:p>
-            <a:endParaRPr b="0" lang="en-US" sz="1800" spc="-1" strike="noStrike">
-              <a:solidFill>
-                <a:srgbClr val="000000"/>
-              </a:solidFill>
-              <a:latin typeface="Calibri"/>
+            <a:pPr algn="ctr"/>
+            <a:endParaRPr b="0" lang="en-US" sz="4400" spc="-1" strike="noStrike">
+              <a:latin typeface="Arial"/>
             </a:endParaRPr>
           </a:p>
         </p:txBody>
       </p:sp>
       <p:sp>
         <p:nvSpPr>
-          <p:cNvPr id="19" name="PlaceHolder 2"/>
+          <p:cNvPr id="16" name="PlaceHolder 2"/>
           <p:cNvSpPr>
             <a:spLocks noGrp="1"/>
           </p:cNvSpPr>
@@ -2692,18 +2528,15 @@
             <a:normAutofit/>
           </a:bodyPr>
           <a:p>
-            <a:endParaRPr b="0" lang="en-US" sz="2800" spc="-1" strike="noStrike">
-              <a:solidFill>
-                <a:srgbClr val="000000"/>
-              </a:solidFill>
-              <a:latin typeface="Calibri"/>
+            <a:endParaRPr b="0" lang="en-US" sz="3200" spc="-1" strike="noStrike">
+              <a:latin typeface="Arial"/>
             </a:endParaRPr>
           </a:p>
         </p:txBody>
       </p:sp>
       <p:sp>
         <p:nvSpPr>
-          <p:cNvPr id="20" name="PlaceHolder 3"/>
+          <p:cNvPr id="17" name="PlaceHolder 3"/>
           <p:cNvSpPr>
             <a:spLocks noGrp="1"/>
           </p:cNvSpPr>
@@ -2725,18 +2558,15 @@
             <a:normAutofit/>
           </a:bodyPr>
           <a:p>
-            <a:endParaRPr b="0" lang="en-US" sz="2800" spc="-1" strike="noStrike">
-              <a:solidFill>
-                <a:srgbClr val="000000"/>
-              </a:solidFill>
-              <a:latin typeface="Calibri"/>
+            <a:endParaRPr b="0" lang="en-US" sz="3200" spc="-1" strike="noStrike">
+              <a:latin typeface="Arial"/>
             </a:endParaRPr>
           </a:p>
         </p:txBody>
       </p:sp>
       <p:sp>
         <p:nvSpPr>
-          <p:cNvPr id="21" name="PlaceHolder 4"/>
+          <p:cNvPr id="18" name="PlaceHolder 4"/>
           <p:cNvSpPr>
             <a:spLocks noGrp="1"/>
           </p:cNvSpPr>
@@ -2758,11 +2588,8 @@
             <a:normAutofit/>
           </a:bodyPr>
           <a:p>
-            <a:endParaRPr b="0" lang="en-US" sz="2800" spc="-1" strike="noStrike">
-              <a:solidFill>
-                <a:srgbClr val="000000"/>
-              </a:solidFill>
-              <a:latin typeface="Calibri"/>
+            <a:endParaRPr b="0" lang="en-US" sz="3200" spc="-1" strike="noStrike">
+              <a:latin typeface="Arial"/>
             </a:endParaRPr>
           </a:p>
         </p:txBody>
@@ -2791,7 +2618,7 @@
       </p:grpSpPr>
       <p:sp>
         <p:nvSpPr>
-          <p:cNvPr id="22" name="PlaceHolder 1"/>
+          <p:cNvPr id="19" name="PlaceHolder 1"/>
           <p:cNvSpPr>
             <a:spLocks noGrp="1"/>
           </p:cNvSpPr>
@@ -2802,7 +2629,7 @@
         <p:spPr>
           <a:xfrm>
             <a:off x="1523880" y="1122480"/>
-            <a:ext cx="9143640" cy="2387160"/>
+            <a:ext cx="9143280" cy="2386800"/>
           </a:xfrm>
           <a:prstGeom prst="rect">
             <a:avLst/>
@@ -2813,18 +2640,16 @@
             <a:noAutofit/>
           </a:bodyPr>
           <a:p>
-            <a:endParaRPr b="0" lang="en-US" sz="1800" spc="-1" strike="noStrike">
-              <a:solidFill>
-                <a:srgbClr val="000000"/>
-              </a:solidFill>
-              <a:latin typeface="Calibri"/>
+            <a:pPr algn="ctr"/>
+            <a:endParaRPr b="0" lang="en-US" sz="4400" spc="-1" strike="noStrike">
+              <a:latin typeface="Arial"/>
             </a:endParaRPr>
           </a:p>
         </p:txBody>
       </p:sp>
       <p:sp>
         <p:nvSpPr>
-          <p:cNvPr id="23" name="PlaceHolder 2"/>
+          <p:cNvPr id="20" name="PlaceHolder 2"/>
           <p:cNvSpPr>
             <a:spLocks noGrp="1"/>
           </p:cNvSpPr>
@@ -2846,18 +2671,15 @@
             <a:normAutofit/>
           </a:bodyPr>
           <a:p>
-            <a:endParaRPr b="0" lang="en-US" sz="2800" spc="-1" strike="noStrike">
-              <a:solidFill>
-                <a:srgbClr val="000000"/>
-              </a:solidFill>
-              <a:latin typeface="Calibri"/>
+            <a:endParaRPr b="0" lang="en-US" sz="3200" spc="-1" strike="noStrike">
+              <a:latin typeface="Arial"/>
             </a:endParaRPr>
           </a:p>
         </p:txBody>
       </p:sp>
       <p:sp>
         <p:nvSpPr>
-          <p:cNvPr id="24" name="PlaceHolder 3"/>
+          <p:cNvPr id="21" name="PlaceHolder 3"/>
           <p:cNvSpPr>
             <a:spLocks noGrp="1"/>
           </p:cNvSpPr>
@@ -2879,18 +2701,15 @@
             <a:normAutofit/>
           </a:bodyPr>
           <a:p>
-            <a:endParaRPr b="0" lang="en-US" sz="2800" spc="-1" strike="noStrike">
-              <a:solidFill>
-                <a:srgbClr val="000000"/>
-              </a:solidFill>
-              <a:latin typeface="Calibri"/>
+            <a:endParaRPr b="0" lang="en-US" sz="3200" spc="-1" strike="noStrike">
+              <a:latin typeface="Arial"/>
             </a:endParaRPr>
           </a:p>
         </p:txBody>
       </p:sp>
       <p:sp>
         <p:nvSpPr>
-          <p:cNvPr id="25" name="PlaceHolder 4"/>
+          <p:cNvPr id="22" name="PlaceHolder 4"/>
           <p:cNvSpPr>
             <a:spLocks noGrp="1"/>
           </p:cNvSpPr>
@@ -2912,11 +2731,8 @@
             <a:normAutofit/>
           </a:bodyPr>
           <a:p>
-            <a:endParaRPr b="0" lang="en-US" sz="2800" spc="-1" strike="noStrike">
-              <a:solidFill>
-                <a:srgbClr val="000000"/>
-              </a:solidFill>
-              <a:latin typeface="Calibri"/>
+            <a:endParaRPr b="0" lang="en-US" sz="3200" spc="-1" strike="noStrike">
+              <a:latin typeface="Arial"/>
             </a:endParaRPr>
           </a:p>
         </p:txBody>
@@ -2963,36 +2779,25 @@
         <p:spPr>
           <a:xfrm>
             <a:off x="1523880" y="1122480"/>
-            <a:ext cx="9143640" cy="2387160"/>
+            <a:ext cx="9143280" cy="2386800"/>
           </a:xfrm>
           <a:prstGeom prst="rect">
             <a:avLst/>
           </a:prstGeom>
         </p:spPr>
         <p:txBody>
-          <a:bodyPr anchor="b">
+          <a:bodyPr lIns="0" rIns="0" tIns="0" bIns="0" anchor="ctr">
             <a:noAutofit/>
           </a:bodyPr>
           <a:p>
-            <a:pPr algn="ctr">
-              <a:lnSpc>
-                <a:spcPct val="90000"/>
-              </a:lnSpc>
-            </a:pPr>
-            <a:r>
-              <a:rPr b="0" lang="en-US" sz="6000" spc="-1" strike="noStrike">
-                <a:solidFill>
-                  <a:srgbClr val="000000"/>
-                </a:solidFill>
-                <a:latin typeface="Calibri Light"/>
-              </a:rPr>
-              <a:t>Click to edit Master title style</a:t>
-            </a:r>
-            <a:endParaRPr b="0" lang="en-US" sz="6000" spc="-1" strike="noStrike">
-              <a:solidFill>
-                <a:srgbClr val="000000"/>
-              </a:solidFill>
-              <a:latin typeface="Calibri"/>
+            <a:r>
+              <a:rPr b="0" lang="en-US" sz="1800" spc="-1" strike="noStrike">
+                <a:latin typeface="Arial"/>
+              </a:rPr>
+              <a:t>Click to edit the title text format</a:t>
+            </a:r>
+            <a:endParaRPr b="0" lang="en-US" sz="1800" spc="-1" strike="noStrike">
+              <a:latin typeface="Arial"/>
             </a:endParaRPr>
           </a:p>
         </p:txBody>
@@ -3000,124 +2805,6 @@
       <p:sp>
         <p:nvSpPr>
           <p:cNvPr id="1" name="PlaceHolder 2"/>
-          <p:cNvSpPr>
-            <a:spLocks noGrp="1"/>
-          </p:cNvSpPr>
-          <p:nvPr>
-            <p:ph type="dt"/>
-          </p:nvPr>
-        </p:nvSpPr>
-        <p:spPr>
-          <a:xfrm>
-            <a:off x="838080" y="6356520"/>
-            <a:ext cx="2742840" cy="364680"/>
-          </a:xfrm>
-          <a:prstGeom prst="rect">
-            <a:avLst/>
-          </a:prstGeom>
-        </p:spPr>
-        <p:txBody>
-          <a:bodyPr anchor="ctr">
-            <a:noAutofit/>
-          </a:bodyPr>
-          <a:p>
-            <a:pPr>
-              <a:lnSpc>
-                <a:spcPct val="100000"/>
-              </a:lnSpc>
-            </a:pPr>
-            <a:fld id="{6EECE729-EE79-4AF1-8D3E-5C0EB5959136}" type="datetime">
-              <a:rPr b="0" lang="en-US" sz="1200" spc="-1" strike="noStrike">
-                <a:solidFill>
-                  <a:srgbClr val="8b8b8b"/>
-                </a:solidFill>
-                <a:latin typeface="Calibri"/>
-              </a:rPr>
-              <a:t>9/25/22</a:t>
-            </a:fld>
-            <a:endParaRPr b="0" lang="en-US" sz="1200" spc="-1" strike="noStrike">
-              <a:latin typeface="Times New Roman"/>
-            </a:endParaRPr>
-          </a:p>
-        </p:txBody>
-      </p:sp>
-      <p:sp>
-        <p:nvSpPr>
-          <p:cNvPr id="2" name="PlaceHolder 3"/>
-          <p:cNvSpPr>
-            <a:spLocks noGrp="1"/>
-          </p:cNvSpPr>
-          <p:nvPr>
-            <p:ph type="ftr"/>
-          </p:nvPr>
-        </p:nvSpPr>
-        <p:spPr>
-          <a:xfrm>
-            <a:off x="4038480" y="6356520"/>
-            <a:ext cx="4114440" cy="364680"/>
-          </a:xfrm>
-          <a:prstGeom prst="rect">
-            <a:avLst/>
-          </a:prstGeom>
-        </p:spPr>
-        <p:txBody>
-          <a:bodyPr anchor="ctr">
-            <a:noAutofit/>
-          </a:bodyPr>
-          <a:p>
-            <a:endParaRPr b="0" lang="en-US" sz="2400" spc="-1" strike="noStrike">
-              <a:latin typeface="Times New Roman"/>
-            </a:endParaRPr>
-          </a:p>
-        </p:txBody>
-      </p:sp>
-      <p:sp>
-        <p:nvSpPr>
-          <p:cNvPr id="3" name="PlaceHolder 4"/>
-          <p:cNvSpPr>
-            <a:spLocks noGrp="1"/>
-          </p:cNvSpPr>
-          <p:nvPr>
-            <p:ph type="sldNum"/>
-          </p:nvPr>
-        </p:nvSpPr>
-        <p:spPr>
-          <a:xfrm>
-            <a:off x="8610480" y="6356520"/>
-            <a:ext cx="2742840" cy="364680"/>
-          </a:xfrm>
-          <a:prstGeom prst="rect">
-            <a:avLst/>
-          </a:prstGeom>
-        </p:spPr>
-        <p:txBody>
-          <a:bodyPr anchor="ctr">
-            <a:noAutofit/>
-          </a:bodyPr>
-          <a:p>
-            <a:pPr algn="r">
-              <a:lnSpc>
-                <a:spcPct val="100000"/>
-              </a:lnSpc>
-            </a:pPr>
-            <a:fld id="{3F4059D7-E18A-40A2-B4A2-8EB4D0ED20EF}" type="slidenum">
-              <a:rPr b="0" lang="en-US" sz="1200" spc="-1" strike="noStrike">
-                <a:solidFill>
-                  <a:srgbClr val="8b8b8b"/>
-                </a:solidFill>
-                <a:latin typeface="Calibri"/>
-              </a:rPr>
-              <a:t>&lt;number&gt;</a:t>
-            </a:fld>
-            <a:endParaRPr b="0" lang="en-US" sz="1200" spc="-1" strike="noStrike">
-              <a:latin typeface="Times New Roman"/>
-            </a:endParaRPr>
-          </a:p>
-        </p:txBody>
-      </p:sp>
-      <p:sp>
-        <p:nvSpPr>
-          <p:cNvPr id="4" name="PlaceHolder 5"/>
           <p:cNvSpPr>
             <a:spLocks noGrp="1"/>
           </p:cNvSpPr>
@@ -3151,19 +2838,13 @@
               <a:buChar char=""/>
             </a:pPr>
             <a:r>
-              <a:rPr b="0" lang="en-US" sz="2800" spc="-1" strike="noStrike">
-                <a:solidFill>
-                  <a:srgbClr val="000000"/>
-                </a:solidFill>
-                <a:latin typeface="Calibri"/>
+              <a:rPr b="0" lang="en-US" sz="3200" spc="-1" strike="noStrike">
+                <a:latin typeface="Arial"/>
               </a:rPr>
               <a:t>Click to edit the outline text format</a:t>
             </a:r>
-            <a:endParaRPr b="0" lang="en-US" sz="2800" spc="-1" strike="noStrike">
-              <a:solidFill>
-                <a:srgbClr val="000000"/>
-              </a:solidFill>
-              <a:latin typeface="Calibri"/>
+            <a:endParaRPr b="0" lang="en-US" sz="3200" spc="-1" strike="noStrike">
+              <a:latin typeface="Arial"/>
             </a:endParaRPr>
           </a:p>
           <a:p>
@@ -3179,19 +2860,13 @@
               <a:buChar char=""/>
             </a:pPr>
             <a:r>
-              <a:rPr b="0" lang="en-US" sz="2000" spc="-1" strike="noStrike">
-                <a:solidFill>
-                  <a:srgbClr val="000000"/>
-                </a:solidFill>
-                <a:latin typeface="Calibri"/>
+              <a:rPr b="0" lang="en-US" sz="2800" spc="-1" strike="noStrike">
+                <a:latin typeface="Arial"/>
               </a:rPr>
               <a:t>Second Outline Level</a:t>
             </a:r>
-            <a:endParaRPr b="0" lang="en-US" sz="2000" spc="-1" strike="noStrike">
-              <a:solidFill>
-                <a:srgbClr val="000000"/>
-              </a:solidFill>
-              <a:latin typeface="Calibri"/>
+            <a:endParaRPr b="0" lang="en-US" sz="2800" spc="-1" strike="noStrike">
+              <a:latin typeface="Arial"/>
             </a:endParaRPr>
           </a:p>
           <a:p>
@@ -3207,19 +2882,13 @@
               <a:buChar char=""/>
             </a:pPr>
             <a:r>
-              <a:rPr b="0" lang="en-US" sz="1800" spc="-1" strike="noStrike">
-                <a:solidFill>
-                  <a:srgbClr val="000000"/>
-                </a:solidFill>
-                <a:latin typeface="Calibri"/>
+              <a:rPr b="0" lang="en-US" sz="2400" spc="-1" strike="noStrike">
+                <a:latin typeface="Arial"/>
               </a:rPr>
               <a:t>Third Outline Level</a:t>
             </a:r>
-            <a:endParaRPr b="0" lang="en-US" sz="1800" spc="-1" strike="noStrike">
-              <a:solidFill>
-                <a:srgbClr val="000000"/>
-              </a:solidFill>
-              <a:latin typeface="Calibri"/>
+            <a:endParaRPr b="0" lang="en-US" sz="2400" spc="-1" strike="noStrike">
+              <a:latin typeface="Arial"/>
             </a:endParaRPr>
           </a:p>
           <a:p>
@@ -3235,19 +2904,13 @@
               <a:buChar char=""/>
             </a:pPr>
             <a:r>
-              <a:rPr b="0" lang="en-US" sz="1800" spc="-1" strike="noStrike">
-                <a:solidFill>
-                  <a:srgbClr val="000000"/>
-                </a:solidFill>
-                <a:latin typeface="Calibri"/>
+              <a:rPr b="0" lang="en-US" sz="2000" spc="-1" strike="noStrike">
+                <a:latin typeface="Arial"/>
               </a:rPr>
               <a:t>Fourth Outline Level</a:t>
             </a:r>
-            <a:endParaRPr b="0" lang="en-US" sz="1800" spc="-1" strike="noStrike">
-              <a:solidFill>
-                <a:srgbClr val="000000"/>
-              </a:solidFill>
-              <a:latin typeface="Calibri"/>
+            <a:endParaRPr b="0" lang="en-US" sz="2000" spc="-1" strike="noStrike">
+              <a:latin typeface="Arial"/>
             </a:endParaRPr>
           </a:p>
           <a:p>
@@ -3264,18 +2927,12 @@
             </a:pPr>
             <a:r>
               <a:rPr b="0" lang="en-US" sz="2000" spc="-1" strike="noStrike">
-                <a:solidFill>
-                  <a:srgbClr val="000000"/>
-                </a:solidFill>
-                <a:latin typeface="Calibri"/>
+                <a:latin typeface="Arial"/>
               </a:rPr>
               <a:t>Fifth Outline Level</a:t>
             </a:r>
             <a:endParaRPr b="0" lang="en-US" sz="2000" spc="-1" strike="noStrike">
-              <a:solidFill>
-                <a:srgbClr val="000000"/>
-              </a:solidFill>
-              <a:latin typeface="Calibri"/>
+              <a:latin typeface="Arial"/>
             </a:endParaRPr>
           </a:p>
           <a:p>
@@ -3292,18 +2949,12 @@
             </a:pPr>
             <a:r>
               <a:rPr b="0" lang="en-US" sz="2000" spc="-1" strike="noStrike">
-                <a:solidFill>
-                  <a:srgbClr val="000000"/>
-                </a:solidFill>
-                <a:latin typeface="Calibri"/>
+                <a:latin typeface="Arial"/>
               </a:rPr>
               <a:t>Sixth Outline Level</a:t>
             </a:r>
             <a:endParaRPr b="0" lang="en-US" sz="2000" spc="-1" strike="noStrike">
-              <a:solidFill>
-                <a:srgbClr val="000000"/>
-              </a:solidFill>
-              <a:latin typeface="Calibri"/>
+              <a:latin typeface="Arial"/>
             </a:endParaRPr>
           </a:p>
           <a:p>
@@ -3320,18 +2971,12 @@
             </a:pPr>
             <a:r>
               <a:rPr b="0" lang="en-US" sz="2000" spc="-1" strike="noStrike">
-                <a:solidFill>
-                  <a:srgbClr val="000000"/>
-                </a:solidFill>
-                <a:latin typeface="Calibri"/>
+                <a:latin typeface="Arial"/>
               </a:rPr>
               <a:t>Seventh Outline Level</a:t>
             </a:r>
             <a:endParaRPr b="0" lang="en-US" sz="2000" spc="-1" strike="noStrike">
-              <a:solidFill>
-                <a:srgbClr val="000000"/>
-              </a:solidFill>
-              <a:latin typeface="Calibri"/>
+              <a:latin typeface="Arial"/>
             </a:endParaRPr>
           </a:p>
         </p:txBody>
@@ -3382,7 +3027,7 @@
       </p:grpSpPr>
       <p:sp>
         <p:nvSpPr>
-          <p:cNvPr id="41" name="PlaceHolder 1"/>
+          <p:cNvPr id="38" name="PlaceHolder 1"/>
           <p:cNvSpPr>
             <a:spLocks noGrp="1"/>
           </p:cNvSpPr>
@@ -3392,44 +3037,34 @@
         </p:nvSpPr>
         <p:spPr>
           <a:xfrm>
-            <a:off x="838080" y="365040"/>
-            <a:ext cx="10515240" cy="1325160"/>
+            <a:off x="609480" y="273600"/>
+            <a:ext cx="10972440" cy="1144800"/>
           </a:xfrm>
           <a:prstGeom prst="rect">
             <a:avLst/>
           </a:prstGeom>
         </p:spPr>
         <p:txBody>
-          <a:bodyPr anchor="ctr">
+          <a:bodyPr lIns="0" rIns="0" tIns="0" bIns="0" anchor="ctr">
             <a:noAutofit/>
           </a:bodyPr>
           <a:p>
-            <a:pPr>
-              <a:lnSpc>
-                <a:spcPct val="90000"/>
-              </a:lnSpc>
-            </a:pPr>
+            <a:pPr algn="ctr"/>
             <a:r>
               <a:rPr b="0" lang="en-US" sz="4400" spc="-1" strike="noStrike">
-                <a:solidFill>
-                  <a:srgbClr val="000000"/>
-                </a:solidFill>
-                <a:latin typeface="Calibri Light"/>
-              </a:rPr>
-              <a:t>Click to edit Master title style</a:t>
+                <a:latin typeface="Arial"/>
+              </a:rPr>
+              <a:t>Click to edit the title text format</a:t>
             </a:r>
             <a:endParaRPr b="0" lang="en-US" sz="4400" spc="-1" strike="noStrike">
-              <a:solidFill>
-                <a:srgbClr val="000000"/>
-              </a:solidFill>
-              <a:latin typeface="Calibri"/>
+              <a:latin typeface="Arial"/>
             </a:endParaRPr>
           </a:p>
         </p:txBody>
       </p:sp>
       <p:sp>
         <p:nvSpPr>
-          <p:cNvPr id="42" name="PlaceHolder 2"/>
+          <p:cNvPr id="39" name="PlaceHolder 2"/>
           <p:cNvSpPr>
             <a:spLocks noGrp="1"/>
           </p:cNvSpPr>
@@ -3439,24 +3074,21 @@
         </p:nvSpPr>
         <p:spPr>
           <a:xfrm>
-            <a:off x="838080" y="1825560"/>
-            <a:ext cx="10515240" cy="4350960"/>
+            <a:off x="609480" y="1604520"/>
+            <a:ext cx="10972440" cy="3977280"/>
           </a:xfrm>
           <a:prstGeom prst="rect">
             <a:avLst/>
           </a:prstGeom>
         </p:spPr>
         <p:txBody>
-          <a:bodyPr>
-            <a:noAutofit/>
+          <a:bodyPr lIns="0" rIns="0" tIns="0" bIns="0">
+            <a:normAutofit/>
           </a:bodyPr>
           <a:p>
             <a:pPr marL="432000" indent="-324000">
-              <a:lnSpc>
-                <a:spcPct val="90000"/>
-              </a:lnSpc>
               <a:spcBef>
-                <a:spcPts val="1001"/>
+                <a:spcPts val="1417"/>
               </a:spcBef>
               <a:buClr>
                 <a:srgbClr val="000000"/>
@@ -3466,28 +3098,19 @@
               <a:buChar char=""/>
             </a:pPr>
             <a:r>
-              <a:rPr b="0" lang="en-US" sz="2800" spc="-1" strike="noStrike">
-                <a:solidFill>
-                  <a:srgbClr val="000000"/>
-                </a:solidFill>
-                <a:latin typeface="Calibri"/>
-              </a:rPr>
-              <a:t>Edit Master text styles</a:t>
-            </a:r>
-            <a:endParaRPr b="0" lang="en-US" sz="2800" spc="-1" strike="noStrike">
-              <a:solidFill>
-                <a:srgbClr val="000000"/>
-              </a:solidFill>
-              <a:latin typeface="Calibri"/>
+              <a:rPr b="0" lang="en-US" sz="3200" spc="-1" strike="noStrike">
+                <a:latin typeface="Arial"/>
+              </a:rPr>
+              <a:t>Click to edit the outline text format</a:t>
+            </a:r>
+            <a:endParaRPr b="0" lang="en-US" sz="3200" spc="-1" strike="noStrike">
+              <a:latin typeface="Arial"/>
             </a:endParaRPr>
           </a:p>
           <a:p>
             <a:pPr lvl="1" marL="864000" indent="-324000">
-              <a:lnSpc>
-                <a:spcPct val="90000"/>
-              </a:lnSpc>
               <a:spcBef>
-                <a:spcPts val="499"/>
+                <a:spcPts val="1134"/>
               </a:spcBef>
               <a:buClr>
                 <a:srgbClr val="000000"/>
@@ -3497,28 +3120,19 @@
               <a:buChar char=""/>
             </a:pPr>
             <a:r>
-              <a:rPr b="0" lang="en-US" sz="2400" spc="-1" strike="noStrike">
-                <a:solidFill>
-                  <a:srgbClr val="000000"/>
-                </a:solidFill>
-                <a:latin typeface="Calibri"/>
-              </a:rPr>
-              <a:t>Second level</a:t>
-            </a:r>
-            <a:endParaRPr b="0" lang="en-US" sz="2400" spc="-1" strike="noStrike">
-              <a:solidFill>
-                <a:srgbClr val="000000"/>
-              </a:solidFill>
-              <a:latin typeface="Calibri"/>
+              <a:rPr b="0" lang="en-US" sz="2800" spc="-1" strike="noStrike">
+                <a:latin typeface="Arial"/>
+              </a:rPr>
+              <a:t>Second Outline Level</a:t>
+            </a:r>
+            <a:endParaRPr b="0" lang="en-US" sz="2800" spc="-1" strike="noStrike">
+              <a:latin typeface="Arial"/>
             </a:endParaRPr>
           </a:p>
           <a:p>
             <a:pPr lvl="2" marL="1296000" indent="-288000">
-              <a:lnSpc>
-                <a:spcPct val="90000"/>
-              </a:lnSpc>
               <a:spcBef>
-                <a:spcPts val="499"/>
+                <a:spcPts val="850"/>
               </a:spcBef>
               <a:buClr>
                 <a:srgbClr val="000000"/>
@@ -3528,28 +3142,19 @@
               <a:buChar char=""/>
             </a:pPr>
             <a:r>
-              <a:rPr b="0" lang="en-US" sz="2000" spc="-1" strike="noStrike">
-                <a:solidFill>
-                  <a:srgbClr val="000000"/>
-                </a:solidFill>
-                <a:latin typeface="Calibri"/>
-              </a:rPr>
-              <a:t>Third level</a:t>
-            </a:r>
-            <a:endParaRPr b="0" lang="en-US" sz="2000" spc="-1" strike="noStrike">
-              <a:solidFill>
-                <a:srgbClr val="000000"/>
-              </a:solidFill>
-              <a:latin typeface="Calibri"/>
+              <a:rPr b="0" lang="en-US" sz="2400" spc="-1" strike="noStrike">
+                <a:latin typeface="Arial"/>
+              </a:rPr>
+              <a:t>Third Outline Level</a:t>
+            </a:r>
+            <a:endParaRPr b="0" lang="en-US" sz="2400" spc="-1" strike="noStrike">
+              <a:latin typeface="Arial"/>
             </a:endParaRPr>
           </a:p>
           <a:p>
             <a:pPr lvl="3" marL="1728000" indent="-216000">
-              <a:lnSpc>
-                <a:spcPct val="90000"/>
-              </a:lnSpc>
               <a:spcBef>
-                <a:spcPts val="499"/>
+                <a:spcPts val="567"/>
               </a:spcBef>
               <a:buClr>
                 <a:srgbClr val="000000"/>
@@ -3559,28 +3164,19 @@
               <a:buChar char=""/>
             </a:pPr>
             <a:r>
-              <a:rPr b="0" lang="en-US" sz="1800" spc="-1" strike="noStrike">
-                <a:solidFill>
-                  <a:srgbClr val="000000"/>
-                </a:solidFill>
-                <a:latin typeface="Calibri"/>
-              </a:rPr>
-              <a:t>Fourth level</a:t>
-            </a:r>
-            <a:endParaRPr b="0" lang="en-US" sz="1800" spc="-1" strike="noStrike">
-              <a:solidFill>
-                <a:srgbClr val="000000"/>
-              </a:solidFill>
-              <a:latin typeface="Calibri"/>
+              <a:rPr b="0" lang="en-US" sz="2000" spc="-1" strike="noStrike">
+                <a:latin typeface="Arial"/>
+              </a:rPr>
+              <a:t>Fourth Outline Level</a:t>
+            </a:r>
+            <a:endParaRPr b="0" lang="en-US" sz="2000" spc="-1" strike="noStrike">
+              <a:latin typeface="Arial"/>
             </a:endParaRPr>
           </a:p>
           <a:p>
             <a:pPr lvl="4" marL="2160000" indent="-216000">
-              <a:lnSpc>
-                <a:spcPct val="90000"/>
-              </a:lnSpc>
               <a:spcBef>
-                <a:spcPts val="499"/>
+                <a:spcPts val="283"/>
               </a:spcBef>
               <a:buClr>
                 <a:srgbClr val="000000"/>
@@ -3590,137 +3186,57 @@
               <a:buChar char=""/>
             </a:pPr>
             <a:r>
-              <a:rPr b="0" lang="en-US" sz="1800" spc="-1" strike="noStrike">
-                <a:solidFill>
-                  <a:srgbClr val="000000"/>
-                </a:solidFill>
-                <a:latin typeface="Calibri"/>
-              </a:rPr>
-              <a:t>Fifth level</a:t>
-            </a:r>
-            <a:endParaRPr b="0" lang="en-US" sz="1800" spc="-1" strike="noStrike">
-              <a:solidFill>
+              <a:rPr b="0" lang="en-US" sz="2000" spc="-1" strike="noStrike">
+                <a:latin typeface="Arial"/>
+              </a:rPr>
+              <a:t>Fifth Outline Level</a:t>
+            </a:r>
+            <a:endParaRPr b="0" lang="en-US" sz="2000" spc="-1" strike="noStrike">
+              <a:latin typeface="Arial"/>
+            </a:endParaRPr>
+          </a:p>
+          <a:p>
+            <a:pPr lvl="5" marL="2592000" indent="-216000">
+              <a:spcBef>
+                <a:spcPts val="283"/>
+              </a:spcBef>
+              <a:buClr>
                 <a:srgbClr val="000000"/>
-              </a:solidFill>
-              <a:latin typeface="Calibri"/>
-            </a:endParaRPr>
-          </a:p>
-        </p:txBody>
-      </p:sp>
-      <p:sp>
-        <p:nvSpPr>
-          <p:cNvPr id="43" name="PlaceHolder 3"/>
-          <p:cNvSpPr>
-            <a:spLocks noGrp="1"/>
-          </p:cNvSpPr>
-          <p:nvPr>
-            <p:ph type="dt"/>
-          </p:nvPr>
-        </p:nvSpPr>
-        <p:spPr>
-          <a:xfrm>
-            <a:off x="838080" y="6356520"/>
-            <a:ext cx="2742840" cy="364680"/>
-          </a:xfrm>
-          <a:prstGeom prst="rect">
-            <a:avLst/>
-          </a:prstGeom>
-        </p:spPr>
-        <p:txBody>
-          <a:bodyPr anchor="ctr">
-            <a:noAutofit/>
-          </a:bodyPr>
-          <a:p>
-            <a:pPr>
-              <a:lnSpc>
-                <a:spcPct val="100000"/>
-              </a:lnSpc>
-            </a:pPr>
-            <a:fld id="{D7BBB63F-EF11-413F-9793-FEFC5A8162CE}" type="datetime">
-              <a:rPr b="0" lang="en-US" sz="1200" spc="-1" strike="noStrike">
-                <a:solidFill>
-                  <a:srgbClr val="8b8b8b"/>
-                </a:solidFill>
-                <a:latin typeface="Calibri"/>
-              </a:rPr>
-              <a:t>9/25/22</a:t>
-            </a:fld>
-            <a:endParaRPr b="0" lang="en-US" sz="1200" spc="-1" strike="noStrike">
-              <a:latin typeface="Times New Roman"/>
-            </a:endParaRPr>
-          </a:p>
-        </p:txBody>
-      </p:sp>
-      <p:sp>
-        <p:nvSpPr>
-          <p:cNvPr id="44" name="PlaceHolder 4"/>
-          <p:cNvSpPr>
-            <a:spLocks noGrp="1"/>
-          </p:cNvSpPr>
-          <p:nvPr>
-            <p:ph type="ftr"/>
-          </p:nvPr>
-        </p:nvSpPr>
-        <p:spPr>
-          <a:xfrm>
-            <a:off x="4038480" y="6356520"/>
-            <a:ext cx="4114440" cy="364680"/>
-          </a:xfrm>
-          <a:prstGeom prst="rect">
-            <a:avLst/>
-          </a:prstGeom>
-        </p:spPr>
-        <p:txBody>
-          <a:bodyPr anchor="ctr">
-            <a:noAutofit/>
-          </a:bodyPr>
-          <a:p>
-            <a:endParaRPr b="0" lang="en-US" sz="2400" spc="-1" strike="noStrike">
-              <a:latin typeface="Times New Roman"/>
-            </a:endParaRPr>
-          </a:p>
-        </p:txBody>
-      </p:sp>
-      <p:sp>
-        <p:nvSpPr>
-          <p:cNvPr id="45" name="PlaceHolder 5"/>
-          <p:cNvSpPr>
-            <a:spLocks noGrp="1"/>
-          </p:cNvSpPr>
-          <p:nvPr>
-            <p:ph type="sldNum"/>
-          </p:nvPr>
-        </p:nvSpPr>
-        <p:spPr>
-          <a:xfrm>
-            <a:off x="8610480" y="6356520"/>
-            <a:ext cx="2742840" cy="364680"/>
-          </a:xfrm>
-          <a:prstGeom prst="rect">
-            <a:avLst/>
-          </a:prstGeom>
-        </p:spPr>
-        <p:txBody>
-          <a:bodyPr anchor="ctr">
-            <a:noAutofit/>
-          </a:bodyPr>
-          <a:p>
-            <a:pPr algn="r">
-              <a:lnSpc>
-                <a:spcPct val="100000"/>
-              </a:lnSpc>
-            </a:pPr>
-            <a:fld id="{8561DF6F-A3FB-472D-BD24-8BEDEDAD0793}" type="slidenum">
-              <a:rPr b="0" lang="en-US" sz="1200" spc="-1" strike="noStrike">
-                <a:solidFill>
-                  <a:srgbClr val="8b8b8b"/>
-                </a:solidFill>
-                <a:latin typeface="Calibri"/>
-              </a:rPr>
-              <a:t>&lt;number&gt;</a:t>
-            </a:fld>
-            <a:endParaRPr b="0" lang="en-US" sz="1200" spc="-1" strike="noStrike">
-              <a:latin typeface="Times New Roman"/>
+              </a:buClr>
+              <a:buSzPct val="45000"/>
+              <a:buFont typeface="Wingdings" charset="2"/>
+              <a:buChar char=""/>
+            </a:pPr>
+            <a:r>
+              <a:rPr b="0" lang="en-US" sz="2000" spc="-1" strike="noStrike">
+                <a:latin typeface="Arial"/>
+              </a:rPr>
+              <a:t>Sixth Outline Level</a:t>
+            </a:r>
+            <a:endParaRPr b="0" lang="en-US" sz="2000" spc="-1" strike="noStrike">
+              <a:latin typeface="Arial"/>
+            </a:endParaRPr>
+          </a:p>
+          <a:p>
+            <a:pPr lvl="6" marL="3024000" indent="-216000">
+              <a:spcBef>
+                <a:spcPts val="283"/>
+              </a:spcBef>
+              <a:buClr>
+                <a:srgbClr val="000000"/>
+              </a:buClr>
+              <a:buSzPct val="45000"/>
+              <a:buFont typeface="Wingdings" charset="2"/>
+              <a:buChar char=""/>
+            </a:pPr>
+            <a:r>
+              <a:rPr b="0" lang="en-US" sz="2000" spc="-1" strike="noStrike">
+                <a:latin typeface="Arial"/>
+              </a:rPr>
+              <a:t>Seventh Outline Level</a:t>
+            </a:r>
+            <a:endParaRPr b="0" lang="en-US" sz="2000" spc="-1" strike="noStrike">
+              <a:latin typeface="Arial"/>
             </a:endParaRPr>
           </a:p>
         </p:txBody>
@@ -3771,7 +3287,7 @@
       </p:grpSpPr>
       <p:pic>
         <p:nvPicPr>
-          <p:cNvPr id="82" name="Picture 5" descr=""/>
+          <p:cNvPr id="76" name="Picture 5" descr=""/>
           <p:cNvPicPr/>
           <p:nvPr/>
         </p:nvPicPr>
@@ -3782,7 +3298,7 @@
         <p:spPr>
           <a:xfrm>
             <a:off x="1027440" y="0"/>
-            <a:ext cx="2325240" cy="2325240"/>
+            <a:ext cx="2324880" cy="2324880"/>
           </a:xfrm>
           <a:prstGeom prst="rect">
             <a:avLst/>
@@ -3794,14 +3310,14 @@
       </p:pic>
       <p:sp>
         <p:nvSpPr>
-          <p:cNvPr id="83" name="CustomShape 1"/>
+          <p:cNvPr id="77" name="CustomShape 1"/>
           <p:cNvSpPr/>
           <p:nvPr/>
         </p:nvSpPr>
         <p:spPr>
           <a:xfrm>
             <a:off x="900360" y="2380320"/>
-            <a:ext cx="5748120" cy="2467080"/>
+            <a:ext cx="5747760" cy="2238480"/>
           </a:xfrm>
           <a:prstGeom prst="rect">
             <a:avLst/>
@@ -3835,146 +3351,79 @@
                   <a:srgbClr val="ff6600"/>
                 </a:solidFill>
                 <a:latin typeface="Calibri"/>
-              </a:rPr>
-              <a:t>G2</a:t>
-            </a:r>
-            <a:r>
-              <a:rPr b="0" lang="en-US" sz="6600" spc="-1" strike="noStrike">
+                <a:ea typeface="DejaVu Sans"/>
+              </a:rPr>
+              <a:t>G2M Case Study</a:t>
+            </a:r>
+            <a:endParaRPr b="0" lang="en-US" sz="6600" spc="-1" strike="noStrike">
+              <a:latin typeface="Arial"/>
+            </a:endParaRPr>
+          </a:p>
+          <a:p>
+            <a:pPr>
+              <a:lnSpc>
+                <a:spcPct val="100000"/>
+              </a:lnSpc>
+            </a:pPr>
+            <a:r>
+              <a:rPr b="0" lang="en-US" sz="2500" spc="-1" strike="noStrike">
                 <a:solidFill>
                   <a:srgbClr val="ff6600"/>
                 </a:solidFill>
                 <a:latin typeface="Calibri"/>
-              </a:rPr>
-              <a:t>M </a:t>
-            </a:r>
-            <a:r>
-              <a:rPr b="0" lang="en-US" sz="6600" spc="-1" strike="noStrike">
+                <a:ea typeface="DejaVu Sans"/>
+              </a:rPr>
+              <a:t>Virtual</a:t>
+            </a:r>
+            <a:r>
+              <a:rPr b="0" lang="en-US" sz="2500" spc="-1" strike="noStrike">
+                <a:solidFill>
+                  <a:srgbClr val="000000"/>
+                </a:solidFill>
+                <a:latin typeface="Calibri"/>
+                <a:ea typeface="DejaVu Sans"/>
+              </a:rPr>
+              <a:t> </a:t>
+            </a:r>
+            <a:r>
+              <a:rPr b="0" lang="en-US" sz="2500" spc="-1" strike="noStrike">
                 <a:solidFill>
                   <a:srgbClr val="ff6600"/>
                 </a:solidFill>
                 <a:latin typeface="Calibri"/>
-              </a:rPr>
-              <a:t>Ca</a:t>
-            </a:r>
-            <a:r>
-              <a:rPr b="0" lang="en-US" sz="6600" spc="-1" strike="noStrike">
+                <a:ea typeface="DejaVu Sans"/>
+              </a:rPr>
+              <a:t>Internship</a:t>
+            </a:r>
+            <a:endParaRPr b="0" lang="en-US" sz="2500" spc="-1" strike="noStrike">
+              <a:latin typeface="Arial"/>
+            </a:endParaRPr>
+          </a:p>
+          <a:p>
+            <a:pPr>
+              <a:lnSpc>
+                <a:spcPct val="100000"/>
+              </a:lnSpc>
+            </a:pPr>
+            <a:endParaRPr b="0" lang="en-US" sz="2500" spc="-1" strike="noStrike">
+              <a:latin typeface="Arial"/>
+            </a:endParaRPr>
+          </a:p>
+          <a:p>
+            <a:pPr>
+              <a:lnSpc>
+                <a:spcPct val="100000"/>
+              </a:lnSpc>
+            </a:pPr>
+            <a:r>
+              <a:rPr b="0" lang="en-US" sz="2500" spc="-1" strike="noStrike">
                 <a:solidFill>
                   <a:srgbClr val="ff6600"/>
                 </a:solidFill>
                 <a:latin typeface="Calibri"/>
-              </a:rPr>
-              <a:t>se </a:t>
-            </a:r>
-            <a:r>
-              <a:rPr b="0" lang="en-US" sz="6600" spc="-1" strike="noStrike">
-                <a:solidFill>
-                  <a:srgbClr val="ff6600"/>
-                </a:solidFill>
-                <a:latin typeface="Calibri"/>
-              </a:rPr>
-              <a:t>St</a:t>
-            </a:r>
-            <a:r>
-              <a:rPr b="0" lang="en-US" sz="6600" spc="-1" strike="noStrike">
-                <a:solidFill>
-                  <a:srgbClr val="ff6600"/>
-                </a:solidFill>
-                <a:latin typeface="Calibri"/>
-              </a:rPr>
-              <a:t>ud</a:t>
-            </a:r>
-            <a:r>
-              <a:rPr b="0" lang="en-US" sz="6600" spc="-1" strike="noStrike">
-                <a:solidFill>
-                  <a:srgbClr val="ff6600"/>
-                </a:solidFill>
-                <a:latin typeface="Calibri"/>
-              </a:rPr>
-              <a:t>y</a:t>
-            </a:r>
-            <a:endParaRPr b="0" lang="en-US" sz="6600" spc="-1" strike="noStrike">
-              <a:latin typeface="Arial"/>
-            </a:endParaRPr>
-          </a:p>
-          <a:p>
-            <a:pPr>
-              <a:lnSpc>
-                <a:spcPct val="100000"/>
-              </a:lnSpc>
-            </a:pPr>
-            <a:r>
-              <a:rPr b="0" lang="en-US" sz="2500" spc="-1" strike="noStrike">
-                <a:solidFill>
-                  <a:srgbClr val="ff6600"/>
-                </a:solidFill>
-                <a:latin typeface="Calibri"/>
-              </a:rPr>
-              <a:t>Virtual</a:t>
-            </a:r>
-            <a:r>
-              <a:rPr b="0" lang="en-US" sz="2500" spc="-1" strike="noStrike">
-                <a:solidFill>
-                  <a:srgbClr val="000000"/>
-                </a:solidFill>
-                <a:latin typeface="Calibri"/>
-              </a:rPr>
-              <a:t> </a:t>
-            </a:r>
-            <a:r>
-              <a:rPr b="0" lang="en-US" sz="2500" spc="-1" strike="noStrike">
-                <a:solidFill>
-                  <a:srgbClr val="ff6600"/>
-                </a:solidFill>
-                <a:latin typeface="Calibri"/>
-              </a:rPr>
-              <a:t>Internsh</a:t>
-            </a:r>
-            <a:r>
-              <a:rPr b="0" lang="en-US" sz="2500" spc="-1" strike="noStrike">
-                <a:solidFill>
-                  <a:srgbClr val="ff6600"/>
-                </a:solidFill>
-                <a:latin typeface="Calibri"/>
-              </a:rPr>
-              <a:t>ip</a:t>
-            </a:r>
-            <a:endParaRPr b="0" lang="en-US" sz="2500" spc="-1" strike="noStrike">
-              <a:latin typeface="Arial"/>
-            </a:endParaRPr>
-          </a:p>
-          <a:p>
-            <a:pPr>
-              <a:lnSpc>
-                <a:spcPct val="100000"/>
-              </a:lnSpc>
-            </a:pPr>
-            <a:endParaRPr b="0" lang="en-US" sz="2500" spc="-1" strike="noStrike">
-              <a:latin typeface="Arial"/>
-            </a:endParaRPr>
-          </a:p>
-          <a:p>
-            <a:pPr>
-              <a:lnSpc>
-                <a:spcPct val="100000"/>
-              </a:lnSpc>
-            </a:pPr>
-            <a:r>
-              <a:rPr b="0" lang="en-US" sz="2500" spc="-1" strike="noStrike">
-                <a:solidFill>
-                  <a:srgbClr val="ff6600"/>
-                </a:solidFill>
-                <a:latin typeface="Calibri"/>
-              </a:rPr>
-              <a:t>23-Sep-</a:t>
-            </a:r>
-            <a:r>
-              <a:rPr b="0" lang="en-US" sz="2500" spc="-1" strike="noStrike">
-                <a:solidFill>
-                  <a:srgbClr val="ff6600"/>
-                </a:solidFill>
-                <a:latin typeface="Calibri"/>
-              </a:rPr>
-              <a:t>2022</a:t>
+                <a:ea typeface="DejaVu Sans"/>
+              </a:rPr>
+              <a:t>23-Sep-2022</a:t>
             </a:r>
             <a:endParaRPr b="0" lang="en-US" sz="2500" spc="-1" strike="noStrike">
               <a:latin typeface="Arial"/>
@@ -4014,14 +3463,14 @@
       </p:grpSpPr>
       <p:sp>
         <p:nvSpPr>
-          <p:cNvPr id="135" name="CustomShape 1"/>
+          <p:cNvPr id="129" name="CustomShape 1"/>
           <p:cNvSpPr/>
           <p:nvPr/>
         </p:nvSpPr>
         <p:spPr>
           <a:xfrm>
             <a:off x="9282960" y="1600560"/>
-            <a:ext cx="2460960" cy="2010600"/>
+            <a:ext cx="2460600" cy="2010240"/>
           </a:xfrm>
           <a:prstGeom prst="rect">
             <a:avLst/>
@@ -4042,7 +3491,7 @@
             <a:spAutoFit/>
           </a:bodyPr>
           <a:p>
-            <a:pPr marL="285840" indent="-285480">
+            <a:pPr marL="285840" indent="-285120">
               <a:lnSpc>
                 <a:spcPct val="100000"/>
               </a:lnSpc>
@@ -4058,6 +3507,7 @@
                   <a:srgbClr val="000000"/>
                 </a:solidFill>
                 <a:latin typeface="Calibri"/>
+                <a:ea typeface="DejaVu Sans"/>
               </a:rPr>
               <a:t>This is the number</a:t>
             </a:r>
@@ -4077,6 +3527,7 @@
                   <a:srgbClr val="000000"/>
                 </a:solidFill>
                 <a:latin typeface="Calibri"/>
+                <a:ea typeface="DejaVu Sans"/>
               </a:rPr>
               <a:t>      </a:t>
             </a:r>
@@ -4086,6 +3537,7 @@
                   <a:srgbClr val="000000"/>
                 </a:solidFill>
                 <a:latin typeface="Calibri"/>
+                <a:ea typeface="DejaVu Sans"/>
               </a:rPr>
               <a:t>of users covered by </a:t>
             </a:r>
@@ -4105,6 +3557,7 @@
                   <a:srgbClr val="000000"/>
                 </a:solidFill>
                 <a:latin typeface="Calibri"/>
+                <a:ea typeface="DejaVu Sans"/>
               </a:rPr>
               <a:t>      </a:t>
             </a:r>
@@ -4114,6 +3567,7 @@
                   <a:srgbClr val="000000"/>
                 </a:solidFill>
                 <a:latin typeface="Calibri"/>
+                <a:ea typeface="DejaVu Sans"/>
               </a:rPr>
               <a:t>Yellow and Pink cab</a:t>
             </a:r>
@@ -4133,6 +3587,7 @@
                   <a:srgbClr val="000000"/>
                 </a:solidFill>
                 <a:latin typeface="Calibri"/>
+                <a:ea typeface="DejaVu Sans"/>
               </a:rPr>
               <a:t>      </a:t>
             </a:r>
@@ -4142,6 +3597,7 @@
                   <a:srgbClr val="000000"/>
                 </a:solidFill>
                 <a:latin typeface="Calibri"/>
+                <a:ea typeface="DejaVu Sans"/>
               </a:rPr>
               <a:t>In the city against </a:t>
             </a:r>
@@ -4161,6 +3617,7 @@
                   <a:srgbClr val="000000"/>
                 </a:solidFill>
                 <a:latin typeface="Calibri"/>
+                <a:ea typeface="DejaVu Sans"/>
               </a:rPr>
               <a:t>      </a:t>
             </a:r>
@@ -4170,6 +3627,7 @@
                   <a:srgbClr val="000000"/>
                 </a:solidFill>
                 <a:latin typeface="Calibri"/>
+                <a:ea typeface="DejaVu Sans"/>
               </a:rPr>
               <a:t>all cab users </a:t>
             </a:r>
@@ -4179,6 +3637,7 @@
                   <a:srgbClr val="000000"/>
                 </a:solidFill>
                 <a:latin typeface="Calibri"/>
+                <a:ea typeface="DejaVu Sans"/>
               </a:rPr>
               <a:t>present </a:t>
             </a:r>
@@ -4198,6 +3657,7 @@
                   <a:srgbClr val="000000"/>
                 </a:solidFill>
                 <a:latin typeface="Calibri"/>
+                <a:ea typeface="DejaVu Sans"/>
               </a:rPr>
               <a:t>      </a:t>
             </a:r>
@@ -4207,6 +3667,7 @@
                   <a:srgbClr val="000000"/>
                 </a:solidFill>
                 <a:latin typeface="Calibri"/>
+                <a:ea typeface="DejaVu Sans"/>
               </a:rPr>
               <a:t>In the city</a:t>
             </a:r>
@@ -4226,6 +3687,7 @@
                   <a:srgbClr val="000000"/>
                 </a:solidFill>
                 <a:latin typeface="Calibri"/>
+                <a:ea typeface="DejaVu Sans"/>
               </a:rPr>
               <a:t> </a:t>
             </a:r>
@@ -4237,14 +3699,14 @@
       </p:sp>
       <p:sp>
         <p:nvSpPr>
-          <p:cNvPr id="136" name="CustomShape 2"/>
+          <p:cNvPr id="130" name="CustomShape 2"/>
           <p:cNvSpPr/>
           <p:nvPr/>
         </p:nvSpPr>
         <p:spPr>
           <a:xfrm>
             <a:off x="0" y="-12240"/>
-            <a:ext cx="12191760" cy="1383480"/>
+            <a:ext cx="12191400" cy="1383120"/>
           </a:xfrm>
           <a:prstGeom prst="rect">
             <a:avLst/>
@@ -4281,6 +3743,7 @@
                   <a:srgbClr val="ed7d31"/>
                 </a:solidFill>
                 <a:latin typeface="Calibri Light"/>
+                <a:ea typeface="DejaVu Sans"/>
               </a:rPr>
               <a:t>      </a:t>
             </a:r>
@@ -4290,6 +3753,7 @@
                   <a:srgbClr val="ed7d31"/>
                 </a:solidFill>
                 <a:latin typeface="Calibri Light"/>
+                <a:ea typeface="DejaVu Sans"/>
               </a:rPr>
               <a:t>City Wise Cab Users Covered By Company</a:t>
             </a:r>
@@ -4301,7 +3765,7 @@
       </p:sp>
       <p:pic>
         <p:nvPicPr>
-          <p:cNvPr id="137" name="" descr=""/>
+          <p:cNvPr id="131" name="" descr=""/>
           <p:cNvPicPr/>
           <p:nvPr/>
         </p:nvPicPr>
@@ -4312,7 +3776,7 @@
         <p:spPr>
           <a:xfrm>
             <a:off x="457200" y="1486080"/>
-            <a:ext cx="7305480" cy="4228920"/>
+            <a:ext cx="7305120" cy="4228560"/>
           </a:xfrm>
           <a:prstGeom prst="rect">
             <a:avLst/>
@@ -4354,14 +3818,14 @@
       </p:grpSpPr>
       <p:sp>
         <p:nvSpPr>
-          <p:cNvPr id="138" name="CustomShape 1"/>
+          <p:cNvPr id="132" name="CustomShape 1"/>
           <p:cNvSpPr/>
           <p:nvPr/>
         </p:nvSpPr>
         <p:spPr>
           <a:xfrm>
             <a:off x="6858000" y="5761800"/>
-            <a:ext cx="4744800" cy="639000"/>
+            <a:ext cx="4744800" cy="638640"/>
           </a:xfrm>
           <a:prstGeom prst="rect">
             <a:avLst/>
@@ -4382,7 +3846,7 @@
             <a:spAutoFit/>
           </a:bodyPr>
           <a:p>
-            <a:pPr marL="285840" indent="-285480">
+            <a:pPr marL="285840" indent="-285120">
               <a:lnSpc>
                 <a:spcPct val="100000"/>
               </a:lnSpc>
@@ -4398,6 +3862,7 @@
                   <a:srgbClr val="000000"/>
                 </a:solidFill>
                 <a:latin typeface="Calibri"/>
+                <a:ea typeface="DejaVu Sans"/>
               </a:rPr>
               <a:t>People use more Card than Cash for both cabs</a:t>
             </a:r>
@@ -4417,6 +3882,7 @@
                   <a:srgbClr val="000000"/>
                 </a:solidFill>
                 <a:latin typeface="Calibri"/>
+                <a:ea typeface="DejaVu Sans"/>
               </a:rPr>
               <a:t> </a:t>
             </a:r>
@@ -4428,14 +3894,14 @@
       </p:sp>
       <p:sp>
         <p:nvSpPr>
-          <p:cNvPr id="139" name="CustomShape 2"/>
+          <p:cNvPr id="133" name="CustomShape 2"/>
           <p:cNvSpPr/>
           <p:nvPr/>
         </p:nvSpPr>
         <p:spPr>
           <a:xfrm>
             <a:off x="0" y="-12240"/>
-            <a:ext cx="12191760" cy="1383480"/>
+            <a:ext cx="12191400" cy="1383120"/>
           </a:xfrm>
           <a:prstGeom prst="rect">
             <a:avLst/>
@@ -4472,6 +3938,7 @@
                   <a:srgbClr val="ed7d31"/>
                 </a:solidFill>
                 <a:latin typeface="Calibri Light"/>
+                <a:ea typeface="DejaVu Sans"/>
               </a:rPr>
               <a:t>      </a:t>
             </a:r>
@@ -4481,6 +3948,7 @@
                   <a:srgbClr val="ed7d31"/>
                 </a:solidFill>
                 <a:latin typeface="Calibri Light"/>
+                <a:ea typeface="DejaVu Sans"/>
               </a:rPr>
               <a:t>Payment method wise</a:t>
             </a:r>
@@ -4492,7 +3960,7 @@
       </p:sp>
       <p:pic>
         <p:nvPicPr>
-          <p:cNvPr id="140" name="" descr=""/>
+          <p:cNvPr id="134" name="" descr=""/>
           <p:cNvPicPr/>
           <p:nvPr/>
         </p:nvPicPr>
@@ -4503,7 +3971,7 @@
         <p:spPr>
           <a:xfrm>
             <a:off x="1371600" y="1524240"/>
-            <a:ext cx="7219440" cy="3733560"/>
+            <a:ext cx="7219080" cy="3733200"/>
           </a:xfrm>
           <a:prstGeom prst="rect">
             <a:avLst/>
@@ -4545,14 +4013,14 @@
       </p:grpSpPr>
       <p:sp>
         <p:nvSpPr>
-          <p:cNvPr id="141" name="CustomShape 1"/>
+          <p:cNvPr id="135" name="CustomShape 1"/>
           <p:cNvSpPr/>
           <p:nvPr/>
         </p:nvSpPr>
         <p:spPr>
           <a:xfrm>
             <a:off x="4343400" y="5029200"/>
-            <a:ext cx="7543800" cy="2284200"/>
+            <a:ext cx="7543440" cy="2284200"/>
           </a:xfrm>
           <a:prstGeom prst="rect">
             <a:avLst/>
@@ -4573,7 +4041,7 @@
             <a:spAutoFit/>
           </a:bodyPr>
           <a:p>
-            <a:pPr marL="285840" indent="-285480">
+            <a:pPr marL="285840" indent="-285120">
               <a:lnSpc>
                 <a:spcPct val="100000"/>
               </a:lnSpc>
@@ -4589,6 +4057,7 @@
                   <a:srgbClr val="000000"/>
                 </a:solidFill>
                 <a:latin typeface="Calibri"/>
+                <a:ea typeface="DejaVu Sans"/>
               </a:rPr>
               <a:t>Customers are more present in the cities below:</a:t>
             </a:r>
@@ -4597,7 +4066,7 @@
             </a:endParaRPr>
           </a:p>
           <a:p>
-            <a:pPr lvl="1" marL="432000" indent="-216000">
+            <a:pPr lvl="1" marL="432000" indent="-215640">
               <a:lnSpc>
                 <a:spcPct val="100000"/>
               </a:lnSpc>
@@ -4614,6 +4083,7 @@
                   <a:srgbClr val="000000"/>
                 </a:solidFill>
                 <a:latin typeface="Calibri"/>
+                <a:ea typeface="DejaVu Sans"/>
               </a:rPr>
               <a:t>New York NY</a:t>
             </a:r>
@@ -4622,7 +4092,7 @@
             </a:endParaRPr>
           </a:p>
           <a:p>
-            <a:pPr lvl="1" marL="432000" indent="-216000">
+            <a:pPr lvl="1" marL="432000" indent="-215640">
               <a:lnSpc>
                 <a:spcPct val="100000"/>
               </a:lnSpc>
@@ -4639,6 +4109,7 @@
                   <a:srgbClr val="000000"/>
                 </a:solidFill>
                 <a:latin typeface="Calibri"/>
+                <a:ea typeface="DejaVu Sans"/>
               </a:rPr>
               <a:t>Chicago IL</a:t>
             </a:r>
@@ -4647,7 +4118,7 @@
             </a:endParaRPr>
           </a:p>
           <a:p>
-            <a:pPr lvl="1" marL="432000" indent="-216000">
+            <a:pPr lvl="1" marL="432000" indent="-215640">
               <a:lnSpc>
                 <a:spcPct val="100000"/>
               </a:lnSpc>
@@ -4664,6 +4135,7 @@
                   <a:srgbClr val="000000"/>
                 </a:solidFill>
                 <a:latin typeface="Calibri"/>
+                <a:ea typeface="DejaVu Sans"/>
               </a:rPr>
               <a:t>Los angeles CA</a:t>
             </a:r>
@@ -4672,7 +4144,7 @@
             </a:endParaRPr>
           </a:p>
           <a:p>
-            <a:pPr lvl="1" marL="432000" indent="-216000">
+            <a:pPr lvl="1" marL="432000" indent="-215640">
               <a:lnSpc>
                 <a:spcPct val="100000"/>
               </a:lnSpc>
@@ -4689,6 +4161,7 @@
                   <a:srgbClr val="000000"/>
                 </a:solidFill>
                 <a:latin typeface="Calibri"/>
+                <a:ea typeface="DejaVu Sans"/>
               </a:rPr>
               <a:t>MiamiFL</a:t>
             </a:r>
@@ -4730,14 +4203,14 @@
       </p:sp>
       <p:sp>
         <p:nvSpPr>
-          <p:cNvPr id="142" name="CustomShape 2"/>
+          <p:cNvPr id="136" name="CustomShape 2"/>
           <p:cNvSpPr/>
           <p:nvPr/>
         </p:nvSpPr>
         <p:spPr>
           <a:xfrm>
             <a:off x="0" y="0"/>
-            <a:ext cx="12191760" cy="1383480"/>
+            <a:ext cx="12191400" cy="1383120"/>
           </a:xfrm>
           <a:prstGeom prst="rect">
             <a:avLst/>
@@ -4774,6 +4247,7 @@
                   <a:srgbClr val="ed7d31"/>
                 </a:solidFill>
                 <a:latin typeface="Calibri Light"/>
+                <a:ea typeface="DejaVu Sans"/>
               </a:rPr>
               <a:t>  </a:t>
             </a:r>
@@ -4783,6 +4257,7 @@
                   <a:srgbClr val="ed7d31"/>
                 </a:solidFill>
                 <a:latin typeface="Calibri Light"/>
+                <a:ea typeface="DejaVu Sans"/>
               </a:rPr>
               <a:t>Customer Presence in the city</a:t>
             </a:r>
@@ -4804,7 +4279,7 @@
       </p:sp>
       <p:pic>
         <p:nvPicPr>
-          <p:cNvPr id="143" name="" descr=""/>
+          <p:cNvPr id="137" name="" descr=""/>
           <p:cNvPicPr/>
           <p:nvPr/>
         </p:nvPicPr>
@@ -4815,7 +4290,7 @@
         <p:spPr>
           <a:xfrm>
             <a:off x="9720" y="1438560"/>
-            <a:ext cx="9591480" cy="3590640"/>
+            <a:ext cx="9591120" cy="3590280"/>
           </a:xfrm>
           <a:prstGeom prst="rect">
             <a:avLst/>
@@ -4857,14 +4332,14 @@
       </p:grpSpPr>
       <p:sp>
         <p:nvSpPr>
-          <p:cNvPr id="144" name="CustomShape 1"/>
+          <p:cNvPr id="138" name="CustomShape 1"/>
           <p:cNvSpPr/>
           <p:nvPr/>
         </p:nvSpPr>
         <p:spPr>
           <a:xfrm>
             <a:off x="8657280" y="1828800"/>
-            <a:ext cx="3458520" cy="2832840"/>
+            <a:ext cx="3458160" cy="2832840"/>
           </a:xfrm>
           <a:prstGeom prst="rect">
             <a:avLst/>
@@ -4885,7 +4360,17 @@
             <a:spAutoFit/>
           </a:bodyPr>
           <a:p>
-            <a:pPr marL="285840" indent="-285480">
+            <a:pPr>
+              <a:lnSpc>
+                <a:spcPct val="100000"/>
+              </a:lnSpc>
+            </a:pPr>
+            <a:endParaRPr b="0" lang="en-US" sz="1800" spc="-1" strike="noStrike">
+              <a:latin typeface="Arial"/>
+            </a:endParaRPr>
+          </a:p>
+          <a:p>
+            <a:pPr marL="285840" indent="-285120">
               <a:lnSpc>
                 <a:spcPct val="100000"/>
               </a:lnSpc>
@@ -4895,12 +4380,32 @@
               <a:buFont typeface="Arial"/>
               <a:buChar char="•"/>
             </a:pPr>
+            <a:r>
+              <a:rPr b="0" lang="en-US" sz="1800" spc="-1" strike="noStrike">
+                <a:solidFill>
+                  <a:srgbClr val="000000"/>
+                </a:solidFill>
+                <a:latin typeface="Calibri"/>
+                <a:ea typeface="DejaVu Sans"/>
+              </a:rPr>
+              <a:t>Yellow cab higher customer base as compared to Pink cab.</a:t>
+            </a:r>
             <a:endParaRPr b="0" lang="en-US" sz="1800" spc="-1" strike="noStrike">
               <a:latin typeface="Arial"/>
             </a:endParaRPr>
           </a:p>
           <a:p>
-            <a:pPr marL="285840" indent="-285480">
+            <a:pPr>
+              <a:lnSpc>
+                <a:spcPct val="100000"/>
+              </a:lnSpc>
+            </a:pPr>
+            <a:endParaRPr b="0" lang="en-US" sz="1800" spc="-1" strike="noStrike">
+              <a:latin typeface="Arial"/>
+            </a:endParaRPr>
+          </a:p>
+          <a:p>
+            <a:pPr marL="285840" indent="-285120">
               <a:lnSpc>
                 <a:spcPct val="100000"/>
               </a:lnSpc>
@@ -4916,40 +4421,7 @@
                   <a:srgbClr val="000000"/>
                 </a:solidFill>
                 <a:latin typeface="Calibri"/>
-              </a:rPr>
-              <a:t>Yellow cab higher customer base as compared to Pink cab.</a:t>
-            </a:r>
-            <a:endParaRPr b="0" lang="en-US" sz="1800" spc="-1" strike="noStrike">
-              <a:latin typeface="Arial"/>
-            </a:endParaRPr>
-          </a:p>
-          <a:p>
-            <a:pPr>
-              <a:lnSpc>
-                <a:spcPct val="100000"/>
-              </a:lnSpc>
-            </a:pPr>
-            <a:endParaRPr b="0" lang="en-US" sz="1800" spc="-1" strike="noStrike">
-              <a:latin typeface="Arial"/>
-            </a:endParaRPr>
-          </a:p>
-          <a:p>
-            <a:pPr marL="285840" indent="-285480">
-              <a:lnSpc>
-                <a:spcPct val="100000"/>
-              </a:lnSpc>
-              <a:buClr>
-                <a:srgbClr val="000000"/>
-              </a:buClr>
-              <a:buFont typeface="Arial"/>
-              <a:buChar char="•"/>
-            </a:pPr>
-            <a:r>
-              <a:rPr b="0" lang="en-US" sz="1800" spc="-1" strike="noStrike">
-                <a:solidFill>
-                  <a:srgbClr val="000000"/>
-                </a:solidFill>
-                <a:latin typeface="Calibri"/>
+                <a:ea typeface="DejaVu Sans"/>
               </a:rPr>
               <a:t>There is an equality distribution of Yellow Cab and Pink Cab at Diego city </a:t>
             </a:r>
@@ -4991,14 +4463,14 @@
       </p:sp>
       <p:sp>
         <p:nvSpPr>
-          <p:cNvPr id="145" name="CustomShape 2"/>
+          <p:cNvPr id="139" name="CustomShape 2"/>
           <p:cNvSpPr/>
           <p:nvPr/>
         </p:nvSpPr>
         <p:spPr>
           <a:xfrm>
             <a:off x="0" y="0"/>
-            <a:ext cx="12191760" cy="1383480"/>
+            <a:ext cx="12191400" cy="1383120"/>
           </a:xfrm>
           <a:prstGeom prst="rect">
             <a:avLst/>
@@ -5035,6 +4507,7 @@
                   <a:srgbClr val="ed7d31"/>
                 </a:solidFill>
                 <a:latin typeface="Calibri Light"/>
+                <a:ea typeface="DejaVu Sans"/>
               </a:rPr>
               <a:t>       </a:t>
             </a:r>
@@ -5044,6 +4517,7 @@
                   <a:srgbClr val="ed7d31"/>
                 </a:solidFill>
                 <a:latin typeface="Calibri Light"/>
+                <a:ea typeface="DejaVu Sans"/>
               </a:rPr>
               <a:t>User Covered by Company  wise</a:t>
             </a:r>
@@ -5055,7 +4529,7 @@
       </p:sp>
       <p:pic>
         <p:nvPicPr>
-          <p:cNvPr id="146" name="" descr=""/>
+          <p:cNvPr id="140" name="" descr=""/>
           <p:cNvPicPr/>
           <p:nvPr/>
         </p:nvPicPr>
@@ -5066,7 +4540,7 @@
         <p:spPr>
           <a:xfrm>
             <a:off x="66960" y="1383480"/>
-            <a:ext cx="8590320" cy="3771720"/>
+            <a:ext cx="8589960" cy="3771360"/>
           </a:xfrm>
           <a:prstGeom prst="rect">
             <a:avLst/>
@@ -5108,14 +4582,14 @@
       </p:grpSpPr>
       <p:sp>
         <p:nvSpPr>
-          <p:cNvPr id="147" name="CustomShape 1"/>
+          <p:cNvPr id="141" name="CustomShape 1"/>
           <p:cNvSpPr/>
           <p:nvPr/>
         </p:nvSpPr>
         <p:spPr>
           <a:xfrm>
             <a:off x="8465040" y="2286000"/>
-            <a:ext cx="3879360" cy="1735560"/>
+            <a:ext cx="3879000" cy="1735560"/>
           </a:xfrm>
           <a:prstGeom prst="rect">
             <a:avLst/>
@@ -5136,7 +4610,7 @@
             <a:spAutoFit/>
           </a:bodyPr>
           <a:p>
-            <a:pPr marL="285840" indent="-285480">
+            <a:pPr marL="285840" indent="-285120">
               <a:lnSpc>
                 <a:spcPct val="100000"/>
               </a:lnSpc>
@@ -5152,6 +4626,7 @@
                   <a:srgbClr val="000000"/>
                 </a:solidFill>
                 <a:latin typeface="Calibri"/>
+                <a:ea typeface="DejaVu Sans"/>
               </a:rPr>
               <a:t>Seasonal component is present in</a:t>
             </a:r>
@@ -5171,6 +4646,7 @@
                   <a:srgbClr val="000000"/>
                 </a:solidFill>
                 <a:latin typeface="Calibri"/>
+                <a:ea typeface="DejaVu Sans"/>
               </a:rPr>
               <a:t>     </a:t>
             </a:r>
@@ -5180,6 +4656,7 @@
                   <a:srgbClr val="000000"/>
                 </a:solidFill>
                 <a:latin typeface="Calibri"/>
+                <a:ea typeface="DejaVu Sans"/>
               </a:rPr>
               <a:t>both the cabs.</a:t>
             </a:r>
@@ -5188,7 +4665,7 @@
             </a:endParaRPr>
           </a:p>
           <a:p>
-            <a:pPr marL="285840" indent="-285480">
+            <a:pPr marL="285840" indent="-285120">
               <a:lnSpc>
                 <a:spcPct val="100000"/>
               </a:lnSpc>
@@ -5204,6 +4681,7 @@
                   <a:srgbClr val="000000"/>
                 </a:solidFill>
                 <a:latin typeface="Calibri"/>
+                <a:ea typeface="DejaVu Sans"/>
               </a:rPr>
               <a:t>Demand is high from 43000 and is repeat after a certain number of days </a:t>
             </a:r>
@@ -5225,14 +4703,14 @@
       </p:sp>
       <p:sp>
         <p:nvSpPr>
-          <p:cNvPr id="148" name="CustomShape 2"/>
+          <p:cNvPr id="142" name="CustomShape 2"/>
           <p:cNvSpPr/>
           <p:nvPr/>
         </p:nvSpPr>
         <p:spPr>
           <a:xfrm>
             <a:off x="0" y="0"/>
-            <a:ext cx="12191760" cy="1383480"/>
+            <a:ext cx="12191400" cy="1383120"/>
           </a:xfrm>
           <a:prstGeom prst="rect">
             <a:avLst/>
@@ -5269,6 +4747,7 @@
                   <a:srgbClr val="ed7d31"/>
                 </a:solidFill>
                 <a:latin typeface="Calibri Light"/>
+                <a:ea typeface="DejaVu Sans"/>
               </a:rPr>
               <a:t>      </a:t>
             </a:r>
@@ -5278,6 +4757,7 @@
                   <a:srgbClr val="ed7d31"/>
                 </a:solidFill>
                 <a:latin typeface="Calibri Light"/>
+                <a:ea typeface="DejaVu Sans"/>
               </a:rPr>
               <a:t>Seasonality in the demand</a:t>
             </a:r>
@@ -5289,7 +4769,7 @@
       </p:sp>
       <p:pic>
         <p:nvPicPr>
-          <p:cNvPr id="149" name="" descr=""/>
+          <p:cNvPr id="143" name="" descr=""/>
           <p:cNvPicPr/>
           <p:nvPr/>
         </p:nvPicPr>
@@ -5300,7 +4780,7 @@
         <p:spPr>
           <a:xfrm>
             <a:off x="124200" y="1383480"/>
-            <a:ext cx="8562600" cy="2666520"/>
+            <a:ext cx="8562240" cy="2666160"/>
           </a:xfrm>
           <a:prstGeom prst="rect">
             <a:avLst/>
@@ -5312,7 +4792,7 @@
       </p:pic>
       <p:pic>
         <p:nvPicPr>
-          <p:cNvPr id="150" name="" descr=""/>
+          <p:cNvPr id="144" name="" descr=""/>
           <p:cNvPicPr/>
           <p:nvPr/>
         </p:nvPicPr>
@@ -5323,7 +4803,7 @@
         <p:spPr>
           <a:xfrm>
             <a:off x="4029480" y="4050000"/>
-            <a:ext cx="4428720" cy="2579400"/>
+            <a:ext cx="4428360" cy="2579040"/>
           </a:xfrm>
           <a:prstGeom prst="rect">
             <a:avLst/>
@@ -5365,14 +4845,14 @@
       </p:grpSpPr>
       <p:sp>
         <p:nvSpPr>
-          <p:cNvPr id="151" name="CustomShape 1"/>
+          <p:cNvPr id="145" name="CustomShape 1"/>
           <p:cNvSpPr/>
           <p:nvPr/>
         </p:nvSpPr>
         <p:spPr>
           <a:xfrm>
             <a:off x="0" y="-12240"/>
-            <a:ext cx="12191760" cy="1383480"/>
+            <a:ext cx="12191400" cy="1383120"/>
           </a:xfrm>
           <a:prstGeom prst="rect">
             <a:avLst/>
@@ -5409,6 +4889,7 @@
                   <a:srgbClr val="ed7d31"/>
                 </a:solidFill>
                 <a:latin typeface="Calibri Light"/>
+                <a:ea typeface="DejaVu Sans"/>
               </a:rPr>
               <a:t>      </a:t>
             </a:r>
@@ -5418,6 +4899,7 @@
                   <a:srgbClr val="ed7d31"/>
                 </a:solidFill>
                 <a:latin typeface="Calibri Light"/>
+                <a:ea typeface="DejaVu Sans"/>
               </a:rPr>
               <a:t>Seasonality in the Profit</a:t>
             </a:r>
@@ -5429,7 +4911,7 @@
       </p:sp>
       <p:pic>
         <p:nvPicPr>
-          <p:cNvPr id="152" name="" descr=""/>
+          <p:cNvPr id="146" name="" descr=""/>
           <p:cNvPicPr/>
           <p:nvPr/>
         </p:nvPicPr>
@@ -5440,7 +4922,7 @@
         <p:spPr>
           <a:xfrm>
             <a:off x="619560" y="1600200"/>
-            <a:ext cx="11496240" cy="4343400"/>
+            <a:ext cx="11495880" cy="4343040"/>
           </a:xfrm>
           <a:prstGeom prst="rect">
             <a:avLst/>
@@ -5482,14 +4964,14 @@
       </p:grpSpPr>
       <p:sp>
         <p:nvSpPr>
-          <p:cNvPr id="153" name="CustomShape 1"/>
+          <p:cNvPr id="147" name="CustomShape 1"/>
           <p:cNvSpPr/>
           <p:nvPr/>
         </p:nvSpPr>
         <p:spPr>
           <a:xfrm>
             <a:off x="8684280" y="1745640"/>
-            <a:ext cx="3341160" cy="4753800"/>
+            <a:ext cx="3340800" cy="4753440"/>
           </a:xfrm>
           <a:prstGeom prst="rect">
             <a:avLst/>
@@ -5510,7 +4992,7 @@
             <a:spAutoFit/>
           </a:bodyPr>
           <a:p>
-            <a:pPr marL="285840" indent="-285480">
+            <a:pPr marL="285840" indent="-285120">
               <a:lnSpc>
                 <a:spcPct val="100000"/>
               </a:lnSpc>
@@ -5526,6 +5008,7 @@
                   <a:srgbClr val="000000"/>
                 </a:solidFill>
                 <a:latin typeface="Calibri"/>
+                <a:ea typeface="DejaVu Sans"/>
               </a:rPr>
               <a:t>Customers for Yellow Cab are almost constant  for short, medium and long </a:t>
             </a:r>
@@ -5545,6 +5028,7 @@
                   <a:srgbClr val="000000"/>
                 </a:solidFill>
                 <a:latin typeface="Calibri"/>
+                <a:ea typeface="DejaVu Sans"/>
               </a:rPr>
               <a:t>      </a:t>
             </a:r>
@@ -5554,6 +5038,7 @@
                   <a:srgbClr val="000000"/>
                 </a:solidFill>
                 <a:latin typeface="Calibri"/>
+                <a:ea typeface="DejaVu Sans"/>
               </a:rPr>
               <a:t>Trip. Which shows yellow cab is offering better customer   </a:t>
             </a:r>
@@ -5573,6 +5058,7 @@
                   <a:srgbClr val="000000"/>
                 </a:solidFill>
                 <a:latin typeface="Calibri"/>
+                <a:ea typeface="DejaVu Sans"/>
               </a:rPr>
               <a:t>       </a:t>
             </a:r>
@@ -5582,6 +5068,7 @@
                   <a:srgbClr val="000000"/>
                 </a:solidFill>
                 <a:latin typeface="Calibri"/>
+                <a:ea typeface="DejaVu Sans"/>
               </a:rPr>
               <a:t>plan for short, medium and </a:t>
             </a:r>
@@ -5601,6 +5088,7 @@
                   <a:srgbClr val="000000"/>
                 </a:solidFill>
                 <a:latin typeface="Calibri"/>
+                <a:ea typeface="DejaVu Sans"/>
               </a:rPr>
               <a:t>       </a:t>
             </a:r>
@@ -5610,6 +5098,7 @@
                   <a:srgbClr val="000000"/>
                 </a:solidFill>
                 <a:latin typeface="Calibri"/>
+                <a:ea typeface="DejaVu Sans"/>
               </a:rPr>
               <a:t>long Trip.</a:t>
             </a:r>
@@ -5628,7 +5117,7 @@
             </a:endParaRPr>
           </a:p>
           <a:p>
-            <a:pPr marL="285840" indent="-285480">
+            <a:pPr marL="285840" indent="-285120">
               <a:lnSpc>
                 <a:spcPct val="100000"/>
               </a:lnSpc>
@@ -5644,6 +5133,7 @@
                   <a:srgbClr val="000000"/>
                 </a:solidFill>
                 <a:latin typeface="Calibri"/>
+                <a:ea typeface="DejaVu Sans"/>
               </a:rPr>
               <a:t>5-40 KM trips are contributing  more In both the cabs profit </a:t>
             </a:r>
@@ -5662,7 +5152,7 @@
             </a:endParaRPr>
           </a:p>
           <a:p>
-            <a:pPr marL="285840" indent="-285480">
+            <a:pPr marL="285840" indent="-285120">
               <a:lnSpc>
                 <a:spcPct val="100000"/>
               </a:lnSpc>
@@ -5678,6 +5168,7 @@
                   <a:srgbClr val="000000"/>
                 </a:solidFill>
                 <a:latin typeface="Calibri"/>
+                <a:ea typeface="DejaVu Sans"/>
               </a:rPr>
               <a:t>There is a huge difference between yellow and pink cab in customer reach for short and long trip. Yellow cab has very good customer reach in this segment as well</a:t>
             </a:r>
@@ -5689,14 +5180,14 @@
       </p:sp>
       <p:sp>
         <p:nvSpPr>
-          <p:cNvPr id="154" name="CustomShape 2"/>
+          <p:cNvPr id="148" name="CustomShape 2"/>
           <p:cNvSpPr/>
           <p:nvPr/>
         </p:nvSpPr>
         <p:spPr>
           <a:xfrm>
             <a:off x="0" y="-12240"/>
-            <a:ext cx="12191760" cy="1383480"/>
+            <a:ext cx="12191400" cy="1383120"/>
           </a:xfrm>
           <a:prstGeom prst="rect">
             <a:avLst/>
@@ -5733,6 +5224,7 @@
                   <a:srgbClr val="ed7d31"/>
                 </a:solidFill>
                 <a:latin typeface="Calibri Light"/>
+                <a:ea typeface="DejaVu Sans"/>
               </a:rPr>
               <a:t>      </a:t>
             </a:r>
@@ -5742,6 +5234,7 @@
                   <a:srgbClr val="ed7d31"/>
                 </a:solidFill>
                 <a:latin typeface="Calibri Light"/>
+                <a:ea typeface="DejaVu Sans"/>
               </a:rPr>
               <a:t>Customer analysis based on ride distance</a:t>
             </a:r>
@@ -5753,7 +5246,7 @@
       </p:sp>
       <p:pic>
         <p:nvPicPr>
-          <p:cNvPr id="155" name="" descr=""/>
+          <p:cNvPr id="149" name="" descr=""/>
           <p:cNvPicPr/>
           <p:nvPr/>
         </p:nvPicPr>
@@ -5764,7 +5257,7 @@
         <p:spPr>
           <a:xfrm>
             <a:off x="0" y="1600200"/>
-            <a:ext cx="8857800" cy="3600000"/>
+            <a:ext cx="8857440" cy="3599640"/>
           </a:xfrm>
           <a:prstGeom prst="rect">
             <a:avLst/>
@@ -5806,14 +5299,14 @@
       </p:grpSpPr>
       <p:sp>
         <p:nvSpPr>
-          <p:cNvPr id="156" name="CustomShape 1"/>
+          <p:cNvPr id="150" name="CustomShape 1"/>
           <p:cNvSpPr/>
           <p:nvPr/>
         </p:nvSpPr>
         <p:spPr>
           <a:xfrm>
             <a:off x="762120" y="1595160"/>
-            <a:ext cx="11429640" cy="5200920"/>
+            <a:ext cx="11429280" cy="5200560"/>
           </a:xfrm>
           <a:prstGeom prst="rect">
             <a:avLst/>
@@ -5845,6 +5338,7 @@
                   <a:srgbClr val="000000"/>
                 </a:solidFill>
                 <a:latin typeface="Calibri"/>
+                <a:ea typeface="DejaVu Sans"/>
               </a:rPr>
               <a:t>We have evaluated both the cab companies on following points and found Yellow cab better than Pink cab:</a:t>
             </a:r>
@@ -5863,7 +5357,7 @@
             </a:endParaRPr>
           </a:p>
           <a:p>
-            <a:pPr marL="285840" indent="-285480">
+            <a:pPr marL="285840" indent="-285120">
               <a:lnSpc>
                 <a:spcPct val="100000"/>
               </a:lnSpc>
@@ -5879,6 +5373,7 @@
                   <a:srgbClr val="000000"/>
                 </a:solidFill>
                 <a:latin typeface="Calibri"/>
+                <a:ea typeface="DejaVu Sans"/>
               </a:rPr>
               <a:t>Customer Reach  : </a:t>
             </a:r>
@@ -5888,6 +5383,7 @@
                   <a:srgbClr val="000000"/>
                 </a:solidFill>
                 <a:latin typeface="Calibri"/>
+                <a:ea typeface="DejaVu Sans"/>
               </a:rPr>
               <a:t>Yellow cab has higher customer reach while Pink cab has lower customer reach . We have also observed that Yellow cab is doing good in covering other cab users as compared to Pink cab.</a:t>
             </a:r>
@@ -5906,7 +5402,7 @@
             </a:endParaRPr>
           </a:p>
           <a:p>
-            <a:pPr marL="285840" indent="-285480">
+            <a:pPr marL="285840" indent="-285120">
               <a:lnSpc>
                 <a:spcPct val="100000"/>
               </a:lnSpc>
@@ -5922,6 +5418,7 @@
                   <a:srgbClr val="000000"/>
                 </a:solidFill>
                 <a:latin typeface="Calibri"/>
+                <a:ea typeface="DejaVu Sans"/>
               </a:rPr>
               <a:t>Age wise Reach : </a:t>
             </a:r>
@@ -5931,6 +5428,7 @@
                   <a:srgbClr val="000000"/>
                 </a:solidFill>
                 <a:latin typeface="Calibri"/>
+                <a:ea typeface="DejaVu Sans"/>
               </a:rPr>
               <a:t>Yellow cab has customer in all age group and it’s been observed that it’s even popular in 60+ age group as equally as its in 18-30 age group.</a:t>
             </a:r>
@@ -5939,7 +5437,17 @@
             </a:endParaRPr>
           </a:p>
           <a:p>
-            <a:pPr marL="285840" indent="-285480">
+            <a:pPr>
+              <a:lnSpc>
+                <a:spcPct val="100000"/>
+              </a:lnSpc>
+            </a:pPr>
+            <a:endParaRPr b="0" lang="en-US" sz="1600" spc="-1" strike="noStrike">
+              <a:latin typeface="Arial"/>
+            </a:endParaRPr>
+          </a:p>
+          <a:p>
+            <a:pPr marL="285840" indent="-285120">
               <a:lnSpc>
                 <a:spcPct val="100000"/>
               </a:lnSpc>
@@ -5949,12 +5457,42 @@
               <a:buFont typeface="Arial"/>
               <a:buChar char="•"/>
             </a:pPr>
+            <a:r>
+              <a:rPr b="1" lang="en-US" sz="1600" spc="-1" strike="noStrike">
+                <a:solidFill>
+                  <a:srgbClr val="000000"/>
+                </a:solidFill>
+                <a:latin typeface="Calibri"/>
+                <a:ea typeface="DejaVu Sans"/>
+              </a:rPr>
+              <a:t>Profit and City wise Reach</a:t>
+            </a:r>
+            <a:r>
+              <a:rPr b="0" lang="en-US" sz="1600" spc="-1" strike="noStrike">
+                <a:solidFill>
+                  <a:srgbClr val="000000"/>
+                </a:solidFill>
+                <a:latin typeface="Calibri"/>
+                <a:ea typeface="DejaVu Sans"/>
+              </a:rPr>
+              <a:t>: Yellow Cab has a higher total number of profit than Pink Cab whenever the city which means that there is a high demand of using Yellow Cab.</a:t>
+            </a:r>
             <a:endParaRPr b="0" lang="en-US" sz="1600" spc="-1" strike="noStrike">
               <a:latin typeface="Arial"/>
             </a:endParaRPr>
           </a:p>
           <a:p>
-            <a:pPr marL="285840" indent="-285480">
+            <a:pPr>
+              <a:lnSpc>
+                <a:spcPct val="100000"/>
+              </a:lnSpc>
+            </a:pPr>
+            <a:endParaRPr b="0" lang="en-US" sz="1600" spc="-1" strike="noStrike">
+              <a:latin typeface="Arial"/>
+            </a:endParaRPr>
+          </a:p>
+          <a:p>
+            <a:pPr marL="285840" indent="-285120">
               <a:lnSpc>
                 <a:spcPct val="100000"/>
               </a:lnSpc>
@@ -5970,8 +5508,9 @@
                   <a:srgbClr val="000000"/>
                 </a:solidFill>
                 <a:latin typeface="Calibri"/>
-              </a:rPr>
-              <a:t>Profit and City wise Reach</a:t>
+                <a:ea typeface="DejaVu Sans"/>
+              </a:rPr>
+              <a:t>Payment mode wise Reach:</a:t>
             </a:r>
             <a:r>
               <a:rPr b="0" lang="en-US" sz="1600" spc="-1" strike="noStrike">
@@ -5979,15 +5518,26 @@
                   <a:srgbClr val="000000"/>
                 </a:solidFill>
                 <a:latin typeface="Calibri"/>
-              </a:rPr>
-              <a:t>: Yellow Cab has a higher total number of profit than Pink Cab whenever the city which means that there is a high demand of using Yellow Cab.</a:t>
+                <a:ea typeface="DejaVu Sans"/>
+              </a:rPr>
+              <a:t> We can observe that customers pay more by card and Yellow Cab has a high percentage than Pink Cab which means that the more customers use card, they most likely to use the Cab.</a:t>
             </a:r>
             <a:endParaRPr b="0" lang="en-US" sz="1600" spc="-1" strike="noStrike">
               <a:latin typeface="Arial"/>
             </a:endParaRPr>
           </a:p>
           <a:p>
-            <a:pPr marL="285840" indent="-285480">
+            <a:pPr>
+              <a:lnSpc>
+                <a:spcPct val="100000"/>
+              </a:lnSpc>
+            </a:pPr>
+            <a:endParaRPr b="0" lang="en-US" sz="1600" spc="-1" strike="noStrike">
+              <a:latin typeface="Arial"/>
+            </a:endParaRPr>
+          </a:p>
+          <a:p>
+            <a:pPr marL="285840" indent="-285120">
               <a:lnSpc>
                 <a:spcPct val="100000"/>
               </a:lnSpc>
@@ -5997,12 +5547,42 @@
               <a:buFont typeface="Arial"/>
               <a:buChar char="•"/>
             </a:pPr>
+            <a:r>
+              <a:rPr b="1" lang="en-US" sz="1600" spc="-1" strike="noStrike">
+                <a:solidFill>
+                  <a:srgbClr val="000000"/>
+                </a:solidFill>
+                <a:latin typeface="Calibri"/>
+                <a:ea typeface="DejaVu Sans"/>
+              </a:rPr>
+              <a:t>Average Profit per KM: </a:t>
+            </a:r>
+            <a:r>
+              <a:rPr b="0" lang="en-US" sz="1600" spc="-1" strike="noStrike">
+                <a:solidFill>
+                  <a:srgbClr val="000000"/>
+                </a:solidFill>
+                <a:latin typeface="Calibri"/>
+                <a:ea typeface="DejaVu Sans"/>
+              </a:rPr>
+              <a:t>Yellow cab’s average profit per KM is almost three times the average profit per KM of the Pink cab.</a:t>
+            </a:r>
             <a:endParaRPr b="0" lang="en-US" sz="1600" spc="-1" strike="noStrike">
               <a:latin typeface="Arial"/>
             </a:endParaRPr>
           </a:p>
           <a:p>
-            <a:pPr marL="285840" indent="-285480">
+            <a:pPr>
+              <a:lnSpc>
+                <a:spcPct val="100000"/>
+              </a:lnSpc>
+            </a:pPr>
+            <a:endParaRPr b="0" lang="en-US" sz="1600" spc="-1" strike="noStrike">
+              <a:latin typeface="Arial"/>
+            </a:endParaRPr>
+          </a:p>
+          <a:p>
+            <a:pPr marL="285840" indent="-285120">
               <a:lnSpc>
                 <a:spcPct val="100000"/>
               </a:lnSpc>
@@ -6018,8 +5598,9 @@
                   <a:srgbClr val="000000"/>
                 </a:solidFill>
                 <a:latin typeface="Calibri"/>
-              </a:rPr>
-              <a:t>Payment mode wise Reach:</a:t>
+                <a:ea typeface="DejaVu Sans"/>
+              </a:rPr>
+              <a:t>Income wise Reach :</a:t>
             </a:r>
             <a:r>
               <a:rPr b="0" lang="en-US" sz="1600" spc="-1" strike="noStrike">
@@ -6027,8 +5608,9 @@
                   <a:srgbClr val="000000"/>
                 </a:solidFill>
                 <a:latin typeface="Calibri"/>
-              </a:rPr>
-              <a:t> We can observe that customers pay more by card and Yellow Cab has a high percentage than Pink Cab which means that the more customers use card, they most likely to use the Cab.</a:t>
+                <a:ea typeface="DejaVu Sans"/>
+              </a:rPr>
+              <a:t>Both the cabs are very popular in high and medium income class but here also Yellow cab is performing better than Pink cab in offering their services to all the three income class group (low, medium and high)</a:t>
             </a:r>
             <a:endParaRPr b="0" lang="en-US" sz="1600" spc="-1" strike="noStrike">
               <a:latin typeface="Arial"/>
@@ -6045,15 +5627,10 @@
             </a:endParaRPr>
           </a:p>
           <a:p>
-            <a:pPr marL="285840" indent="-285480">
+            <a:pPr>
               <a:lnSpc>
                 <a:spcPct val="100000"/>
               </a:lnSpc>
-              <a:buClr>
-                <a:srgbClr val="000000"/>
-              </a:buClr>
-              <a:buFont typeface="Arial"/>
-              <a:buChar char="•"/>
             </a:pPr>
             <a:r>
               <a:rPr b="1" lang="en-US" sz="1600" spc="-1" strike="noStrike">
@@ -6061,87 +5638,7 @@
                   <a:srgbClr val="000000"/>
                 </a:solidFill>
                 <a:latin typeface="Calibri"/>
-              </a:rPr>
-              <a:t>Average Profit per KM: </a:t>
-            </a:r>
-            <a:r>
-              <a:rPr b="0" lang="en-US" sz="1600" spc="-1" strike="noStrike">
-                <a:solidFill>
-                  <a:srgbClr val="000000"/>
-                </a:solidFill>
-                <a:latin typeface="Calibri"/>
-              </a:rPr>
-              <a:t>Yellow cab’s average profit per KM is almost three times the average profit per KM of the Pink cab.</a:t>
-            </a:r>
-            <a:endParaRPr b="0" lang="en-US" sz="1600" spc="-1" strike="noStrike">
-              <a:latin typeface="Arial"/>
-            </a:endParaRPr>
-          </a:p>
-          <a:p>
-            <a:pPr>
-              <a:lnSpc>
-                <a:spcPct val="100000"/>
-              </a:lnSpc>
-            </a:pPr>
-            <a:endParaRPr b="0" lang="en-US" sz="1600" spc="-1" strike="noStrike">
-              <a:latin typeface="Arial"/>
-            </a:endParaRPr>
-          </a:p>
-          <a:p>
-            <a:pPr marL="285840" indent="-285480">
-              <a:lnSpc>
-                <a:spcPct val="100000"/>
-              </a:lnSpc>
-              <a:buClr>
-                <a:srgbClr val="000000"/>
-              </a:buClr>
-              <a:buFont typeface="Arial"/>
-              <a:buChar char="•"/>
-            </a:pPr>
-            <a:r>
-              <a:rPr b="1" lang="en-US" sz="1600" spc="-1" strike="noStrike">
-                <a:solidFill>
-                  <a:srgbClr val="000000"/>
-                </a:solidFill>
-                <a:latin typeface="Calibri"/>
-              </a:rPr>
-              <a:t>Income wise Reach :</a:t>
-            </a:r>
-            <a:r>
-              <a:rPr b="0" lang="en-US" sz="1600" spc="-1" strike="noStrike">
-                <a:solidFill>
-                  <a:srgbClr val="000000"/>
-                </a:solidFill>
-                <a:latin typeface="Calibri"/>
-              </a:rPr>
-              <a:t>Both the cabs are very popular in high and medium income class but here also Yellow cab is performing better than Pink cab in offering their services to all the three income class group (low, medium and high)</a:t>
-            </a:r>
-            <a:endParaRPr b="0" lang="en-US" sz="1600" spc="-1" strike="noStrike">
-              <a:latin typeface="Arial"/>
-            </a:endParaRPr>
-          </a:p>
-          <a:p>
-            <a:pPr>
-              <a:lnSpc>
-                <a:spcPct val="100000"/>
-              </a:lnSpc>
-            </a:pPr>
-            <a:endParaRPr b="0" lang="en-US" sz="1600" spc="-1" strike="noStrike">
-              <a:latin typeface="Arial"/>
-            </a:endParaRPr>
-          </a:p>
-          <a:p>
-            <a:pPr>
-              <a:lnSpc>
-                <a:spcPct val="100000"/>
-              </a:lnSpc>
-            </a:pPr>
-            <a:r>
-              <a:rPr b="1" lang="en-US" sz="1600" spc="-1" strike="noStrike">
-                <a:solidFill>
-                  <a:srgbClr val="000000"/>
-                </a:solidFill>
-                <a:latin typeface="Calibri"/>
+                <a:ea typeface="DejaVu Sans"/>
               </a:rPr>
               <a:t>On the basis of above point , we will recommend Yellow cab for investment.</a:t>
             </a:r>
@@ -6163,14 +5660,14 @@
       </p:sp>
       <p:sp>
         <p:nvSpPr>
-          <p:cNvPr id="157" name="CustomShape 2"/>
+          <p:cNvPr id="151" name="CustomShape 2"/>
           <p:cNvSpPr/>
           <p:nvPr/>
         </p:nvSpPr>
         <p:spPr>
           <a:xfrm>
             <a:off x="0" y="0"/>
-            <a:ext cx="12191760" cy="1383480"/>
+            <a:ext cx="12191400" cy="1383120"/>
           </a:xfrm>
           <a:prstGeom prst="rect">
             <a:avLst/>
@@ -6207,6 +5704,7 @@
                   <a:srgbClr val="ed7d31"/>
                 </a:solidFill>
                 <a:latin typeface="Calibri Light"/>
+                <a:ea typeface="DejaVu Sans"/>
               </a:rPr>
               <a:t>      </a:t>
             </a:r>
@@ -6216,6 +5714,7 @@
                   <a:srgbClr val="ed7d31"/>
                 </a:solidFill>
                 <a:latin typeface="Calibri Light"/>
+                <a:ea typeface="DejaVu Sans"/>
               </a:rPr>
               <a:t>Recommendations</a:t>
             </a:r>
@@ -6257,14 +5756,14 @@
       </p:grpSpPr>
       <p:sp>
         <p:nvSpPr>
-          <p:cNvPr id="158" name="TextShape 1"/>
-          <p:cNvSpPr txBox="1"/>
+          <p:cNvPr id="152" name="CustomShape 1"/>
+          <p:cNvSpPr/>
           <p:nvPr/>
         </p:nvSpPr>
         <p:spPr>
           <a:xfrm>
             <a:off x="5872320" y="2601000"/>
-            <a:ext cx="5558760" cy="1655280"/>
+            <a:ext cx="5558400" cy="1654920"/>
           </a:xfrm>
           <a:prstGeom prst="rect">
             <a:avLst/>
@@ -6274,8 +5773,14 @@
             <a:noFill/>
           </a:ln>
         </p:spPr>
+        <p:style>
+          <a:lnRef idx="0"/>
+          <a:fillRef idx="0"/>
+          <a:effectRef idx="0"/>
+          <a:fontRef idx="minor"/>
+        </p:style>
         <p:txBody>
-          <a:bodyPr>
+          <a:bodyPr lIns="90000" rIns="90000" tIns="45000" bIns="45000">
             <a:normAutofit/>
           </a:bodyPr>
           <a:p>
@@ -6323,14 +5828,14 @@
       </p:sp>
       <p:sp>
         <p:nvSpPr>
-          <p:cNvPr id="159" name="CustomShape 2"/>
+          <p:cNvPr id="153" name="CustomShape 2"/>
           <p:cNvSpPr/>
           <p:nvPr/>
         </p:nvSpPr>
         <p:spPr>
           <a:xfrm>
             <a:off x="0" y="0"/>
-            <a:ext cx="5871960" cy="6857640"/>
+            <a:ext cx="5871600" cy="6857280"/>
           </a:xfrm>
           <a:prstGeom prst="rect">
             <a:avLst/>
@@ -6354,7 +5859,7 @@
       </p:sp>
       <p:pic>
         <p:nvPicPr>
-          <p:cNvPr id="160" name="Picture 6_0" descr=""/>
+          <p:cNvPr id="154" name="Picture 6_0" descr=""/>
           <p:cNvPicPr/>
           <p:nvPr/>
         </p:nvPicPr>
@@ -6365,7 +5870,7 @@
         <p:spPr>
           <a:xfrm>
             <a:off x="169920" y="6109560"/>
-            <a:ext cx="1654200" cy="993960"/>
+            <a:ext cx="1653840" cy="993600"/>
           </a:xfrm>
           <a:prstGeom prst="rect">
             <a:avLst/>
@@ -6407,14 +5912,14 @@
       </p:grpSpPr>
       <p:sp>
         <p:nvSpPr>
-          <p:cNvPr id="84" name="TextShape 1"/>
-          <p:cNvSpPr txBox="1"/>
+          <p:cNvPr id="78" name="CustomShape 1"/>
+          <p:cNvSpPr/>
           <p:nvPr/>
         </p:nvSpPr>
         <p:spPr>
           <a:xfrm>
             <a:off x="6858000" y="1828800"/>
-            <a:ext cx="5029200" cy="4114800"/>
+            <a:ext cx="5028840" cy="4114440"/>
           </a:xfrm>
           <a:prstGeom prst="rect">
             <a:avLst/>
@@ -6424,8 +5929,14 @@
             <a:noFill/>
           </a:ln>
         </p:spPr>
+        <p:style>
+          <a:lnRef idx="0"/>
+          <a:fillRef idx="0"/>
+          <a:effectRef idx="0"/>
+          <a:fontRef idx="minor"/>
+        </p:style>
         <p:txBody>
-          <a:bodyPr>
+          <a:bodyPr lIns="90000" rIns="90000" tIns="45000" bIns="45000">
             <a:normAutofit/>
           </a:bodyPr>
           <a:p>
@@ -6614,14 +6125,14 @@
       </p:sp>
       <p:sp>
         <p:nvSpPr>
-          <p:cNvPr id="85" name="CustomShape 2"/>
+          <p:cNvPr id="79" name="CustomShape 2"/>
           <p:cNvSpPr/>
           <p:nvPr/>
         </p:nvSpPr>
         <p:spPr>
           <a:xfrm>
             <a:off x="0" y="0"/>
-            <a:ext cx="5871960" cy="6857640"/>
+            <a:ext cx="5871600" cy="6857280"/>
           </a:xfrm>
           <a:prstGeom prst="rect">
             <a:avLst/>
@@ -6664,55 +6175,11 @@
                   <a:srgbClr val="ff6600"/>
                 </a:solidFill>
                 <a:latin typeface="Calibri"/>
-              </a:rPr>
-              <a:t>A</a:t>
-            </a:r>
-            <a:r>
-              <a:rPr b="1" lang="en-US" sz="6600" spc="-1" strike="noStrike">
-                <a:solidFill>
-                  <a:srgbClr val="ff6600"/>
-                </a:solidFill>
-                <a:latin typeface="Calibri"/>
-              </a:rPr>
-              <a:t>g</a:t>
-            </a:r>
-            <a:r>
-              <a:rPr b="1" lang="en-US" sz="6600" spc="-1" strike="noStrike">
-                <a:solidFill>
-                  <a:srgbClr val="ff6600"/>
-                </a:solidFill>
-                <a:latin typeface="Calibri"/>
-              </a:rPr>
-              <a:t>e</a:t>
-            </a:r>
-            <a:r>
-              <a:rPr b="1" lang="en-US" sz="6600" spc="-1" strike="noStrike">
-                <a:solidFill>
-                  <a:srgbClr val="ff6600"/>
-                </a:solidFill>
-                <a:latin typeface="Calibri"/>
-              </a:rPr>
-              <a:t>n</a:t>
-            </a:r>
-            <a:r>
-              <a:rPr b="1" lang="en-US" sz="6600" spc="-1" strike="noStrike">
-                <a:solidFill>
-                  <a:srgbClr val="ff6600"/>
-                </a:solidFill>
-                <a:latin typeface="Calibri"/>
-              </a:rPr>
-              <a:t>d</a:t>
-            </a:r>
-            <a:r>
-              <a:rPr b="1" lang="en-US" sz="6600" spc="-1" strike="noStrike">
-                <a:solidFill>
-                  <a:srgbClr val="ff6600"/>
-                </a:solidFill>
-                <a:latin typeface="Calibri"/>
-              </a:rPr>
-              <a:t>a</a:t>
-            </a:r>
-            <a:endParaRPr b="1" lang="en-US" sz="6600" spc="-1" strike="noStrike">
+                <a:ea typeface="DejaVu Sans"/>
+              </a:rPr>
+              <a:t>Agenda</a:t>
+            </a:r>
+            <a:endParaRPr b="0" lang="en-US" sz="6600" spc="-1" strike="noStrike">
               <a:latin typeface="Arial"/>
             </a:endParaRPr>
           </a:p>
@@ -6720,7 +6187,7 @@
       </p:sp>
       <p:pic>
         <p:nvPicPr>
-          <p:cNvPr id="86" name="Picture 6" descr=""/>
+          <p:cNvPr id="80" name="Picture 6" descr=""/>
           <p:cNvPicPr/>
           <p:nvPr/>
         </p:nvPicPr>
@@ -6731,7 +6198,7 @@
         <p:spPr>
           <a:xfrm>
             <a:off x="169920" y="6109560"/>
-            <a:ext cx="1654200" cy="993960"/>
+            <a:ext cx="1653840" cy="993600"/>
           </a:xfrm>
           <a:prstGeom prst="rect">
             <a:avLst/>
@@ -6773,14 +6240,14 @@
       </p:grpSpPr>
       <p:sp>
         <p:nvSpPr>
-          <p:cNvPr id="87" name="TextShape 1"/>
-          <p:cNvSpPr txBox="1"/>
+          <p:cNvPr id="81" name="CustomShape 1"/>
+          <p:cNvSpPr/>
           <p:nvPr/>
         </p:nvSpPr>
         <p:spPr>
           <a:xfrm>
             <a:off x="762120" y="1812600"/>
-            <a:ext cx="10515240" cy="4350960"/>
+            <a:ext cx="10514880" cy="4350600"/>
           </a:xfrm>
           <a:prstGeom prst="rect">
             <a:avLst/>
@@ -6790,12 +6257,18 @@
             <a:noFill/>
           </a:ln>
         </p:spPr>
+        <p:style>
+          <a:lnRef idx="0"/>
+          <a:fillRef idx="0"/>
+          <a:effectRef idx="0"/>
+          <a:fontRef idx="minor"/>
+        </p:style>
         <p:txBody>
-          <a:bodyPr>
+          <a:bodyPr lIns="90000" rIns="90000" tIns="45000" bIns="45000">
             <a:normAutofit/>
           </a:bodyPr>
           <a:p>
-            <a:pPr marL="228600" indent="-228240">
+            <a:pPr marL="228600" indent="-227880">
               <a:lnSpc>
                 <a:spcPct val="90000"/>
               </a:lnSpc>
@@ -6818,10 +6291,7 @@
               <a:t>XYZ is a private  firm in US. Due to remarkable growth in the Cab Industry in last few years and multiple key players in the market, it is planning for an investment in Cab industry. </a:t>
             </a:r>
             <a:endParaRPr b="0" lang="en-US" sz="1800" spc="-1" strike="noStrike">
-              <a:solidFill>
-                <a:srgbClr val="000000"/>
-              </a:solidFill>
-              <a:latin typeface="Calibri"/>
+              <a:latin typeface="Arial"/>
             </a:endParaRPr>
           </a:p>
           <a:p>
@@ -6837,14 +6307,11 @@
               </a:tabLst>
             </a:pPr>
             <a:endParaRPr b="0" lang="en-US" sz="1800" spc="-1" strike="noStrike">
-              <a:solidFill>
-                <a:srgbClr val="000000"/>
-              </a:solidFill>
-              <a:latin typeface="Calibri"/>
-            </a:endParaRPr>
-          </a:p>
-          <a:p>
-            <a:pPr marL="228600" indent="-228240">
+              <a:latin typeface="Arial"/>
+            </a:endParaRPr>
+          </a:p>
+          <a:p>
+            <a:pPr marL="228600" indent="-227880">
               <a:lnSpc>
                 <a:spcPct val="90000"/>
               </a:lnSpc>
@@ -6870,10 +6337,7 @@
               <a:t>Objective : Provide actionable insights to help XYZ firm in identifying the right company for making investment.</a:t>
             </a:r>
             <a:endParaRPr b="0" lang="en-US" sz="1800" spc="-1" strike="noStrike">
-              <a:solidFill>
-                <a:srgbClr val="000000"/>
-              </a:solidFill>
-              <a:latin typeface="Calibri"/>
+              <a:latin typeface="Arial"/>
             </a:endParaRPr>
           </a:p>
           <a:p>
@@ -6889,10 +6353,7 @@
               </a:tabLst>
             </a:pPr>
             <a:endParaRPr b="0" lang="en-US" sz="1800" spc="-1" strike="noStrike">
-              <a:solidFill>
-                <a:srgbClr val="000000"/>
-              </a:solidFill>
-              <a:latin typeface="Calibri"/>
+              <a:latin typeface="Arial"/>
             </a:endParaRPr>
           </a:p>
           <a:p>
@@ -6917,14 +6378,11 @@
               <a:t>The analysis has been divided into four parts: </a:t>
             </a:r>
             <a:endParaRPr b="0" lang="en-US" sz="1800" spc="-1" strike="noStrike">
-              <a:solidFill>
-                <a:srgbClr val="000000"/>
-              </a:solidFill>
-              <a:latin typeface="Calibri"/>
-            </a:endParaRPr>
-          </a:p>
-          <a:p>
-            <a:pPr marL="228600" indent="-228240">
+              <a:latin typeface="Arial"/>
+            </a:endParaRPr>
+          </a:p>
+          <a:p>
+            <a:pPr marL="228600" indent="-227880">
               <a:lnSpc>
                 <a:spcPct val="90000"/>
               </a:lnSpc>
@@ -6950,14 +6408,11 @@
               <a:t>Data Understanding </a:t>
             </a:r>
             <a:endParaRPr b="0" lang="en-US" sz="1800" spc="-1" strike="noStrike">
-              <a:solidFill>
-                <a:srgbClr val="000000"/>
-              </a:solidFill>
-              <a:latin typeface="Calibri"/>
-            </a:endParaRPr>
-          </a:p>
-          <a:p>
-            <a:pPr marL="228600" indent="-228240">
+              <a:latin typeface="Arial"/>
+            </a:endParaRPr>
+          </a:p>
+          <a:p>
+            <a:pPr marL="228600" indent="-227880">
               <a:lnSpc>
                 <a:spcPct val="90000"/>
               </a:lnSpc>
@@ -6983,14 +6438,11 @@
               <a:t>Forecasting profit and number of rides for each cab type </a:t>
             </a:r>
             <a:endParaRPr b="0" lang="en-US" sz="1800" spc="-1" strike="noStrike">
-              <a:solidFill>
-                <a:srgbClr val="000000"/>
-              </a:solidFill>
-              <a:latin typeface="Calibri"/>
-            </a:endParaRPr>
-          </a:p>
-          <a:p>
-            <a:pPr marL="228600" indent="-228240">
+              <a:latin typeface="Arial"/>
+            </a:endParaRPr>
+          </a:p>
+          <a:p>
+            <a:pPr marL="228600" indent="-227880">
               <a:lnSpc>
                 <a:spcPct val="90000"/>
               </a:lnSpc>
@@ -7016,14 +6468,11 @@
               <a:t>Finding the most profitable Cab company base on features </a:t>
             </a:r>
             <a:endParaRPr b="0" lang="en-US" sz="1800" spc="-1" strike="noStrike">
-              <a:solidFill>
-                <a:srgbClr val="000000"/>
-              </a:solidFill>
-              <a:latin typeface="Calibri"/>
-            </a:endParaRPr>
-          </a:p>
-          <a:p>
-            <a:pPr marL="228600" indent="-228240">
+              <a:latin typeface="Arial"/>
+            </a:endParaRPr>
+          </a:p>
+          <a:p>
+            <a:pPr marL="228600" indent="-227880">
               <a:lnSpc>
                 <a:spcPct val="90000"/>
               </a:lnSpc>
@@ -7049,24 +6498,21 @@
               <a:t>Recommendations for investment</a:t>
             </a:r>
             <a:endParaRPr b="0" lang="en-US" sz="1800" spc="-1" strike="noStrike">
-              <a:solidFill>
-                <a:srgbClr val="000000"/>
-              </a:solidFill>
-              <a:latin typeface="Calibri"/>
+              <a:latin typeface="Arial"/>
             </a:endParaRPr>
           </a:p>
         </p:txBody>
       </p:sp>
       <p:sp>
         <p:nvSpPr>
-          <p:cNvPr id="88" name="CustomShape 2"/>
+          <p:cNvPr id="82" name="CustomShape 2"/>
           <p:cNvSpPr/>
           <p:nvPr/>
         </p:nvSpPr>
         <p:spPr>
           <a:xfrm>
             <a:off x="0" y="0"/>
-            <a:ext cx="12191760" cy="1371240"/>
+            <a:ext cx="12191400" cy="1370880"/>
           </a:xfrm>
           <a:prstGeom prst="rect">
             <a:avLst/>
@@ -7090,14 +6536,14 @@
       </p:sp>
       <p:sp>
         <p:nvSpPr>
-          <p:cNvPr id="89" name="TextShape 3"/>
-          <p:cNvSpPr txBox="1"/>
+          <p:cNvPr id="83" name="CustomShape 3"/>
+          <p:cNvSpPr/>
           <p:nvPr/>
         </p:nvSpPr>
         <p:spPr>
           <a:xfrm>
             <a:off x="838080" y="46080"/>
-            <a:ext cx="10515240" cy="1325160"/>
+            <a:ext cx="10514880" cy="1324800"/>
           </a:xfrm>
           <a:prstGeom prst="rect">
             <a:avLst/>
@@ -7107,8 +6553,14 @@
             <a:noFill/>
           </a:ln>
         </p:spPr>
+        <p:style>
+          <a:lnRef idx="0"/>
+          <a:fillRef idx="0"/>
+          <a:effectRef idx="0"/>
+          <a:fontRef idx="minor"/>
+        </p:style>
         <p:txBody>
-          <a:bodyPr anchor="ctr">
+          <a:bodyPr lIns="90000" rIns="90000" tIns="45000" bIns="45000" anchor="ctr">
             <a:normAutofit/>
           </a:bodyPr>
           <a:p>
@@ -7127,10 +6579,7 @@
               <a:t>Background –G2M insight for Cab Ivestment case study</a:t>
             </a:r>
             <a:endParaRPr b="0" lang="en-US" sz="3500" spc="-1" strike="noStrike">
-              <a:solidFill>
-                <a:srgbClr val="000000"/>
-              </a:solidFill>
-              <a:latin typeface="Calibri"/>
+              <a:latin typeface="Arial"/>
             </a:endParaRPr>
           </a:p>
         </p:txBody>
@@ -7167,14 +6616,14 @@
       </p:grpSpPr>
       <p:sp>
         <p:nvSpPr>
-          <p:cNvPr id="90" name="CustomShape 1"/>
+          <p:cNvPr id="84" name="CustomShape 1"/>
           <p:cNvSpPr/>
           <p:nvPr/>
         </p:nvSpPr>
         <p:spPr>
           <a:xfrm>
             <a:off x="849240" y="1371600"/>
-            <a:ext cx="7747920" cy="5028120"/>
+            <a:ext cx="7747560" cy="5027760"/>
           </a:xfrm>
           <a:prstGeom prst="rect">
             <a:avLst/>
@@ -7205,7 +6654,7 @@
             </a:endParaRPr>
           </a:p>
           <a:p>
-            <a:pPr marL="285840" indent="-285480">
+            <a:pPr marL="285840" indent="-285120">
               <a:lnSpc>
                 <a:spcPct val="100000"/>
               </a:lnSpc>
@@ -7221,24 +6670,16 @@
                   <a:srgbClr val="000000"/>
                 </a:solidFill>
                 <a:latin typeface="Calibri"/>
-              </a:rPr>
-              <a:t>14 </a:t>
-            </a:r>
-            <a:r>
-              <a:rPr b="0" lang="en-US" sz="1800" spc="-1" strike="noStrike">
-                <a:solidFill>
-                  <a:srgbClr val="000000"/>
-                </a:solidFill>
-                <a:latin typeface="Calibri"/>
-              </a:rPr>
-              <a:t>Features</a:t>
+                <a:ea typeface="DejaVu Sans"/>
+              </a:rPr>
+              <a:t>14 Features</a:t>
             </a:r>
             <a:endParaRPr b="0" lang="en-US" sz="1800" spc="-1" strike="noStrike">
               <a:latin typeface="Arial"/>
             </a:endParaRPr>
           </a:p>
           <a:p>
-            <a:pPr marL="285840" indent="-285480">
+            <a:pPr marL="285840" indent="-285120">
               <a:lnSpc>
                 <a:spcPct val="100000"/>
               </a:lnSpc>
@@ -7254,78 +6695,16 @@
                   <a:srgbClr val="000000"/>
                 </a:solidFill>
                 <a:latin typeface="Calibri"/>
-              </a:rPr>
-              <a:t>Timefra</a:t>
-            </a:r>
-            <a:r>
-              <a:rPr b="0" lang="en-US" sz="1800" spc="-1" strike="noStrike">
-                <a:solidFill>
-                  <a:srgbClr val="000000"/>
-                </a:solidFill>
-                <a:latin typeface="Calibri"/>
-              </a:rPr>
-              <a:t>me of </a:t>
-            </a:r>
-            <a:r>
-              <a:rPr b="0" lang="en-US" sz="1800" spc="-1" strike="noStrike">
-                <a:solidFill>
-                  <a:srgbClr val="000000"/>
-                </a:solidFill>
-                <a:latin typeface="Calibri"/>
-              </a:rPr>
-              <a:t>the </a:t>
-            </a:r>
-            <a:r>
-              <a:rPr b="0" lang="en-US" sz="1800" spc="-1" strike="noStrike">
-                <a:solidFill>
-                  <a:srgbClr val="000000"/>
-                </a:solidFill>
-                <a:latin typeface="Calibri"/>
-              </a:rPr>
-              <a:t>data: </a:t>
-            </a:r>
-            <a:r>
-              <a:rPr b="0" lang="en-US" sz="1800" spc="-1" strike="noStrike">
-                <a:solidFill>
-                  <a:srgbClr val="000000"/>
-                </a:solidFill>
-                <a:latin typeface="Calibri"/>
-              </a:rPr>
-              <a:t>2016-</a:t>
-            </a:r>
-            <a:r>
-              <a:rPr b="0" lang="en-US" sz="1800" spc="-1" strike="noStrike">
-                <a:solidFill>
-                  <a:srgbClr val="000000"/>
-                </a:solidFill>
-                <a:latin typeface="Calibri"/>
-              </a:rPr>
-              <a:t>01-31 to </a:t>
-            </a:r>
-            <a:r>
-              <a:rPr b="0" lang="en-US" sz="1800" spc="-1" strike="noStrike">
-                <a:solidFill>
-                  <a:srgbClr val="000000"/>
-                </a:solidFill>
-                <a:latin typeface="Calibri"/>
-              </a:rPr>
-              <a:t>2018-</a:t>
-            </a:r>
-            <a:r>
-              <a:rPr b="0" lang="en-US" sz="1800" spc="-1" strike="noStrike">
-                <a:solidFill>
-                  <a:srgbClr val="000000"/>
-                </a:solidFill>
-                <a:latin typeface="Calibri"/>
-              </a:rPr>
-              <a:t>12-31</a:t>
+                <a:ea typeface="DejaVu Sans"/>
+              </a:rPr>
+              <a:t>Timeframe of the data: 2016-01-31 to 2018-12-31</a:t>
             </a:r>
             <a:endParaRPr b="0" lang="en-US" sz="1800" spc="-1" strike="noStrike">
               <a:latin typeface="Arial"/>
             </a:endParaRPr>
           </a:p>
           <a:p>
-            <a:pPr marL="285840" indent="-285480">
+            <a:pPr marL="285840" indent="-285120">
               <a:lnSpc>
                 <a:spcPct val="100000"/>
               </a:lnSpc>
@@ -7341,35 +6720,49 @@
                   <a:srgbClr val="000000"/>
                 </a:solidFill>
                 <a:latin typeface="Calibri"/>
-              </a:rPr>
-              <a:t>Total </a:t>
-            </a:r>
-            <a:r>
-              <a:rPr b="0" lang="en-US" sz="1800" spc="-1" strike="noStrike">
+                <a:ea typeface="DejaVu Sans"/>
+              </a:rPr>
+              <a:t>Total data points :359,392</a:t>
+            </a:r>
+            <a:endParaRPr b="0" lang="en-US" sz="1800" spc="-1" strike="noStrike">
+              <a:latin typeface="Arial"/>
+            </a:endParaRPr>
+          </a:p>
+          <a:p>
+            <a:pPr>
+              <a:lnSpc>
+                <a:spcPct val="100000"/>
+              </a:lnSpc>
+            </a:pPr>
+            <a:endParaRPr b="0" lang="en-US" sz="1800" spc="-1" strike="noStrike">
+              <a:latin typeface="Arial"/>
+            </a:endParaRPr>
+          </a:p>
+          <a:p>
+            <a:pPr>
+              <a:lnSpc>
+                <a:spcPct val="100000"/>
+              </a:lnSpc>
+            </a:pPr>
+            <a:endParaRPr b="0" lang="en-US" sz="1800" spc="-1" strike="noStrike">
+              <a:latin typeface="Arial"/>
+            </a:endParaRPr>
+          </a:p>
+          <a:p>
+            <a:pPr>
+              <a:lnSpc>
+                <a:spcPct val="100000"/>
+              </a:lnSpc>
+            </a:pPr>
+            <a:r>
+              <a:rPr b="1" lang="en-US" sz="1800" spc="-1" strike="noStrike">
                 <a:solidFill>
                   <a:srgbClr val="000000"/>
                 </a:solidFill>
                 <a:latin typeface="Calibri"/>
-              </a:rPr>
-              <a:t>data </a:t>
-            </a:r>
-            <a:r>
-              <a:rPr b="0" lang="en-US" sz="1800" spc="-1" strike="noStrike">
-                <a:solidFill>
-                  <a:srgbClr val="000000"/>
-                </a:solidFill>
-                <a:latin typeface="Calibri"/>
-              </a:rPr>
-              <a:t>points :3</a:t>
-            </a:r>
-            <a:r>
-              <a:rPr b="0" lang="en-US" sz="1800" spc="-1" strike="noStrike">
-                <a:solidFill>
-                  <a:srgbClr val="000000"/>
-                </a:solidFill>
-                <a:latin typeface="Calibri"/>
-              </a:rPr>
-              <a:t>59,392</a:t>
+                <a:ea typeface="DejaVu Sans"/>
+              </a:rPr>
+              <a:t>Assumptions:</a:t>
             </a:r>
             <a:endParaRPr b="0" lang="en-US" sz="1800" spc="-1" strike="noStrike">
               <a:latin typeface="Arial"/>
@@ -7386,55 +6779,7 @@
             </a:endParaRPr>
           </a:p>
           <a:p>
-            <a:pPr>
-              <a:lnSpc>
-                <a:spcPct val="100000"/>
-              </a:lnSpc>
-            </a:pPr>
-            <a:endParaRPr b="0" lang="en-US" sz="1800" spc="-1" strike="noStrike">
-              <a:latin typeface="Arial"/>
-            </a:endParaRPr>
-          </a:p>
-          <a:p>
-            <a:pPr>
-              <a:lnSpc>
-                <a:spcPct val="100000"/>
-              </a:lnSpc>
-            </a:pPr>
-            <a:r>
-              <a:rPr b="1" lang="en-US" sz="1800" spc="-1" strike="noStrike">
-                <a:solidFill>
-                  <a:srgbClr val="000000"/>
-                </a:solidFill>
-                <a:latin typeface="Calibri"/>
-              </a:rPr>
-              <a:t>Assumptio</a:t>
-            </a:r>
-            <a:r>
-              <a:rPr b="1" lang="en-US" sz="1800" spc="-1" strike="noStrike">
-                <a:solidFill>
-                  <a:srgbClr val="000000"/>
-                </a:solidFill>
-                <a:latin typeface="Calibri"/>
-              </a:rPr>
-              <a:t>ns:</a:t>
-            </a:r>
-            <a:endParaRPr b="0" lang="en-US" sz="1800" spc="-1" strike="noStrike">
-              <a:latin typeface="Arial"/>
-            </a:endParaRPr>
-          </a:p>
-          <a:p>
-            <a:pPr>
-              <a:lnSpc>
-                <a:spcPct val="100000"/>
-              </a:lnSpc>
-            </a:pPr>
-            <a:endParaRPr b="0" lang="en-US" sz="1800" spc="-1" strike="noStrike">
-              <a:latin typeface="Arial"/>
-            </a:endParaRPr>
-          </a:p>
-          <a:p>
-            <a:pPr marL="285840" indent="-285480">
+            <a:pPr marL="285840" indent="-285120">
               <a:lnSpc>
                 <a:spcPct val="100000"/>
               </a:lnSpc>
@@ -7450,17 +6795,29 @@
                   <a:srgbClr val="000000"/>
                 </a:solidFill>
                 <a:latin typeface="Calibri"/>
-              </a:rPr>
-              <a:t>Outliers </a:t>
-            </a:r>
+                <a:ea typeface="DejaVu Sans"/>
+              </a:rPr>
+              <a:t>Outliers are present in Price_Charged feature but due to </a:t>
+            </a:r>
+            <a:endParaRPr b="0" lang="en-US" sz="1800" spc="-1" strike="noStrike">
+              <a:latin typeface="Arial"/>
+            </a:endParaRPr>
+          </a:p>
+          <a:p>
+            <a:pPr>
+              <a:lnSpc>
+                <a:spcPct val="100000"/>
+              </a:lnSpc>
+            </a:pPr>
             <a:r>
               <a:rPr b="0" lang="en-US" sz="1800" spc="-1" strike="noStrike">
                 <a:solidFill>
                   <a:srgbClr val="000000"/>
                 </a:solidFill>
                 <a:latin typeface="Calibri"/>
-              </a:rPr>
-              <a:t>are </a:t>
+                <a:ea typeface="DejaVu Sans"/>
+              </a:rPr>
+              <a:t>      </a:t>
             </a:r>
             <a:r>
               <a:rPr b="0" lang="en-US" sz="1800" spc="-1" strike="noStrike">
@@ -7468,62 +6825,9 @@
                   <a:srgbClr val="000000"/>
                 </a:solidFill>
                 <a:latin typeface="Calibri"/>
-              </a:rPr>
-              <a:t>present </a:t>
-            </a:r>
-            <a:r>
-              <a:rPr b="0" lang="en-US" sz="1800" spc="-1" strike="noStrike">
-                <a:solidFill>
-                  <a:srgbClr val="000000"/>
-                </a:solidFill>
-                <a:latin typeface="Calibri"/>
-              </a:rPr>
-              <a:t>in </a:t>
-            </a:r>
-            <a:r>
-              <a:rPr b="0" lang="en-US" sz="1800" spc="-1" strike="noStrike">
-                <a:solidFill>
-                  <a:srgbClr val="000000"/>
-                </a:solidFill>
-                <a:latin typeface="Calibri"/>
-              </a:rPr>
-              <a:t>Price_C</a:t>
-            </a:r>
-            <a:r>
-              <a:rPr b="0" lang="en-US" sz="1800" spc="-1" strike="noStrike">
-                <a:solidFill>
-                  <a:srgbClr val="000000"/>
-                </a:solidFill>
-                <a:latin typeface="Calibri"/>
-              </a:rPr>
-              <a:t>harged </a:t>
-            </a:r>
-            <a:r>
-              <a:rPr b="0" lang="en-US" sz="1800" spc="-1" strike="noStrike">
-                <a:solidFill>
-                  <a:srgbClr val="000000"/>
-                </a:solidFill>
-                <a:latin typeface="Calibri"/>
-              </a:rPr>
-              <a:t>feature </a:t>
-            </a:r>
-            <a:r>
-              <a:rPr b="0" lang="en-US" sz="1800" spc="-1" strike="noStrike">
-                <a:solidFill>
-                  <a:srgbClr val="000000"/>
-                </a:solidFill>
-                <a:latin typeface="Calibri"/>
-              </a:rPr>
-              <a:t>but due </a:t>
-            </a:r>
-            <a:r>
-              <a:rPr b="0" lang="en-US" sz="1800" spc="-1" strike="noStrike">
-                <a:solidFill>
-                  <a:srgbClr val="000000"/>
-                </a:solidFill>
-                <a:latin typeface="Calibri"/>
-              </a:rPr>
-              <a:t>to </a:t>
+                <a:ea typeface="DejaVu Sans"/>
+              </a:rPr>
+              <a:t>unavailability of trip duration details ,we are not treating this as outlier.</a:t>
             </a:r>
             <a:endParaRPr b="0" lang="en-US" sz="1800" spc="-1" strike="noStrike">
               <a:latin typeface="Arial"/>
@@ -7535,103 +6839,12 @@
                 <a:spcPct val="100000"/>
               </a:lnSpc>
             </a:pPr>
-            <a:r>
-              <a:rPr b="0" lang="en-US" sz="1800" spc="-1" strike="noStrike">
-                <a:solidFill>
-                  <a:srgbClr val="000000"/>
-                </a:solidFill>
-                <a:latin typeface="Calibri"/>
-              </a:rPr>
-              <a:t>      </a:t>
-            </a:r>
-            <a:r>
-              <a:rPr b="0" lang="en-US" sz="1800" spc="-1" strike="noStrike">
-                <a:solidFill>
-                  <a:srgbClr val="000000"/>
-                </a:solidFill>
-                <a:latin typeface="Calibri"/>
-              </a:rPr>
-              <a:t>unavailabili</a:t>
-            </a:r>
-            <a:r>
-              <a:rPr b="0" lang="en-US" sz="1800" spc="-1" strike="noStrike">
-                <a:solidFill>
-                  <a:srgbClr val="000000"/>
-                </a:solidFill>
-                <a:latin typeface="Calibri"/>
-              </a:rPr>
-              <a:t>ty of trip </a:t>
-            </a:r>
-            <a:r>
-              <a:rPr b="0" lang="en-US" sz="1800" spc="-1" strike="noStrike">
-                <a:solidFill>
-                  <a:srgbClr val="000000"/>
-                </a:solidFill>
-                <a:latin typeface="Calibri"/>
-              </a:rPr>
-              <a:t>duration </a:t>
-            </a:r>
-            <a:r>
-              <a:rPr b="0" lang="en-US" sz="1800" spc="-1" strike="noStrike">
-                <a:solidFill>
-                  <a:srgbClr val="000000"/>
-                </a:solidFill>
-                <a:latin typeface="Calibri"/>
-              </a:rPr>
-              <a:t>details ,we </a:t>
-            </a:r>
-            <a:r>
-              <a:rPr b="0" lang="en-US" sz="1800" spc="-1" strike="noStrike">
-                <a:solidFill>
-                  <a:srgbClr val="000000"/>
-                </a:solidFill>
-                <a:latin typeface="Calibri"/>
-              </a:rPr>
-              <a:t>are not </a:t>
-            </a:r>
-            <a:r>
-              <a:rPr b="0" lang="en-US" sz="1800" spc="-1" strike="noStrike">
-                <a:solidFill>
-                  <a:srgbClr val="000000"/>
-                </a:solidFill>
-                <a:latin typeface="Calibri"/>
-              </a:rPr>
-              <a:t>treating </a:t>
-            </a:r>
-            <a:r>
-              <a:rPr b="0" lang="en-US" sz="1800" spc="-1" strike="noStrike">
-                <a:solidFill>
-                  <a:srgbClr val="000000"/>
-                </a:solidFill>
-                <a:latin typeface="Calibri"/>
-              </a:rPr>
-              <a:t>this as </a:t>
-            </a:r>
-            <a:r>
-              <a:rPr b="0" lang="en-US" sz="1800" spc="-1" strike="noStrike">
-                <a:solidFill>
-                  <a:srgbClr val="000000"/>
-                </a:solidFill>
-                <a:latin typeface="Calibri"/>
-              </a:rPr>
-              <a:t>outlier.</a:t>
-            </a:r>
             <a:endParaRPr b="0" lang="en-US" sz="1800" spc="-1" strike="noStrike">
               <a:latin typeface="Arial"/>
             </a:endParaRPr>
           </a:p>
           <a:p>
-            <a:pPr>
-              <a:lnSpc>
-                <a:spcPct val="100000"/>
-              </a:lnSpc>
-            </a:pPr>
-            <a:endParaRPr b="0" lang="en-US" sz="1800" spc="-1" strike="noStrike">
-              <a:latin typeface="Arial"/>
-            </a:endParaRPr>
-          </a:p>
-          <a:p>
-            <a:pPr marL="285840" indent="-285480">
+            <a:pPr marL="285840" indent="-285120">
               <a:lnSpc>
                 <a:spcPct val="100000"/>
               </a:lnSpc>
@@ -7647,17 +6860,29 @@
                   <a:srgbClr val="000000"/>
                 </a:solidFill>
                 <a:latin typeface="Calibri"/>
-              </a:rPr>
-              <a:t>Profit of </a:t>
-            </a:r>
+                <a:ea typeface="DejaVu Sans"/>
+              </a:rPr>
+              <a:t>Profit of rides are calculated keeping other factors constant and only </a:t>
+            </a:r>
+            <a:endParaRPr b="0" lang="en-US" sz="1800" spc="-1" strike="noStrike">
+              <a:latin typeface="Arial"/>
+            </a:endParaRPr>
+          </a:p>
+          <a:p>
+            <a:pPr>
+              <a:lnSpc>
+                <a:spcPct val="100000"/>
+              </a:lnSpc>
+            </a:pPr>
             <a:r>
               <a:rPr b="0" lang="en-US" sz="1800" spc="-1" strike="noStrike">
                 <a:solidFill>
                   <a:srgbClr val="000000"/>
                 </a:solidFill>
                 <a:latin typeface="Calibri"/>
-              </a:rPr>
-              <a:t>rides are </a:t>
+                <a:ea typeface="DejaVu Sans"/>
+              </a:rPr>
+              <a:t>      </a:t>
             </a:r>
             <a:r>
               <a:rPr b="0" lang="en-US" sz="1800" spc="-1" strike="noStrike">
@@ -7665,71 +6890,9 @@
                   <a:srgbClr val="000000"/>
                 </a:solidFill>
                 <a:latin typeface="Calibri"/>
-              </a:rPr>
-              <a:t>calculat</a:t>
-            </a:r>
-            <a:r>
-              <a:rPr b="0" lang="en-US" sz="1800" spc="-1" strike="noStrike">
-                <a:solidFill>
-                  <a:srgbClr val="000000"/>
-                </a:solidFill>
-                <a:latin typeface="Calibri"/>
-              </a:rPr>
-              <a:t>ed </a:t>
-            </a:r>
-            <a:r>
-              <a:rPr b="0" lang="en-US" sz="1800" spc="-1" strike="noStrike">
-                <a:solidFill>
-                  <a:srgbClr val="000000"/>
-                </a:solidFill>
-                <a:latin typeface="Calibri"/>
-              </a:rPr>
-              <a:t>keeping </a:t>
-            </a:r>
-            <a:r>
-              <a:rPr b="0" lang="en-US" sz="1800" spc="-1" strike="noStrike">
-                <a:solidFill>
-                  <a:srgbClr val="000000"/>
-                </a:solidFill>
-                <a:latin typeface="Calibri"/>
-              </a:rPr>
-              <a:t>other </a:t>
-            </a:r>
-            <a:r>
-              <a:rPr b="0" lang="en-US" sz="1800" spc="-1" strike="noStrike">
-                <a:solidFill>
-                  <a:srgbClr val="000000"/>
-                </a:solidFill>
-                <a:latin typeface="Calibri"/>
-              </a:rPr>
-              <a:t>factors </a:t>
-            </a:r>
-            <a:r>
-              <a:rPr b="0" lang="en-US" sz="1800" spc="-1" strike="noStrike">
-                <a:solidFill>
-                  <a:srgbClr val="000000"/>
-                </a:solidFill>
-                <a:latin typeface="Calibri"/>
-              </a:rPr>
-              <a:t>constant </a:t>
-            </a:r>
-            <a:r>
-              <a:rPr b="0" lang="en-US" sz="1800" spc="-1" strike="noStrike">
-                <a:solidFill>
-                  <a:srgbClr val="000000"/>
-                </a:solidFill>
-                <a:latin typeface="Calibri"/>
-              </a:rPr>
-              <a:t>and </a:t>
-            </a:r>
-            <a:r>
-              <a:rPr b="0" lang="en-US" sz="1800" spc="-1" strike="noStrike">
-                <a:solidFill>
-                  <a:srgbClr val="000000"/>
-                </a:solidFill>
-                <a:latin typeface="Calibri"/>
-              </a:rPr>
-              <a:t>only </a:t>
+                <a:ea typeface="DejaVu Sans"/>
+              </a:rPr>
+              <a:t>Price_Charged and Cost_of_Trip features used to calculate profit.</a:t>
             </a:r>
             <a:endParaRPr b="0" lang="en-US" sz="1800" spc="-1" strike="noStrike">
               <a:latin typeface="Arial"/>
@@ -7741,94 +6904,12 @@
                 <a:spcPct val="100000"/>
               </a:lnSpc>
             </a:pPr>
-            <a:r>
-              <a:rPr b="0" lang="en-US" sz="1800" spc="-1" strike="noStrike">
-                <a:solidFill>
-                  <a:srgbClr val="000000"/>
-                </a:solidFill>
-                <a:latin typeface="Calibri"/>
-              </a:rPr>
-              <a:t>      </a:t>
-            </a:r>
-            <a:r>
-              <a:rPr b="0" lang="en-US" sz="1800" spc="-1" strike="noStrike">
-                <a:solidFill>
-                  <a:srgbClr val="000000"/>
-                </a:solidFill>
-                <a:latin typeface="Calibri"/>
-              </a:rPr>
-              <a:t>Price_Char</a:t>
-            </a:r>
-            <a:r>
-              <a:rPr b="0" lang="en-US" sz="1800" spc="-1" strike="noStrike">
-                <a:solidFill>
-                  <a:srgbClr val="000000"/>
-                </a:solidFill>
-                <a:latin typeface="Calibri"/>
-              </a:rPr>
-              <a:t>ged and </a:t>
-            </a:r>
-            <a:r>
-              <a:rPr b="0" lang="en-US" sz="1800" spc="-1" strike="noStrike">
-                <a:solidFill>
-                  <a:srgbClr val="000000"/>
-                </a:solidFill>
-                <a:latin typeface="Calibri"/>
-              </a:rPr>
-              <a:t>Cost_of_Tri</a:t>
-            </a:r>
-            <a:r>
-              <a:rPr b="0" lang="en-US" sz="1800" spc="-1" strike="noStrike">
-                <a:solidFill>
-                  <a:srgbClr val="000000"/>
-                </a:solidFill>
-                <a:latin typeface="Calibri"/>
-              </a:rPr>
-              <a:t>p features </a:t>
-            </a:r>
-            <a:r>
-              <a:rPr b="0" lang="en-US" sz="1800" spc="-1" strike="noStrike">
-                <a:solidFill>
-                  <a:srgbClr val="000000"/>
-                </a:solidFill>
-                <a:latin typeface="Calibri"/>
-              </a:rPr>
-              <a:t>used to </a:t>
-            </a:r>
-            <a:r>
-              <a:rPr b="0" lang="en-US" sz="1800" spc="-1" strike="noStrike">
-                <a:solidFill>
-                  <a:srgbClr val="000000"/>
-                </a:solidFill>
-                <a:latin typeface="Calibri"/>
-              </a:rPr>
-              <a:t>calculate </a:t>
-            </a:r>
-            <a:r>
-              <a:rPr b="0" lang="en-US" sz="1800" spc="-1" strike="noStrike">
-                <a:solidFill>
-                  <a:srgbClr val="000000"/>
-                </a:solidFill>
-                <a:latin typeface="Calibri"/>
-              </a:rPr>
-              <a:t>profit.</a:t>
-            </a:r>
             <a:endParaRPr b="0" lang="en-US" sz="1800" spc="-1" strike="noStrike">
               <a:latin typeface="Arial"/>
             </a:endParaRPr>
           </a:p>
           <a:p>
-            <a:pPr>
-              <a:lnSpc>
-                <a:spcPct val="100000"/>
-              </a:lnSpc>
-            </a:pPr>
-            <a:endParaRPr b="0" lang="en-US" sz="1800" spc="-1" strike="noStrike">
-              <a:latin typeface="Arial"/>
-            </a:endParaRPr>
-          </a:p>
-          <a:p>
-            <a:pPr marL="285840" indent="-285480">
+            <a:pPr marL="285840" indent="-285120">
               <a:lnSpc>
                 <a:spcPct val="100000"/>
               </a:lnSpc>
@@ -7844,17 +6925,29 @@
                   <a:srgbClr val="000000"/>
                 </a:solidFill>
                 <a:latin typeface="Calibri"/>
-              </a:rPr>
-              <a:t>Users </a:t>
-            </a:r>
+                <a:ea typeface="DejaVu Sans"/>
+              </a:rPr>
+              <a:t>Users feature of city dataset is treated as number of cab users in the city.</a:t>
+            </a:r>
+            <a:endParaRPr b="0" lang="en-US" sz="1800" spc="-1" strike="noStrike">
+              <a:latin typeface="Arial"/>
+            </a:endParaRPr>
+          </a:p>
+          <a:p>
+            <a:pPr>
+              <a:lnSpc>
+                <a:spcPct val="100000"/>
+              </a:lnSpc>
+            </a:pPr>
             <a:r>
               <a:rPr b="0" lang="en-US" sz="1800" spc="-1" strike="noStrike">
                 <a:solidFill>
                   <a:srgbClr val="000000"/>
                 </a:solidFill>
                 <a:latin typeface="Calibri"/>
-              </a:rPr>
-              <a:t>feature </a:t>
+                <a:ea typeface="DejaVu Sans"/>
+              </a:rPr>
+              <a:t>      </a:t>
             </a:r>
             <a:r>
               <a:rPr b="0" lang="en-US" sz="1800" spc="-1" strike="noStrike">
@@ -7862,17 +6955,29 @@
                   <a:srgbClr val="000000"/>
                 </a:solidFill>
                 <a:latin typeface="Calibri"/>
-              </a:rPr>
-              <a:t>of city </a:t>
-            </a:r>
+                <a:ea typeface="DejaVu Sans"/>
+              </a:rPr>
+              <a:t>we have assumed that this can be other cab users as well(including Yellow and</a:t>
+            </a:r>
+            <a:endParaRPr b="0" lang="en-US" sz="1800" spc="-1" strike="noStrike">
+              <a:latin typeface="Arial"/>
+            </a:endParaRPr>
+          </a:p>
+          <a:p>
+            <a:pPr>
+              <a:lnSpc>
+                <a:spcPct val="100000"/>
+              </a:lnSpc>
+            </a:pPr>
             <a:r>
               <a:rPr b="0" lang="en-US" sz="1800" spc="-1" strike="noStrike">
                 <a:solidFill>
                   <a:srgbClr val="000000"/>
                 </a:solidFill>
                 <a:latin typeface="Calibri"/>
-              </a:rPr>
-              <a:t>dataset </a:t>
+                <a:ea typeface="DejaVu Sans"/>
+              </a:rPr>
+              <a:t>      </a:t>
             </a:r>
             <a:r>
               <a:rPr b="0" lang="en-US" sz="1800" spc="-1" strike="noStrike">
@@ -7880,199 +6985,9 @@
                   <a:srgbClr val="000000"/>
                 </a:solidFill>
                 <a:latin typeface="Calibri"/>
-              </a:rPr>
-              <a:t>is </a:t>
-            </a:r>
-            <a:r>
-              <a:rPr b="0" lang="en-US" sz="1800" spc="-1" strike="noStrike">
-                <a:solidFill>
-                  <a:srgbClr val="000000"/>
-                </a:solidFill>
-                <a:latin typeface="Calibri"/>
-              </a:rPr>
-              <a:t>treated </a:t>
-            </a:r>
-            <a:r>
-              <a:rPr b="0" lang="en-US" sz="1800" spc="-1" strike="noStrike">
-                <a:solidFill>
-                  <a:srgbClr val="000000"/>
-                </a:solidFill>
-                <a:latin typeface="Calibri"/>
-              </a:rPr>
-              <a:t>as </a:t>
-            </a:r>
-            <a:r>
-              <a:rPr b="0" lang="en-US" sz="1800" spc="-1" strike="noStrike">
-                <a:solidFill>
-                  <a:srgbClr val="000000"/>
-                </a:solidFill>
-                <a:latin typeface="Calibri"/>
-              </a:rPr>
-              <a:t>number </a:t>
-            </a:r>
-            <a:r>
-              <a:rPr b="0" lang="en-US" sz="1800" spc="-1" strike="noStrike">
-                <a:solidFill>
-                  <a:srgbClr val="000000"/>
-                </a:solidFill>
-                <a:latin typeface="Calibri"/>
-              </a:rPr>
-              <a:t>of cab </a:t>
-            </a:r>
-            <a:r>
-              <a:rPr b="0" lang="en-US" sz="1800" spc="-1" strike="noStrike">
-                <a:solidFill>
-                  <a:srgbClr val="000000"/>
-                </a:solidFill>
-                <a:latin typeface="Calibri"/>
-              </a:rPr>
-              <a:t>users in </a:t>
-            </a:r>
-            <a:r>
-              <a:rPr b="0" lang="en-US" sz="1800" spc="-1" strike="noStrike">
-                <a:solidFill>
-                  <a:srgbClr val="000000"/>
-                </a:solidFill>
-                <a:latin typeface="Calibri"/>
-              </a:rPr>
-              <a:t>the city.</a:t>
-            </a:r>
-            <a:endParaRPr b="0" lang="en-US" sz="1800" spc="-1" strike="noStrike">
-              <a:latin typeface="Arial"/>
-            </a:endParaRPr>
-          </a:p>
-          <a:p>
-            <a:pPr>
-              <a:lnSpc>
-                <a:spcPct val="100000"/>
-              </a:lnSpc>
-            </a:pPr>
-            <a:r>
-              <a:rPr b="0" lang="en-US" sz="1800" spc="-1" strike="noStrike">
-                <a:solidFill>
-                  <a:srgbClr val="000000"/>
-                </a:solidFill>
-                <a:latin typeface="Calibri"/>
-              </a:rPr>
-              <a:t>      </a:t>
-            </a:r>
-            <a:r>
-              <a:rPr b="0" lang="en-US" sz="1800" spc="-1" strike="noStrike">
-                <a:solidFill>
-                  <a:srgbClr val="000000"/>
-                </a:solidFill>
-                <a:latin typeface="Calibri"/>
-              </a:rPr>
-              <a:t>we have </a:t>
-            </a:r>
-            <a:r>
-              <a:rPr b="0" lang="en-US" sz="1800" spc="-1" strike="noStrike">
-                <a:solidFill>
-                  <a:srgbClr val="000000"/>
-                </a:solidFill>
-                <a:latin typeface="Calibri"/>
-              </a:rPr>
-              <a:t>assumed </a:t>
-            </a:r>
-            <a:r>
-              <a:rPr b="0" lang="en-US" sz="1800" spc="-1" strike="noStrike">
-                <a:solidFill>
-                  <a:srgbClr val="000000"/>
-                </a:solidFill>
-                <a:latin typeface="Calibri"/>
-              </a:rPr>
-              <a:t>that this </a:t>
-            </a:r>
-            <a:r>
-              <a:rPr b="0" lang="en-US" sz="1800" spc="-1" strike="noStrike">
-                <a:solidFill>
-                  <a:srgbClr val="000000"/>
-                </a:solidFill>
-                <a:latin typeface="Calibri"/>
-              </a:rPr>
-              <a:t>can be </a:t>
-            </a:r>
-            <a:r>
-              <a:rPr b="0" lang="en-US" sz="1800" spc="-1" strike="noStrike">
-                <a:solidFill>
-                  <a:srgbClr val="000000"/>
-                </a:solidFill>
-                <a:latin typeface="Calibri"/>
-              </a:rPr>
-              <a:t>other cab </a:t>
-            </a:r>
-            <a:r>
-              <a:rPr b="0" lang="en-US" sz="1800" spc="-1" strike="noStrike">
-                <a:solidFill>
-                  <a:srgbClr val="000000"/>
-                </a:solidFill>
-                <a:latin typeface="Calibri"/>
-              </a:rPr>
-              <a:t>users as </a:t>
-            </a:r>
-            <a:r>
-              <a:rPr b="0" lang="en-US" sz="1800" spc="-1" strike="noStrike">
-                <a:solidFill>
-                  <a:srgbClr val="000000"/>
-                </a:solidFill>
-                <a:latin typeface="Calibri"/>
-              </a:rPr>
-              <a:t>well(includ</a:t>
-            </a:r>
-            <a:r>
-              <a:rPr b="0" lang="en-US" sz="1800" spc="-1" strike="noStrike">
-                <a:solidFill>
-                  <a:srgbClr val="000000"/>
-                </a:solidFill>
-                <a:latin typeface="Calibri"/>
-              </a:rPr>
-              <a:t>ing Yellow </a:t>
-            </a:r>
-            <a:r>
-              <a:rPr b="0" lang="en-US" sz="1800" spc="-1" strike="noStrike">
-                <a:solidFill>
-                  <a:srgbClr val="000000"/>
-                </a:solidFill>
-                <a:latin typeface="Calibri"/>
-              </a:rPr>
-              <a:t>and</a:t>
-            </a:r>
-            <a:endParaRPr b="0" lang="en-US" sz="1800" spc="-1" strike="noStrike">
-              <a:latin typeface="Arial"/>
-            </a:endParaRPr>
-          </a:p>
-          <a:p>
-            <a:pPr>
-              <a:lnSpc>
-                <a:spcPct val="100000"/>
-              </a:lnSpc>
-            </a:pPr>
-            <a:r>
-              <a:rPr b="0" lang="en-US" sz="1800" spc="-1" strike="noStrike">
-                <a:solidFill>
-                  <a:srgbClr val="000000"/>
-                </a:solidFill>
-                <a:latin typeface="Calibri"/>
-              </a:rPr>
-              <a:t>      </a:t>
-            </a:r>
-            <a:r>
-              <a:rPr b="0" lang="en-US" sz="1800" spc="-1" strike="noStrike">
-                <a:solidFill>
-                  <a:srgbClr val="000000"/>
-                </a:solidFill>
-                <a:latin typeface="Calibri"/>
-              </a:rPr>
-              <a:t>Pink </a:t>
-            </a:r>
-            <a:r>
-              <a:rPr b="0" lang="en-US" sz="1800" spc="-1" strike="noStrike">
-                <a:solidFill>
-                  <a:srgbClr val="000000"/>
-                </a:solidFill>
-                <a:latin typeface="Calibri"/>
-              </a:rPr>
-              <a:t>cab) </a:t>
+                <a:ea typeface="DejaVu Sans"/>
+              </a:rPr>
+              <a:t>Pink cab) </a:t>
             </a:r>
             <a:endParaRPr b="0" lang="en-US" sz="1800" spc="-1" strike="noStrike">
               <a:latin typeface="Arial"/>
@@ -8092,56 +7007,56 @@
       </p:sp>
       <p:grpSp>
         <p:nvGrpSpPr>
-          <p:cNvPr id="91" name="Group 2"/>
+          <p:cNvPr id="85" name="Group 2"/>
           <p:cNvGrpSpPr/>
           <p:nvPr/>
         </p:nvGrpSpPr>
         <p:grpSpPr>
           <a:xfrm>
             <a:off x="6370200" y="1537560"/>
-            <a:ext cx="4831200" cy="2723400"/>
+            <a:ext cx="4830840" cy="2632320"/>
             <a:chOff x="6370200" y="1537560"/>
-            <a:chExt cx="4831200" cy="2723400"/>
+            <a:chExt cx="4830840" cy="2632320"/>
           </a:xfrm>
         </p:grpSpPr>
         <p:grpSp>
           <p:nvGrpSpPr>
-            <p:cNvPr id="92" name="Group 3"/>
+            <p:cNvPr id="86" name="Group 3"/>
             <p:cNvGrpSpPr/>
             <p:nvPr/>
           </p:nvGrpSpPr>
           <p:grpSpPr>
             <a:xfrm>
               <a:off x="6370200" y="1537560"/>
-              <a:ext cx="4831200" cy="2723400"/>
+              <a:ext cx="4830840" cy="2632320"/>
               <a:chOff x="6370200" y="1537560"/>
-              <a:chExt cx="4831200" cy="2723400"/>
+              <a:chExt cx="4830840" cy="2632320"/>
             </a:xfrm>
           </p:grpSpPr>
           <p:grpSp>
             <p:nvGrpSpPr>
-              <p:cNvPr id="93" name="Group 4"/>
+              <p:cNvPr id="87" name="Group 4"/>
               <p:cNvGrpSpPr/>
               <p:nvPr/>
             </p:nvGrpSpPr>
             <p:grpSpPr>
               <a:xfrm>
                 <a:off x="6370200" y="1537560"/>
-                <a:ext cx="4831200" cy="1062720"/>
+                <a:ext cx="4830840" cy="1062360"/>
                 <a:chOff x="6370200" y="1537560"/>
-                <a:chExt cx="4831200" cy="1062720"/>
+                <a:chExt cx="4830840" cy="1062360"/>
               </a:xfrm>
             </p:grpSpPr>
             <p:sp>
               <p:nvSpPr>
-                <p:cNvPr id="94" name="CustomShape 5"/>
+                <p:cNvPr id="88" name="CustomShape 5"/>
                 <p:cNvSpPr/>
                 <p:nvPr/>
               </p:nvSpPr>
               <p:spPr>
                 <a:xfrm>
                   <a:off x="10435320" y="1537560"/>
-                  <a:ext cx="619200" cy="616320"/>
+                  <a:ext cx="618840" cy="615960"/>
                 </a:xfrm>
                 <a:custGeom>
                   <a:avLst/>
@@ -8487,14 +7402,14 @@
             </p:sp>
             <p:sp>
               <p:nvSpPr>
-                <p:cNvPr id="95" name="CustomShape 6"/>
+                <p:cNvPr id="89" name="CustomShape 6"/>
                 <p:cNvSpPr/>
                 <p:nvPr/>
               </p:nvSpPr>
               <p:spPr>
                 <a:xfrm>
                   <a:off x="6612120" y="1537560"/>
-                  <a:ext cx="619200" cy="616320"/>
+                  <a:ext cx="618840" cy="615960"/>
                 </a:xfrm>
                 <a:custGeom>
                   <a:avLst/>
@@ -8840,14 +7755,14 @@
             </p:sp>
             <p:sp>
               <p:nvSpPr>
-                <p:cNvPr id="96" name="CustomShape 7"/>
+                <p:cNvPr id="90" name="CustomShape 7"/>
                 <p:cNvSpPr/>
                 <p:nvPr/>
               </p:nvSpPr>
               <p:spPr>
                 <a:xfrm>
                   <a:off x="7903800" y="1537560"/>
-                  <a:ext cx="619200" cy="616320"/>
+                  <a:ext cx="618840" cy="615960"/>
                 </a:xfrm>
                 <a:custGeom>
                   <a:avLst/>
@@ -9193,14 +8108,14 @@
             </p:sp>
             <p:sp>
               <p:nvSpPr>
-                <p:cNvPr id="97" name="CustomShape 8"/>
+                <p:cNvPr id="91" name="CustomShape 8"/>
                 <p:cNvSpPr/>
                 <p:nvPr/>
               </p:nvSpPr>
               <p:spPr>
                 <a:xfrm>
                   <a:off x="9169560" y="1537560"/>
-                  <a:ext cx="619200" cy="616320"/>
+                  <a:ext cx="618840" cy="615960"/>
                 </a:xfrm>
                 <a:custGeom>
                   <a:avLst/>
@@ -9546,14 +8461,14 @@
             </p:sp>
             <p:sp>
               <p:nvSpPr>
-                <p:cNvPr id="98" name="CustomShape 9"/>
+                <p:cNvPr id="92" name="CustomShape 9"/>
                 <p:cNvSpPr/>
                 <p:nvPr/>
               </p:nvSpPr>
               <p:spPr>
                 <a:xfrm>
                   <a:off x="6370200" y="2327400"/>
-                  <a:ext cx="1047960" cy="272880"/>
+                  <a:ext cx="1047600" cy="272520"/>
                 </a:xfrm>
                 <a:prstGeom prst="rect">
                   <a:avLst/>
@@ -9585,6 +8500,7 @@
                         <a:srgbClr val="000000"/>
                       </a:solidFill>
                       <a:latin typeface="Calibri"/>
+                      <a:ea typeface="DejaVu Sans"/>
                     </a:rPr>
                     <a:t>Cab_Data.csv </a:t>
                   </a:r>
@@ -9596,7 +8512,7 @@
             </p:sp>
             <p:sp>
               <p:nvSpPr>
-                <p:cNvPr id="99" name="CustomShape 10"/>
+                <p:cNvPr id="93" name="CustomShape 10"/>
                 <p:cNvSpPr/>
                 <p:nvPr/>
               </p:nvSpPr>
@@ -9635,6 +8551,7 @@
                         <a:srgbClr val="000000"/>
                       </a:solidFill>
                       <a:latin typeface="Calibri"/>
+                      <a:ea typeface="DejaVu Sans"/>
                     </a:rPr>
                     <a:t>Customer_ID.csv </a:t>
                   </a:r>
@@ -9646,7 +8563,7 @@
             </p:sp>
             <p:sp>
               <p:nvSpPr>
-                <p:cNvPr id="100" name="CustomShape 11"/>
+                <p:cNvPr id="94" name="CustomShape 11"/>
                 <p:cNvSpPr/>
                 <p:nvPr/>
               </p:nvSpPr>
@@ -9685,6 +8602,7 @@
                         <a:srgbClr val="000000"/>
                       </a:solidFill>
                       <a:latin typeface="Calibri"/>
+                      <a:ea typeface="DejaVu Sans"/>
                     </a:rPr>
                     <a:t>Transaction_ID.csv </a:t>
                   </a:r>
@@ -9696,14 +8614,14 @@
             </p:sp>
             <p:sp>
               <p:nvSpPr>
-                <p:cNvPr id="101" name="CustomShape 12"/>
+                <p:cNvPr id="95" name="CustomShape 12"/>
                 <p:cNvSpPr/>
                 <p:nvPr/>
               </p:nvSpPr>
               <p:spPr>
                 <a:xfrm>
                   <a:off x="10500120" y="2327400"/>
-                  <a:ext cx="701280" cy="272880"/>
+                  <a:ext cx="700920" cy="272520"/>
                 </a:xfrm>
                 <a:prstGeom prst="rect">
                   <a:avLst/>
@@ -9735,6 +8653,7 @@
                         <a:srgbClr val="000000"/>
                       </a:solidFill>
                       <a:latin typeface="Calibri"/>
+                      <a:ea typeface="DejaVu Sans"/>
                     </a:rPr>
                     <a:t>City.csv</a:t>
                   </a:r>
@@ -9747,14 +8666,14 @@
           </p:grpSp>
           <p:sp>
             <p:nvSpPr>
-              <p:cNvPr id="102" name="CustomShape 13"/>
+              <p:cNvPr id="96" name="CustomShape 13"/>
               <p:cNvSpPr/>
               <p:nvPr/>
             </p:nvSpPr>
             <p:spPr>
               <a:xfrm>
                 <a:off x="7231680" y="2154600"/>
-                <a:ext cx="1706760" cy="1005840"/>
+                <a:ext cx="1706400" cy="1005480"/>
               </a:xfrm>
               <a:custGeom>
                 <a:avLst/>
@@ -9790,14 +8709,14 @@
           </p:sp>
           <p:sp>
             <p:nvSpPr>
-              <p:cNvPr id="103" name="CustomShape 14"/>
+              <p:cNvPr id="97" name="CustomShape 14"/>
               <p:cNvSpPr/>
               <p:nvPr/>
             </p:nvSpPr>
             <p:spPr>
               <a:xfrm flipH="1">
                 <a:off x="9693000" y="2205360"/>
-                <a:ext cx="731160" cy="836280"/>
+                <a:ext cx="730800" cy="835920"/>
               </a:xfrm>
               <a:custGeom>
                 <a:avLst/>
@@ -9833,14 +8752,14 @@
           </p:sp>
           <p:sp>
             <p:nvSpPr>
-              <p:cNvPr id="104" name="CustomShape 15"/>
+              <p:cNvPr id="98" name="CustomShape 15"/>
               <p:cNvSpPr/>
               <p:nvPr/>
             </p:nvSpPr>
             <p:spPr>
               <a:xfrm>
                 <a:off x="8264880" y="2146320"/>
-                <a:ext cx="773640" cy="887760"/>
+                <a:ext cx="773280" cy="887400"/>
               </a:xfrm>
               <a:custGeom>
                 <a:avLst/>
@@ -9876,14 +8795,14 @@
           </p:sp>
           <p:sp>
             <p:nvSpPr>
-              <p:cNvPr id="105" name="CustomShape 16"/>
+              <p:cNvPr id="99" name="CustomShape 16"/>
               <p:cNvSpPr/>
               <p:nvPr/>
             </p:nvSpPr>
             <p:spPr>
               <a:xfrm>
                 <a:off x="9322560" y="2206440"/>
-                <a:ext cx="360" cy="777240"/>
+                <a:ext cx="360" cy="776880"/>
               </a:xfrm>
               <a:custGeom>
                 <a:avLst/>
@@ -9919,14 +8838,14 @@
           </p:sp>
           <p:sp>
             <p:nvSpPr>
-              <p:cNvPr id="106" name="CustomShape 17"/>
+              <p:cNvPr id="100" name="CustomShape 17"/>
               <p:cNvSpPr/>
               <p:nvPr/>
             </p:nvSpPr>
             <p:spPr>
               <a:xfrm>
                 <a:off x="9051120" y="3070440"/>
-                <a:ext cx="619200" cy="616320"/>
+                <a:ext cx="618840" cy="615960"/>
               </a:xfrm>
               <a:custGeom>
                 <a:avLst/>
@@ -10272,14 +9191,14 @@
           </p:sp>
           <p:sp>
             <p:nvSpPr>
-              <p:cNvPr id="107" name="CustomShape 18"/>
+              <p:cNvPr id="101" name="CustomShape 18"/>
               <p:cNvSpPr/>
               <p:nvPr/>
             </p:nvSpPr>
             <p:spPr>
               <a:xfrm>
                 <a:off x="8844840" y="3714480"/>
-                <a:ext cx="1034640" cy="546480"/>
+                <a:ext cx="1034640" cy="455400"/>
               </a:xfrm>
               <a:prstGeom prst="rect">
                 <a:avLst/>
@@ -10311,6 +9230,7 @@
                       <a:srgbClr val="000000"/>
                     </a:solidFill>
                     <a:latin typeface="Calibri"/>
+                    <a:ea typeface="DejaVu Sans"/>
                   </a:rPr>
                   <a:t>Final cab data</a:t>
                 </a:r>
@@ -10334,14 +9254,14 @@
       </p:grpSp>
       <p:sp>
         <p:nvSpPr>
-          <p:cNvPr id="108" name="CustomShape 19"/>
+          <p:cNvPr id="102" name="CustomShape 19"/>
           <p:cNvSpPr/>
           <p:nvPr/>
         </p:nvSpPr>
         <p:spPr>
           <a:xfrm>
             <a:off x="0" y="0"/>
-            <a:ext cx="12191760" cy="1364040"/>
+            <a:ext cx="12191400" cy="1363680"/>
           </a:xfrm>
           <a:prstGeom prst="rect">
             <a:avLst/>
@@ -10365,14 +9285,14 @@
       </p:sp>
       <p:sp>
         <p:nvSpPr>
-          <p:cNvPr id="109" name="TextShape 20"/>
-          <p:cNvSpPr txBox="1"/>
+          <p:cNvPr id="103" name="CustomShape 20"/>
+          <p:cNvSpPr/>
           <p:nvPr/>
         </p:nvSpPr>
         <p:spPr>
           <a:xfrm>
             <a:off x="838080" y="59760"/>
-            <a:ext cx="10515240" cy="1325160"/>
+            <a:ext cx="10514880" cy="1324800"/>
           </a:xfrm>
           <a:prstGeom prst="rect">
             <a:avLst/>
@@ -10382,8 +9302,14 @@
             <a:noFill/>
           </a:ln>
         </p:spPr>
+        <p:style>
+          <a:lnRef idx="0"/>
+          <a:fillRef idx="0"/>
+          <a:effectRef idx="0"/>
+          <a:fontRef idx="minor"/>
+        </p:style>
         <p:txBody>
-          <a:bodyPr anchor="ctr">
+          <a:bodyPr lIns="90000" rIns="90000" tIns="45000" bIns="45000" anchor="ctr">
             <a:noAutofit/>
           </a:bodyPr>
           <a:p>
@@ -10402,10 +9328,7 @@
               <a:t>Data Exploration</a:t>
             </a:r>
             <a:endParaRPr b="0" lang="en-US" sz="4400" spc="-1" strike="noStrike">
-              <a:solidFill>
-                <a:srgbClr val="000000"/>
-              </a:solidFill>
-              <a:latin typeface="Calibri"/>
+              <a:latin typeface="Arial"/>
             </a:endParaRPr>
           </a:p>
         </p:txBody>
@@ -10442,28 +9365,28 @@
       </p:grpSpPr>
       <p:grpSp>
         <p:nvGrpSpPr>
-          <p:cNvPr id="110" name="Group 1"/>
+          <p:cNvPr id="104" name="Group 1"/>
           <p:cNvGrpSpPr/>
           <p:nvPr/>
         </p:nvGrpSpPr>
         <p:grpSpPr>
           <a:xfrm>
             <a:off x="-4875480" y="1276200"/>
-            <a:ext cx="8761680" cy="5581800"/>
+            <a:ext cx="8761680" cy="5579640"/>
             <a:chOff x="-4875480" y="1276200"/>
-            <a:chExt cx="8761680" cy="5581800"/>
+            <a:chExt cx="8761680" cy="5579640"/>
           </a:xfrm>
         </p:grpSpPr>
         <p:sp>
           <p:nvSpPr>
-            <p:cNvPr id="111" name="CustomShape 2"/>
+            <p:cNvPr id="105" name="CustomShape 2"/>
             <p:cNvSpPr/>
             <p:nvPr/>
           </p:nvSpPr>
           <p:spPr>
             <a:xfrm>
               <a:off x="-1985760" y="1320480"/>
-              <a:ext cx="378720" cy="3886200"/>
+              <a:ext cx="378360" cy="3885840"/>
             </a:xfrm>
             <a:prstGeom prst="rect">
               <a:avLst/>
@@ -10487,14 +9410,14 @@
         </p:sp>
         <p:sp>
           <p:nvSpPr>
-            <p:cNvPr id="112" name="CustomShape 3"/>
+            <p:cNvPr id="106" name="CustomShape 3"/>
             <p:cNvSpPr/>
             <p:nvPr/>
           </p:nvSpPr>
           <p:spPr>
             <a:xfrm>
               <a:off x="-4875480" y="1276200"/>
-              <a:ext cx="378720" cy="3886200"/>
+              <a:ext cx="378360" cy="3885840"/>
             </a:xfrm>
             <a:prstGeom prst="rect">
               <a:avLst/>
@@ -10518,14 +9441,14 @@
         </p:sp>
         <p:sp>
           <p:nvSpPr>
-            <p:cNvPr id="113" name="CustomShape 4"/>
+            <p:cNvPr id="107" name="CustomShape 4"/>
             <p:cNvSpPr/>
             <p:nvPr/>
           </p:nvSpPr>
           <p:spPr>
             <a:xfrm>
               <a:off x="1170720" y="1643760"/>
-              <a:ext cx="378720" cy="3886200"/>
+              <a:ext cx="378360" cy="3885840"/>
             </a:xfrm>
             <a:prstGeom prst="rect">
               <a:avLst/>
@@ -10549,14 +9472,14 @@
         </p:sp>
         <p:sp>
           <p:nvSpPr>
-            <p:cNvPr id="114" name="CustomShape 5"/>
+            <p:cNvPr id="108" name="CustomShape 5"/>
             <p:cNvSpPr/>
             <p:nvPr/>
           </p:nvSpPr>
           <p:spPr>
             <a:xfrm>
               <a:off x="1355400" y="1320480"/>
-              <a:ext cx="194400" cy="322920"/>
+              <a:ext cx="194040" cy="322560"/>
             </a:xfrm>
             <a:prstGeom prst="rect">
               <a:avLst/>
@@ -10580,13 +9503,13 @@
         </p:sp>
         <p:graphicFrame>
           <p:nvGraphicFramePr>
-            <p:cNvPr id="115" name="Table 6"/>
+            <p:cNvPr id="109" name="Table 6"/>
             <p:cNvGraphicFramePr/>
             <p:nvPr/>
           </p:nvGraphicFramePr>
           <p:xfrm>
             <a:off x="80640" y="4813200"/>
-            <a:ext cx="3805560" cy="2044800"/>
+            <a:ext cx="3805560" cy="1654920"/>
           </p:xfrm>
           <a:graphic>
             <a:graphicData uri="http://schemas.openxmlformats.org/drawingml/2006/table">
@@ -10600,10 +9523,15 @@
                 <a:tr h="719640">
                   <a:tc>
                     <a:txBody>
-                      <a:bodyPr lIns="90000" rIns="90000" tIns="46800" bIns="46800">
+                      <a:bodyPr lIns="90000" rIns="90000">
                         <a:noAutofit/>
                       </a:bodyPr>
                       <a:p>
+                        <a:pPr>
+                          <a:lnSpc>
+                            <a:spcPct val="100000"/>
+                          </a:lnSpc>
+                        </a:pPr>
                         <a:r>
                           <a:rPr b="0" lang="en-US" sz="1800" spc="-1" strike="noStrike">
                             <a:latin typeface="Arial"/>
@@ -10643,10 +9571,15 @@
                   </a:tc>
                   <a:tc>
                     <a:txBody>
-                      <a:bodyPr lIns="90000" rIns="90000" tIns="46800" bIns="46800">
+                      <a:bodyPr lIns="90000" rIns="90000">
                         <a:noAutofit/>
                       </a:bodyPr>
                       <a:p>
+                        <a:pPr>
+                          <a:lnSpc>
+                            <a:spcPct val="100000"/>
+                          </a:lnSpc>
+                        </a:pPr>
                         <a:r>
                           <a:rPr b="0" lang="en-US" sz="1800" spc="-1" strike="noStrike">
                             <a:latin typeface="Arial"/>
@@ -10686,10 +9619,15 @@
                   </a:tc>
                   <a:tc>
                     <a:txBody>
-                      <a:bodyPr lIns="90000" rIns="90000" tIns="46800" bIns="46800">
+                      <a:bodyPr lIns="90000" rIns="90000">
                         <a:noAutofit/>
                       </a:bodyPr>
                       <a:p>
+                        <a:pPr>
+                          <a:lnSpc>
+                            <a:spcPct val="100000"/>
+                          </a:lnSpc>
+                        </a:pPr>
                         <a:r>
                           <a:rPr b="0" lang="en-US" sz="1800" spc="-1" strike="noStrike">
                             <a:latin typeface="Arial"/>
@@ -10731,10 +9669,15 @@
                 <a:tr h="719640">
                   <a:tc>
                     <a:txBody>
-                      <a:bodyPr lIns="90000" rIns="90000" tIns="46800" bIns="46800">
+                      <a:bodyPr lIns="90000" rIns="90000">
                         <a:noAutofit/>
                       </a:bodyPr>
                       <a:p>
+                        <a:pPr>
+                          <a:lnSpc>
+                            <a:spcPct val="100000"/>
+                          </a:lnSpc>
+                        </a:pPr>
                         <a:r>
                           <a:rPr b="0" lang="en-US" sz="1800" spc="-1" strike="noStrike">
                             <a:latin typeface="Arial"/>
@@ -10774,10 +9717,15 @@
                   </a:tc>
                   <a:tc>
                     <a:txBody>
-                      <a:bodyPr lIns="90000" rIns="90000" tIns="46800" bIns="46800">
+                      <a:bodyPr lIns="90000" rIns="90000">
                         <a:noAutofit/>
                       </a:bodyPr>
                       <a:p>
+                        <a:pPr>
+                          <a:lnSpc>
+                            <a:spcPct val="100000"/>
+                          </a:lnSpc>
+                        </a:pPr>
                         <a:r>
                           <a:rPr b="0" lang="en-US" sz="1800" spc="-1" strike="noStrike">
                             <a:latin typeface="Arial"/>
@@ -10817,10 +9765,15 @@
                   </a:tc>
                   <a:tc>
                     <a:txBody>
-                      <a:bodyPr lIns="90000" rIns="90000" tIns="46800" bIns="46800">
+                      <a:bodyPr lIns="90000" rIns="90000">
                         <a:noAutofit/>
                       </a:bodyPr>
                       <a:p>
+                        <a:pPr>
+                          <a:lnSpc>
+                            <a:spcPct val="100000"/>
+                          </a:lnSpc>
+                        </a:pPr>
                         <a:r>
                           <a:rPr b="0" lang="en-US" sz="1800" spc="-1" strike="noStrike">
                             <a:latin typeface="Arial"/>
@@ -10862,10 +9815,15 @@
                 <a:tr h="216000">
                   <a:tc>
                     <a:txBody>
-                      <a:bodyPr lIns="90000" rIns="90000" tIns="46800" bIns="46800">
+                      <a:bodyPr lIns="90000" rIns="90000">
                         <a:noAutofit/>
                       </a:bodyPr>
                       <a:p>
+                        <a:pPr>
+                          <a:lnSpc>
+                            <a:spcPct val="100000"/>
+                          </a:lnSpc>
+                        </a:pPr>
                         <a:r>
                           <a:rPr b="0" lang="en-US" sz="1800" spc="-1" strike="noStrike">
                             <a:latin typeface="Arial"/>
@@ -10905,10 +9863,15 @@
                   </a:tc>
                   <a:tc>
                     <a:txBody>
-                      <a:bodyPr lIns="90000" rIns="90000" tIns="46800" bIns="46800">
+                      <a:bodyPr lIns="90000" rIns="90000">
                         <a:noAutofit/>
                       </a:bodyPr>
                       <a:p>
+                        <a:pPr>
+                          <a:lnSpc>
+                            <a:spcPct val="100000"/>
+                          </a:lnSpc>
+                        </a:pPr>
                         <a:r>
                           <a:rPr b="0" lang="en-US" sz="1800" spc="-1" strike="noStrike">
                             <a:latin typeface="Arial"/>
@@ -10948,10 +9911,15 @@
                   </a:tc>
                   <a:tc>
                     <a:txBody>
-                      <a:bodyPr lIns="90000" rIns="90000" tIns="46800" bIns="46800">
+                      <a:bodyPr lIns="90000" rIns="90000">
                         <a:noAutofit/>
                       </a:bodyPr>
                       <a:p>
+                        <a:pPr>
+                          <a:lnSpc>
+                            <a:spcPct val="100000"/>
+                          </a:lnSpc>
+                        </a:pPr>
                         <a:r>
                           <a:rPr b="0" lang="en-US" sz="1800" spc="-1" strike="noStrike">
                             <a:latin typeface="Arial"/>
@@ -10997,14 +9965,14 @@
       </p:grpSp>
       <p:sp>
         <p:nvSpPr>
-          <p:cNvPr id="116" name="TextShape 7"/>
-          <p:cNvSpPr txBox="1"/>
+          <p:cNvPr id="110" name="CustomShape 7"/>
+          <p:cNvSpPr/>
           <p:nvPr/>
         </p:nvSpPr>
         <p:spPr>
           <a:xfrm>
             <a:off x="762120" y="7200"/>
-            <a:ext cx="10498680" cy="1359000"/>
+            <a:ext cx="10498320" cy="1358640"/>
           </a:xfrm>
           <a:prstGeom prst="rect">
             <a:avLst/>
@@ -11014,8 +9982,14 @@
             <a:noFill/>
           </a:ln>
         </p:spPr>
+        <p:style>
+          <a:lnRef idx="0"/>
+          <a:fillRef idx="0"/>
+          <a:effectRef idx="0"/>
+          <a:fontRef idx="minor"/>
+        </p:style>
         <p:txBody>
-          <a:bodyPr anchor="ctr">
+          <a:bodyPr lIns="90000" rIns="90000" tIns="45000" bIns="45000" anchor="ctr">
             <a:normAutofit/>
           </a:bodyPr>
           <a:p>
@@ -11034,24 +10008,21 @@
               <a:t>Profit Analysis</a:t>
             </a:r>
             <a:endParaRPr b="0" lang="en-US" sz="3500" spc="-1" strike="noStrike">
-              <a:solidFill>
-                <a:srgbClr val="000000"/>
-              </a:solidFill>
-              <a:latin typeface="Calibri"/>
+              <a:latin typeface="Arial"/>
             </a:endParaRPr>
           </a:p>
         </p:txBody>
       </p:sp>
       <p:sp>
         <p:nvSpPr>
-          <p:cNvPr id="117" name="CustomShape 8"/>
+          <p:cNvPr id="111" name="CustomShape 8"/>
           <p:cNvSpPr/>
           <p:nvPr/>
         </p:nvSpPr>
         <p:spPr>
           <a:xfrm>
             <a:off x="0" y="0"/>
-            <a:ext cx="12191760" cy="1383480"/>
+            <a:ext cx="12191400" cy="1383120"/>
           </a:xfrm>
           <a:prstGeom prst="rect">
             <a:avLst/>
@@ -11088,6 +10059,7 @@
                   <a:srgbClr val="ed7d31"/>
                 </a:solidFill>
                 <a:latin typeface="Calibri Light"/>
+                <a:ea typeface="DejaVu Sans"/>
               </a:rPr>
               <a:t>      </a:t>
             </a:r>
@@ -11097,6 +10069,7 @@
                   <a:srgbClr val="ed7d31"/>
                 </a:solidFill>
                 <a:latin typeface="Calibri Light"/>
+                <a:ea typeface="DejaVu Sans"/>
               </a:rPr>
               <a:t>Profit Analysis</a:t>
             </a:r>
@@ -11108,7 +10081,7 @@
       </p:sp>
       <p:pic>
         <p:nvPicPr>
-          <p:cNvPr id="118" name="" descr=""/>
+          <p:cNvPr id="112" name="" descr=""/>
           <p:cNvPicPr/>
           <p:nvPr/>
         </p:nvPicPr>
@@ -11119,7 +10092,7 @@
         <p:spPr>
           <a:xfrm>
             <a:off x="229320" y="1828800"/>
-            <a:ext cx="4114080" cy="2370240"/>
+            <a:ext cx="4113720" cy="2369880"/>
           </a:xfrm>
           <a:prstGeom prst="rect">
             <a:avLst/>
@@ -11131,7 +10104,7 @@
       </p:pic>
       <p:pic>
         <p:nvPicPr>
-          <p:cNvPr id="119" name="" descr=""/>
+          <p:cNvPr id="113" name="" descr=""/>
           <p:cNvPicPr/>
           <p:nvPr/>
         </p:nvPicPr>
@@ -11142,7 +10115,7 @@
         <p:spPr>
           <a:xfrm>
             <a:off x="4572000" y="1959120"/>
-            <a:ext cx="3724920" cy="2933280"/>
+            <a:ext cx="3724560" cy="2932920"/>
           </a:xfrm>
           <a:prstGeom prst="rect">
             <a:avLst/>
@@ -11154,7 +10127,7 @@
       </p:pic>
       <p:pic>
         <p:nvPicPr>
-          <p:cNvPr id="120" name="" descr=""/>
+          <p:cNvPr id="114" name="" descr=""/>
           <p:cNvPicPr/>
           <p:nvPr/>
         </p:nvPicPr>
@@ -11165,7 +10138,7 @@
         <p:spPr>
           <a:xfrm>
             <a:off x="8458200" y="1819800"/>
-            <a:ext cx="3733560" cy="2980800"/>
+            <a:ext cx="3733200" cy="2980440"/>
           </a:xfrm>
           <a:prstGeom prst="rect">
             <a:avLst/>
@@ -11207,14 +10180,14 @@
       </p:grpSpPr>
       <p:sp>
         <p:nvSpPr>
-          <p:cNvPr id="121" name="CustomShape 1"/>
+          <p:cNvPr id="115" name="CustomShape 1"/>
           <p:cNvSpPr/>
           <p:nvPr/>
         </p:nvSpPr>
         <p:spPr>
           <a:xfrm>
             <a:off x="0" y="-12240"/>
-            <a:ext cx="12191760" cy="1383480"/>
+            <a:ext cx="12191400" cy="1383120"/>
           </a:xfrm>
           <a:prstGeom prst="rect">
             <a:avLst/>
@@ -11251,6 +10224,7 @@
                   <a:srgbClr val="ed7d31"/>
                 </a:solidFill>
                 <a:latin typeface="Calibri Light"/>
+                <a:ea typeface="DejaVu Sans"/>
               </a:rPr>
               <a:t>      </a:t>
             </a:r>
@@ -11260,6 +10234,7 @@
                   <a:srgbClr val="ed7d31"/>
                 </a:solidFill>
                 <a:latin typeface="Calibri Light"/>
+                <a:ea typeface="DejaVu Sans"/>
               </a:rPr>
               <a:t>Density Profit Analysis</a:t>
             </a:r>
@@ -11271,7 +10246,7 @@
       </p:sp>
       <p:pic>
         <p:nvPicPr>
-          <p:cNvPr id="122" name="" descr=""/>
+          <p:cNvPr id="116" name="" descr=""/>
           <p:cNvPicPr/>
           <p:nvPr/>
         </p:nvPicPr>
@@ -11282,7 +10257,7 @@
         <p:spPr>
           <a:xfrm>
             <a:off x="276480" y="1819800"/>
-            <a:ext cx="4524120" cy="2980800"/>
+            <a:ext cx="4523760" cy="2980440"/>
           </a:xfrm>
           <a:prstGeom prst="rect">
             <a:avLst/>
@@ -11294,7 +10269,7 @@
       </p:pic>
       <p:pic>
         <p:nvPicPr>
-          <p:cNvPr id="123" name="" descr=""/>
+          <p:cNvPr id="117" name="" descr=""/>
           <p:cNvPicPr/>
           <p:nvPr/>
         </p:nvPicPr>
@@ -11305,7 +10280,7 @@
         <p:spPr>
           <a:xfrm>
             <a:off x="6400800" y="1430280"/>
-            <a:ext cx="4857480" cy="3990600"/>
+            <a:ext cx="4857120" cy="3990240"/>
           </a:xfrm>
           <a:prstGeom prst="rect">
             <a:avLst/>
@@ -11347,14 +10322,14 @@
       </p:grpSpPr>
       <p:sp>
         <p:nvSpPr>
-          <p:cNvPr id="124" name="CustomShape 1"/>
+          <p:cNvPr id="118" name="CustomShape 1"/>
           <p:cNvSpPr/>
           <p:nvPr/>
         </p:nvSpPr>
         <p:spPr>
           <a:xfrm>
             <a:off x="7699320" y="1828800"/>
-            <a:ext cx="3959280" cy="1735560"/>
+            <a:ext cx="3958920" cy="1735560"/>
           </a:xfrm>
           <a:prstGeom prst="rect">
             <a:avLst/>
@@ -11396,6 +10371,7 @@
                   <a:srgbClr val="000000"/>
                 </a:solidFill>
                 <a:latin typeface="Calibri"/>
+                <a:ea typeface="DejaVu Sans"/>
               </a:rPr>
               <a:t>There is almost equal distribution of gender in the Profit and customer base of both the cabs and whenever the gender, Yellow Cab shows high distribution.</a:t>
             </a:r>
@@ -11407,14 +10383,14 @@
       </p:sp>
       <p:sp>
         <p:nvSpPr>
-          <p:cNvPr id="125" name="CustomShape 2"/>
+          <p:cNvPr id="119" name="CustomShape 2"/>
           <p:cNvSpPr/>
           <p:nvPr/>
         </p:nvSpPr>
         <p:spPr>
           <a:xfrm>
             <a:off x="0" y="0"/>
-            <a:ext cx="12191760" cy="1383480"/>
+            <a:ext cx="12191400" cy="1383120"/>
           </a:xfrm>
           <a:prstGeom prst="rect">
             <a:avLst/>
@@ -11451,6 +10427,7 @@
                   <a:srgbClr val="ed7d31"/>
                 </a:solidFill>
                 <a:latin typeface="Calibri Light"/>
+                <a:ea typeface="DejaVu Sans"/>
               </a:rPr>
               <a:t>      </a:t>
             </a:r>
@@ -11460,6 +10437,7 @@
                   <a:srgbClr val="ed7d31"/>
                 </a:solidFill>
                 <a:latin typeface="Calibri Light"/>
+                <a:ea typeface="DejaVu Sans"/>
               </a:rPr>
               <a:t>Profit and customer base Analysis Gender wise       </a:t>
             </a:r>
@@ -11471,7 +10449,7 @@
       </p:sp>
       <p:pic>
         <p:nvPicPr>
-          <p:cNvPr id="126" name="" descr=""/>
+          <p:cNvPr id="120" name="" descr=""/>
           <p:cNvPicPr/>
           <p:nvPr/>
         </p:nvPicPr>
@@ -11482,7 +10460,7 @@
         <p:spPr>
           <a:xfrm>
             <a:off x="914400" y="1553040"/>
-            <a:ext cx="6257520" cy="3476160"/>
+            <a:ext cx="6257160" cy="3475800"/>
           </a:xfrm>
           <a:prstGeom prst="rect">
             <a:avLst/>
@@ -11524,14 +10502,14 @@
       </p:grpSpPr>
       <p:sp>
         <p:nvSpPr>
-          <p:cNvPr id="127" name="CustomShape 1"/>
+          <p:cNvPr id="121" name="CustomShape 1"/>
           <p:cNvSpPr/>
           <p:nvPr/>
         </p:nvSpPr>
         <p:spPr>
           <a:xfrm>
             <a:off x="7055640" y="1373760"/>
-            <a:ext cx="742680" cy="316440"/>
+            <a:ext cx="742320" cy="316080"/>
           </a:xfrm>
           <a:prstGeom prst="rect">
             <a:avLst/>
@@ -11555,14 +10533,14 @@
       </p:sp>
       <p:sp>
         <p:nvSpPr>
-          <p:cNvPr id="128" name="CustomShape 2"/>
+          <p:cNvPr id="122" name="CustomShape 2"/>
           <p:cNvSpPr/>
           <p:nvPr/>
         </p:nvSpPr>
         <p:spPr>
           <a:xfrm>
             <a:off x="10161720" y="1809360"/>
-            <a:ext cx="1701720" cy="3381480"/>
+            <a:ext cx="1701360" cy="3381480"/>
           </a:xfrm>
           <a:prstGeom prst="rect">
             <a:avLst/>
@@ -11594,6 +10572,7 @@
                   <a:srgbClr val="000000"/>
                 </a:solidFill>
                 <a:latin typeface="Calibri"/>
+                <a:ea typeface="DejaVu Sans"/>
               </a:rPr>
               <a:t>Middle class and high class contributes more in the profit as well as in the customer base of both the cabs and we cans see high contribution for the Yellow Cab company</a:t>
             </a:r>
@@ -11605,14 +10584,14 @@
       </p:sp>
       <p:sp>
         <p:nvSpPr>
-          <p:cNvPr id="129" name="CustomShape 3"/>
+          <p:cNvPr id="123" name="CustomShape 3"/>
           <p:cNvSpPr/>
           <p:nvPr/>
         </p:nvSpPr>
         <p:spPr>
           <a:xfrm>
             <a:off x="0" y="-16920"/>
-            <a:ext cx="12191760" cy="1383480"/>
+            <a:ext cx="12191400" cy="1383120"/>
           </a:xfrm>
           <a:prstGeom prst="rect">
             <a:avLst/>
@@ -11649,6 +10628,7 @@
                   <a:srgbClr val="ed7d31"/>
                 </a:solidFill>
                 <a:latin typeface="Calibri Light"/>
+                <a:ea typeface="DejaVu Sans"/>
               </a:rPr>
               <a:t>      </a:t>
             </a:r>
@@ -11658,6 +10638,7 @@
                   <a:srgbClr val="ed7d31"/>
                 </a:solidFill>
                 <a:latin typeface="Calibri Light"/>
+                <a:ea typeface="DejaVu Sans"/>
               </a:rPr>
               <a:t>Income Class wise Profit and customer base Analysis</a:t>
             </a:r>
@@ -11669,7 +10650,7 @@
       </p:sp>
       <p:pic>
         <p:nvPicPr>
-          <p:cNvPr id="130" name="" descr=""/>
+          <p:cNvPr id="124" name="" descr=""/>
           <p:cNvPicPr/>
           <p:nvPr/>
         </p:nvPicPr>
@@ -11680,7 +10661,7 @@
         <p:spPr>
           <a:xfrm>
             <a:off x="400320" y="1533960"/>
-            <a:ext cx="8972280" cy="3723840"/>
+            <a:ext cx="8971920" cy="3723480"/>
           </a:xfrm>
           <a:prstGeom prst="rect">
             <a:avLst/>
@@ -11722,14 +10703,14 @@
       </p:grpSpPr>
       <p:sp>
         <p:nvSpPr>
-          <p:cNvPr id="131" name="CustomShape 1"/>
+          <p:cNvPr id="125" name="CustomShape 1"/>
           <p:cNvSpPr/>
           <p:nvPr/>
         </p:nvSpPr>
         <p:spPr>
           <a:xfrm>
             <a:off x="-6480" y="-12240"/>
-            <a:ext cx="12191760" cy="1383480"/>
+            <a:ext cx="12191400" cy="1383120"/>
           </a:xfrm>
           <a:prstGeom prst="rect">
             <a:avLst/>
@@ -11766,6 +10747,7 @@
                   <a:srgbClr val="ed7d31"/>
                 </a:solidFill>
                 <a:latin typeface="Calibri Light"/>
+                <a:ea typeface="DejaVu Sans"/>
               </a:rPr>
               <a:t>       </a:t>
             </a:r>
@@ -11775,6 +10757,7 @@
                   <a:srgbClr val="ed7d31"/>
                 </a:solidFill>
                 <a:latin typeface="Calibri Light"/>
+                <a:ea typeface="DejaVu Sans"/>
               </a:rPr>
               <a:t>Age GroupWise Profit And Customer Base Analysis</a:t>
             </a:r>
@@ -11786,7 +10769,7 @@
       </p:sp>
       <p:pic>
         <p:nvPicPr>
-          <p:cNvPr id="132" name="" descr=""/>
+          <p:cNvPr id="126" name="" descr=""/>
           <p:cNvPicPr/>
           <p:nvPr/>
         </p:nvPicPr>
@@ -11797,7 +10780,7 @@
         <p:spPr>
           <a:xfrm>
             <a:off x="0" y="1600200"/>
-            <a:ext cx="4828680" cy="3933360"/>
+            <a:ext cx="4828320" cy="3933000"/>
           </a:xfrm>
           <a:prstGeom prst="rect">
             <a:avLst/>
@@ -11809,14 +10792,14 @@
       </p:pic>
       <p:sp>
         <p:nvSpPr>
-          <p:cNvPr id="133" name="CustomShape 2"/>
+          <p:cNvPr id="127" name="CustomShape 2"/>
           <p:cNvSpPr/>
           <p:nvPr/>
         </p:nvSpPr>
         <p:spPr>
           <a:xfrm>
             <a:off x="5486400" y="5716080"/>
-            <a:ext cx="5462640" cy="913320"/>
+            <a:ext cx="5462280" cy="912960"/>
           </a:xfrm>
           <a:prstGeom prst="rect">
             <a:avLst/>
@@ -11858,6 +10841,7 @@
                   <a:srgbClr val="000000"/>
                 </a:solidFill>
                 <a:latin typeface="Calibri"/>
+                <a:ea typeface="DejaVu Sans"/>
               </a:rPr>
               <a:t>contribute more in the profit as well as in the customer base of both the cabs and we cans see high contribution for the Yellow Cab company </a:t>
             </a:r>
@@ -11869,7 +10853,7 @@
       </p:sp>
       <p:pic>
         <p:nvPicPr>
-          <p:cNvPr id="134" name="" descr=""/>
+          <p:cNvPr id="128" name="" descr=""/>
           <p:cNvPicPr/>
           <p:nvPr/>
         </p:nvPicPr>
@@ -11880,7 +10864,7 @@
         <p:spPr>
           <a:xfrm>
             <a:off x="4800600" y="1600200"/>
-            <a:ext cx="7315200" cy="3723840"/>
+            <a:ext cx="7314840" cy="3723480"/>
           </a:xfrm>
           <a:prstGeom prst="rect">
             <a:avLst/>
